--- a/파이썬_강좌/7. 파이썬기초 제어문  For문 while문.pptx
+++ b/파이썬_강좌/7. 파이썬기초 제어문  For문 while문.pptx
@@ -1,33 +1,33 @@
 
 <file path=ppt/presentation.xml><?xml version="1.0" encoding="utf-8"?>
-<p:presentation xmlns:a="http://schemas.openxmlformats.org/drawingml/2006/main" xmlns:r="http://schemas.openxmlformats.org/officeDocument/2006/relationships" xmlns:mc="http://schemas.openxmlformats.org/markup-compatibility/2006" xmlns:mv="urn:schemas-microsoft-com:mac:vml" xmlns:p="http://schemas.openxmlformats.org/presentationml/2006/main" xmlns:c="http://schemas.openxmlformats.org/drawingml/2006/chart" xmlns:dgm="http://schemas.openxmlformats.org/drawingml/2006/diagram" xmlns:o="urn:schemas-microsoft-com:office:office" xmlns:v="urn:schemas-microsoft-com:vml" xmlns:pvml="urn:schemas-microsoft-com:office:powerpoint" xmlns:com="http://schemas.openxmlformats.org/drawingml/2006/compatibility" xmlns:p14="http://schemas.microsoft.com/office/powerpoint/2010/main" xmlns:p15="http://schemas.microsoft.com/office/powerpoint/2012/main" xmlns:ahyp="http://schemas.microsoft.com/office/drawing/2018/hyperlinkcolor" autoCompressPictures="0" strictFirstAndLastChars="0" saveSubsetFonts="1">
+<p:presentation xmlns:a="http://schemas.openxmlformats.org/drawingml/2006/main" xmlns:r="http://schemas.openxmlformats.org/officeDocument/2006/relationships" xmlns:p="http://schemas.openxmlformats.org/presentationml/2006/main" strictFirstAndLastChars="0" saveSubsetFonts="1" autoCompressPictures="0">
   <p:sldMasterIdLst>
-    <p:sldMasterId id="2147483659" r:id="rId5"/>
+    <p:sldMasterId id="2147483659" r:id="rId1"/>
   </p:sldMasterIdLst>
   <p:notesMasterIdLst>
-    <p:notesMasterId r:id="rId6"/>
+    <p:notesMasterId r:id="rId17"/>
   </p:notesMasterIdLst>
   <p:sldIdLst>
-    <p:sldId id="256" r:id="rId7"/>
-    <p:sldId id="257" r:id="rId8"/>
-    <p:sldId id="258" r:id="rId9"/>
-    <p:sldId id="259" r:id="rId10"/>
-    <p:sldId id="260" r:id="rId11"/>
-    <p:sldId id="261" r:id="rId12"/>
-    <p:sldId id="262" r:id="rId13"/>
-    <p:sldId id="263" r:id="rId14"/>
-    <p:sldId id="264" r:id="rId15"/>
-    <p:sldId id="265" r:id="rId16"/>
-    <p:sldId id="266" r:id="rId17"/>
-    <p:sldId id="267" r:id="rId18"/>
-    <p:sldId id="268" r:id="rId19"/>
-    <p:sldId id="269" r:id="rId20"/>
-    <p:sldId id="270" r:id="rId21"/>
+    <p:sldId id="256" r:id="rId2"/>
+    <p:sldId id="257" r:id="rId3"/>
+    <p:sldId id="258" r:id="rId4"/>
+    <p:sldId id="259" r:id="rId5"/>
+    <p:sldId id="260" r:id="rId6"/>
+    <p:sldId id="261" r:id="rId7"/>
+    <p:sldId id="262" r:id="rId8"/>
+    <p:sldId id="263" r:id="rId9"/>
+    <p:sldId id="264" r:id="rId10"/>
+    <p:sldId id="265" r:id="rId11"/>
+    <p:sldId id="266" r:id="rId12"/>
+    <p:sldId id="267" r:id="rId13"/>
+    <p:sldId id="268" r:id="rId14"/>
+    <p:sldId id="269" r:id="rId15"/>
+    <p:sldId id="270" r:id="rId16"/>
   </p:sldIdLst>
-  <p:sldSz cy="6858000" cx="9144000"/>
+  <p:sldSz cx="12192000" cy="6858000"/>
   <p:notesSz cx="6858000" cy="9144000"/>
   <p:defaultTextStyle>
-    <a:defPPr lvl="0" marR="0" rtl="0" algn="l">
+    <a:defPPr marR="0" lvl="0" algn="l" rtl="0">
       <a:lnSpc>
         <a:spcPct val="100000"/>
       </a:lnSpc>
@@ -38,7 +38,7 @@
         <a:spcPts val="0"/>
       </a:spcAft>
     </a:defPPr>
-    <a:lvl1pPr lvl="0" marR="0" rtl="0" algn="l">
+    <a:lvl1pPr marR="0" lvl="0" algn="l" rtl="0">
       <a:lnSpc>
         <a:spcPct val="100000"/>
       </a:lnSpc>
@@ -52,7 +52,7 @@
         <a:srgbClr val="000000"/>
       </a:buClr>
       <a:buFont typeface="Arial"/>
-      <a:defRPr b="0" i="0" sz="1400" u="none" cap="none" strike="noStrike">
+      <a:defRPr sz="1400" b="0" i="0" u="none" strike="noStrike" cap="none">
         <a:solidFill>
           <a:srgbClr val="000000"/>
         </a:solidFill>
@@ -62,7 +62,7 @@
         <a:sym typeface="Arial"/>
       </a:defRPr>
     </a:lvl1pPr>
-    <a:lvl2pPr lvl="1" marR="0" rtl="0" algn="l">
+    <a:lvl2pPr marR="0" lvl="1" algn="l" rtl="0">
       <a:lnSpc>
         <a:spcPct val="100000"/>
       </a:lnSpc>
@@ -76,7 +76,7 @@
         <a:srgbClr val="000000"/>
       </a:buClr>
       <a:buFont typeface="Arial"/>
-      <a:defRPr b="0" i="0" sz="1400" u="none" cap="none" strike="noStrike">
+      <a:defRPr sz="1400" b="0" i="0" u="none" strike="noStrike" cap="none">
         <a:solidFill>
           <a:srgbClr val="000000"/>
         </a:solidFill>
@@ -86,7 +86,7 @@
         <a:sym typeface="Arial"/>
       </a:defRPr>
     </a:lvl2pPr>
-    <a:lvl3pPr lvl="2" marR="0" rtl="0" algn="l">
+    <a:lvl3pPr marR="0" lvl="2" algn="l" rtl="0">
       <a:lnSpc>
         <a:spcPct val="100000"/>
       </a:lnSpc>
@@ -100,7 +100,7 @@
         <a:srgbClr val="000000"/>
       </a:buClr>
       <a:buFont typeface="Arial"/>
-      <a:defRPr b="0" i="0" sz="1400" u="none" cap="none" strike="noStrike">
+      <a:defRPr sz="1400" b="0" i="0" u="none" strike="noStrike" cap="none">
         <a:solidFill>
           <a:srgbClr val="000000"/>
         </a:solidFill>
@@ -110,7 +110,7 @@
         <a:sym typeface="Arial"/>
       </a:defRPr>
     </a:lvl3pPr>
-    <a:lvl4pPr lvl="3" marR="0" rtl="0" algn="l">
+    <a:lvl4pPr marR="0" lvl="3" algn="l" rtl="0">
       <a:lnSpc>
         <a:spcPct val="100000"/>
       </a:lnSpc>
@@ -124,7 +124,7 @@
         <a:srgbClr val="000000"/>
       </a:buClr>
       <a:buFont typeface="Arial"/>
-      <a:defRPr b="0" i="0" sz="1400" u="none" cap="none" strike="noStrike">
+      <a:defRPr sz="1400" b="0" i="0" u="none" strike="noStrike" cap="none">
         <a:solidFill>
           <a:srgbClr val="000000"/>
         </a:solidFill>
@@ -134,7 +134,7 @@
         <a:sym typeface="Arial"/>
       </a:defRPr>
     </a:lvl4pPr>
-    <a:lvl5pPr lvl="4" marR="0" rtl="0" algn="l">
+    <a:lvl5pPr marR="0" lvl="4" algn="l" rtl="0">
       <a:lnSpc>
         <a:spcPct val="100000"/>
       </a:lnSpc>
@@ -148,7 +148,7 @@
         <a:srgbClr val="000000"/>
       </a:buClr>
       <a:buFont typeface="Arial"/>
-      <a:defRPr b="0" i="0" sz="1400" u="none" cap="none" strike="noStrike">
+      <a:defRPr sz="1400" b="0" i="0" u="none" strike="noStrike" cap="none">
         <a:solidFill>
           <a:srgbClr val="000000"/>
         </a:solidFill>
@@ -158,7 +158,7 @@
         <a:sym typeface="Arial"/>
       </a:defRPr>
     </a:lvl5pPr>
-    <a:lvl6pPr lvl="5" marR="0" rtl="0" algn="l">
+    <a:lvl6pPr marR="0" lvl="5" algn="l" rtl="0">
       <a:lnSpc>
         <a:spcPct val="100000"/>
       </a:lnSpc>
@@ -172,7 +172,7 @@
         <a:srgbClr val="000000"/>
       </a:buClr>
       <a:buFont typeface="Arial"/>
-      <a:defRPr b="0" i="0" sz="1400" u="none" cap="none" strike="noStrike">
+      <a:defRPr sz="1400" b="0" i="0" u="none" strike="noStrike" cap="none">
         <a:solidFill>
           <a:srgbClr val="000000"/>
         </a:solidFill>
@@ -182,7 +182,7 @@
         <a:sym typeface="Arial"/>
       </a:defRPr>
     </a:lvl6pPr>
-    <a:lvl7pPr lvl="6" marR="0" rtl="0" algn="l">
+    <a:lvl7pPr marR="0" lvl="6" algn="l" rtl="0">
       <a:lnSpc>
         <a:spcPct val="100000"/>
       </a:lnSpc>
@@ -196,7 +196,7 @@
         <a:srgbClr val="000000"/>
       </a:buClr>
       <a:buFont typeface="Arial"/>
-      <a:defRPr b="0" i="0" sz="1400" u="none" cap="none" strike="noStrike">
+      <a:defRPr sz="1400" b="0" i="0" u="none" strike="noStrike" cap="none">
         <a:solidFill>
           <a:srgbClr val="000000"/>
         </a:solidFill>
@@ -206,7 +206,7 @@
         <a:sym typeface="Arial"/>
       </a:defRPr>
     </a:lvl7pPr>
-    <a:lvl8pPr lvl="7" marR="0" rtl="0" algn="l">
+    <a:lvl8pPr marR="0" lvl="7" algn="l" rtl="0">
       <a:lnSpc>
         <a:spcPct val="100000"/>
       </a:lnSpc>
@@ -220,7 +220,7 @@
         <a:srgbClr val="000000"/>
       </a:buClr>
       <a:buFont typeface="Arial"/>
-      <a:defRPr b="0" i="0" sz="1400" u="none" cap="none" strike="noStrike">
+      <a:defRPr sz="1400" b="0" i="0" u="none" strike="noStrike" cap="none">
         <a:solidFill>
           <a:srgbClr val="000000"/>
         </a:solidFill>
@@ -230,7 +230,7 @@
         <a:sym typeface="Arial"/>
       </a:defRPr>
     </a:lvl8pPr>
-    <a:lvl9pPr lvl="8" marR="0" rtl="0" algn="l">
+    <a:lvl9pPr marR="0" lvl="8" algn="l" rtl="0">
       <a:lnSpc>
         <a:spcPct val="100000"/>
       </a:lnSpc>
@@ -244,7 +244,7 @@
         <a:srgbClr val="000000"/>
       </a:buClr>
       <a:buFont typeface="Arial"/>
-      <a:defRPr b="0" i="0" sz="1400" u="none" cap="none" strike="noStrike">
+      <a:defRPr sz="1400" b="0" i="0" u="none" strike="noStrike" cap="none">
         <a:solidFill>
           <a:srgbClr val="000000"/>
         </a:solidFill>
@@ -257,13 +257,13 @@
   </p:defaultTextStyle>
   <p:extLst>
     <p:ext uri="{EFAFB233-063F-42B5-8137-9DF3F51BA10A}">
-      <p15:sldGuideLst>
-        <p15:guide id="1" orient="horz" pos="2160">
+      <p15:sldGuideLst xmlns:p15="http://schemas.microsoft.com/office/powerpoint/2012/main">
+        <p15:guide id="1" orient="horz" pos="2160" userDrawn="1">
           <p15:clr>
             <a:srgbClr val="A4A3A4"/>
           </p15:clr>
         </p15:guide>
-        <p15:guide id="2" pos="2880">
+        <p15:guide id="2" pos="3840" userDrawn="1">
           <p15:clr>
             <a:srgbClr val="A4A3A4"/>
           </p15:clr>
@@ -275,11 +275,16 @@
 </file>
 
 <file path=ppt/notesMasters/notesMaster1.xml><?xml version="1.0" encoding="utf-8"?>
-<p:notesMaster xmlns:a="http://schemas.openxmlformats.org/drawingml/2006/main" xmlns:r="http://schemas.openxmlformats.org/officeDocument/2006/relationships" xmlns:mc="http://schemas.openxmlformats.org/markup-compatibility/2006" xmlns:mv="urn:schemas-microsoft-com:mac:vml" xmlns:p="http://schemas.openxmlformats.org/presentationml/2006/main" xmlns:c="http://schemas.openxmlformats.org/drawingml/2006/chart" xmlns:dgm="http://schemas.openxmlformats.org/drawingml/2006/diagram" xmlns:o="urn:schemas-microsoft-com:office:office" xmlns:v="urn:schemas-microsoft-com:vml" xmlns:pvml="urn:schemas-microsoft-com:office:powerpoint" xmlns:com="http://schemas.openxmlformats.org/drawingml/2006/compatibility" xmlns:p14="http://schemas.microsoft.com/office/powerpoint/2010/main" xmlns:p15="http://schemas.microsoft.com/office/powerpoint/2012/main" xmlns:ahyp="http://schemas.microsoft.com/office/drawing/2018/hyperlinkcolor">
+<p:notesMaster xmlns:a="http://schemas.openxmlformats.org/drawingml/2006/main" xmlns:r="http://schemas.openxmlformats.org/officeDocument/2006/relationships" xmlns:p="http://schemas.openxmlformats.org/presentationml/2006/main">
   <p:cSld>
+    <p:bg>
+      <p:bgRef idx="1001">
+        <a:schemeClr val="bg1"/>
+      </p:bgRef>
+    </p:bg>
     <p:spTree>
       <p:nvGrpSpPr>
-        <p:cNvPr id="2" name="Shape 2"/>
+        <p:cNvPr id="1" name="Shape 2"/>
         <p:cNvGrpSpPr/>
         <p:nvPr/>
       </p:nvGrpSpPr>
@@ -294,20 +299,26 @@
       <p:sp>
         <p:nvSpPr>
           <p:cNvPr id="3" name="Google Shape;3;n"/>
-          <p:cNvSpPr/>
+          <p:cNvSpPr>
+            <a:spLocks noGrp="1" noRot="1" noChangeAspect="1"/>
+          </p:cNvSpPr>
           <p:nvPr>
-            <p:ph idx="2" type="sldImg"/>
+            <p:ph type="sldImg" idx="2"/>
           </p:nvPr>
         </p:nvSpPr>
         <p:spPr>
           <a:xfrm>
-            <a:off x="1143309" y="685800"/>
-            <a:ext cx="4572000" cy="3429000"/>
+            <a:off x="381000" y="685800"/>
+            <a:ext cx="6096000" cy="3429000"/>
           </a:xfrm>
           <a:custGeom>
-            <a:rect b="b" l="l" r="r" t="t"/>
+            <a:avLst/>
+            <a:gdLst/>
+            <a:ahLst/>
+            <a:cxnLst/>
+            <a:rect l="l" t="t" r="r" b="b"/>
             <a:pathLst>
-              <a:path extrusionOk="0" h="120000" w="120000">
+              <a:path w="120000" h="120000" extrusionOk="0">
                 <a:moveTo>
                   <a:pt x="0" y="0"/>
                 </a:moveTo>
@@ -325,23 +336,25 @@
             </a:pathLst>
           </a:custGeom>
           <a:noFill/>
-          <a:ln cap="flat" cmpd="sng" w="9525">
+          <a:ln w="9525" cap="flat" cmpd="sng">
             <a:solidFill>
               <a:srgbClr val="000000"/>
             </a:solidFill>
             <a:prstDash val="solid"/>
             <a:round/>
-            <a:headEnd len="sm" w="sm" type="none"/>
-            <a:tailEnd len="sm" w="sm" type="none"/>
+            <a:headEnd type="none" w="sm" len="sm"/>
+            <a:tailEnd type="none" w="sm" len="sm"/>
           </a:ln>
         </p:spPr>
       </p:sp>
       <p:sp>
         <p:nvSpPr>
           <p:cNvPr id="4" name="Google Shape;4;n"/>
-          <p:cNvSpPr txBox="1"/>
+          <p:cNvSpPr txBox="1">
+            <a:spLocks noGrp="1"/>
+          </p:cNvSpPr>
           <p:nvPr>
-            <p:ph idx="1" type="body"/>
+            <p:ph type="body" idx="1"/>
           </p:nvPr>
         </p:nvSpPr>
         <p:spPr>
@@ -358,11 +371,11 @@
           </a:ln>
         </p:spPr>
         <p:txBody>
-          <a:bodyPr anchorCtr="0" anchor="t" bIns="91425" lIns="91425" spcFirstLastPara="1" rIns="91425" wrap="square" tIns="91425">
+          <a:bodyPr spcFirstLastPara="1" wrap="square" lIns="91425" tIns="91425" rIns="91425" bIns="91425" anchor="t" anchorCtr="0">
             <a:noAutofit/>
           </a:bodyPr>
           <a:lstStyle>
-            <a:lvl1pPr indent="-298450" lvl="0" marL="457200">
+            <a:lvl1pPr marL="457200" lvl="0" indent="-298450">
               <a:spcBef>
                 <a:spcPts val="0"/>
               </a:spcBef>
@@ -373,7 +386,7 @@
               <a:buChar char="●"/>
               <a:defRPr sz="1100"/>
             </a:lvl1pPr>
-            <a:lvl2pPr indent="-298450" lvl="1" marL="914400">
+            <a:lvl2pPr marL="914400" lvl="1" indent="-298450">
               <a:spcBef>
                 <a:spcPts val="0"/>
               </a:spcBef>
@@ -384,7 +397,7 @@
               <a:buChar char="○"/>
               <a:defRPr sz="1100"/>
             </a:lvl2pPr>
-            <a:lvl3pPr indent="-298450" lvl="2" marL="1371600">
+            <a:lvl3pPr marL="1371600" lvl="2" indent="-298450">
               <a:spcBef>
                 <a:spcPts val="0"/>
               </a:spcBef>
@@ -395,7 +408,7 @@
               <a:buChar char="■"/>
               <a:defRPr sz="1100"/>
             </a:lvl3pPr>
-            <a:lvl4pPr indent="-298450" lvl="3" marL="1828800">
+            <a:lvl4pPr marL="1828800" lvl="3" indent="-298450">
               <a:spcBef>
                 <a:spcPts val="0"/>
               </a:spcBef>
@@ -406,7 +419,7 @@
               <a:buChar char="●"/>
               <a:defRPr sz="1100"/>
             </a:lvl4pPr>
-            <a:lvl5pPr indent="-298450" lvl="4" marL="2286000">
+            <a:lvl5pPr marL="2286000" lvl="4" indent="-298450">
               <a:spcBef>
                 <a:spcPts val="0"/>
               </a:spcBef>
@@ -417,7 +430,7 @@
               <a:buChar char="○"/>
               <a:defRPr sz="1100"/>
             </a:lvl5pPr>
-            <a:lvl6pPr indent="-298450" lvl="5" marL="2743200">
+            <a:lvl6pPr marL="2743200" lvl="5" indent="-298450">
               <a:spcBef>
                 <a:spcPts val="0"/>
               </a:spcBef>
@@ -428,7 +441,7 @@
               <a:buChar char="■"/>
               <a:defRPr sz="1100"/>
             </a:lvl6pPr>
-            <a:lvl7pPr indent="-298450" lvl="6" marL="3200400">
+            <a:lvl7pPr marL="3200400" lvl="6" indent="-298450">
               <a:spcBef>
                 <a:spcPts val="0"/>
               </a:spcBef>
@@ -439,7 +452,7 @@
               <a:buChar char="●"/>
               <a:defRPr sz="1100"/>
             </a:lvl7pPr>
-            <a:lvl8pPr indent="-298450" lvl="7" marL="3657600">
+            <a:lvl8pPr marL="3657600" lvl="7" indent="-298450">
               <a:spcBef>
                 <a:spcPts val="0"/>
               </a:spcBef>
@@ -450,7 +463,7 @@
               <a:buChar char="○"/>
               <a:defRPr sz="1100"/>
             </a:lvl8pPr>
-            <a:lvl9pPr indent="-298450" lvl="8" marL="4114800">
+            <a:lvl9pPr marL="4114800" lvl="8" indent="-298450">
               <a:spcBef>
                 <a:spcPts val="0"/>
               </a:spcBef>
@@ -462,14 +475,16 @@
               <a:defRPr sz="1100"/>
             </a:lvl9pPr>
           </a:lstStyle>
-          <a:p/>
+          <a:p>
+            <a:endParaRPr/>
+          </a:p>
         </p:txBody>
       </p:sp>
     </p:spTree>
   </p:cSld>
-  <p:clrMap accent1="accent1" accent2="accent2" accent3="accent3" accent4="accent4" accent5="accent5" accent6="accent6" bg1="lt1" bg2="dk2" tx1="dk1" tx2="lt2" folHlink="folHlink" hlink="hlink"/>
+  <p:clrMap bg1="lt1" tx1="dk1" bg2="dk2" tx2="lt2" accent1="accent1" accent2="accent2" accent3="accent3" accent4="accent4" accent5="accent5" accent6="accent6" hlink="hlink" folHlink="folHlink"/>
   <p:notesStyle>
-    <a:defPPr lvl="0" marR="0" rtl="0" algn="l">
+    <a:defPPr marR="0" lvl="0" algn="l" rtl="0">
       <a:lnSpc>
         <a:spcPct val="100000"/>
       </a:lnSpc>
@@ -480,7 +495,7 @@
         <a:spcPts val="0"/>
       </a:spcAft>
     </a:defPPr>
-    <a:lvl1pPr lvl="0" marR="0" rtl="0" algn="l">
+    <a:lvl1pPr marR="0" lvl="0" algn="l" rtl="0">
       <a:lnSpc>
         <a:spcPct val="100000"/>
       </a:lnSpc>
@@ -494,7 +509,7 @@
         <a:srgbClr val="000000"/>
       </a:buClr>
       <a:buFont typeface="Arial"/>
-      <a:defRPr b="0" i="0" sz="1400" u="none" cap="none" strike="noStrike">
+      <a:defRPr sz="1400" b="0" i="0" u="none" strike="noStrike" cap="none">
         <a:solidFill>
           <a:srgbClr val="000000"/>
         </a:solidFill>
@@ -504,7 +519,7 @@
         <a:sym typeface="Arial"/>
       </a:defRPr>
     </a:lvl1pPr>
-    <a:lvl2pPr lvl="1" marR="0" rtl="0" algn="l">
+    <a:lvl2pPr marR="0" lvl="1" algn="l" rtl="0">
       <a:lnSpc>
         <a:spcPct val="100000"/>
       </a:lnSpc>
@@ -518,7 +533,7 @@
         <a:srgbClr val="000000"/>
       </a:buClr>
       <a:buFont typeface="Arial"/>
-      <a:defRPr b="0" i="0" sz="1400" u="none" cap="none" strike="noStrike">
+      <a:defRPr sz="1400" b="0" i="0" u="none" strike="noStrike" cap="none">
         <a:solidFill>
           <a:srgbClr val="000000"/>
         </a:solidFill>
@@ -528,7 +543,7 @@
         <a:sym typeface="Arial"/>
       </a:defRPr>
     </a:lvl2pPr>
-    <a:lvl3pPr lvl="2" marR="0" rtl="0" algn="l">
+    <a:lvl3pPr marR="0" lvl="2" algn="l" rtl="0">
       <a:lnSpc>
         <a:spcPct val="100000"/>
       </a:lnSpc>
@@ -542,7 +557,7 @@
         <a:srgbClr val="000000"/>
       </a:buClr>
       <a:buFont typeface="Arial"/>
-      <a:defRPr b="0" i="0" sz="1400" u="none" cap="none" strike="noStrike">
+      <a:defRPr sz="1400" b="0" i="0" u="none" strike="noStrike" cap="none">
         <a:solidFill>
           <a:srgbClr val="000000"/>
         </a:solidFill>
@@ -552,7 +567,7 @@
         <a:sym typeface="Arial"/>
       </a:defRPr>
     </a:lvl3pPr>
-    <a:lvl4pPr lvl="3" marR="0" rtl="0" algn="l">
+    <a:lvl4pPr marR="0" lvl="3" algn="l" rtl="0">
       <a:lnSpc>
         <a:spcPct val="100000"/>
       </a:lnSpc>
@@ -566,7 +581,7 @@
         <a:srgbClr val="000000"/>
       </a:buClr>
       <a:buFont typeface="Arial"/>
-      <a:defRPr b="0" i="0" sz="1400" u="none" cap="none" strike="noStrike">
+      <a:defRPr sz="1400" b="0" i="0" u="none" strike="noStrike" cap="none">
         <a:solidFill>
           <a:srgbClr val="000000"/>
         </a:solidFill>
@@ -576,7 +591,7 @@
         <a:sym typeface="Arial"/>
       </a:defRPr>
     </a:lvl4pPr>
-    <a:lvl5pPr lvl="4" marR="0" rtl="0" algn="l">
+    <a:lvl5pPr marR="0" lvl="4" algn="l" rtl="0">
       <a:lnSpc>
         <a:spcPct val="100000"/>
       </a:lnSpc>
@@ -590,7 +605,7 @@
         <a:srgbClr val="000000"/>
       </a:buClr>
       <a:buFont typeface="Arial"/>
-      <a:defRPr b="0" i="0" sz="1400" u="none" cap="none" strike="noStrike">
+      <a:defRPr sz="1400" b="0" i="0" u="none" strike="noStrike" cap="none">
         <a:solidFill>
           <a:srgbClr val="000000"/>
         </a:solidFill>
@@ -600,7 +615,7 @@
         <a:sym typeface="Arial"/>
       </a:defRPr>
     </a:lvl5pPr>
-    <a:lvl6pPr lvl="5" marR="0" rtl="0" algn="l">
+    <a:lvl6pPr marR="0" lvl="5" algn="l" rtl="0">
       <a:lnSpc>
         <a:spcPct val="100000"/>
       </a:lnSpc>
@@ -614,7 +629,7 @@
         <a:srgbClr val="000000"/>
       </a:buClr>
       <a:buFont typeface="Arial"/>
-      <a:defRPr b="0" i="0" sz="1400" u="none" cap="none" strike="noStrike">
+      <a:defRPr sz="1400" b="0" i="0" u="none" strike="noStrike" cap="none">
         <a:solidFill>
           <a:srgbClr val="000000"/>
         </a:solidFill>
@@ -624,7 +639,7 @@
         <a:sym typeface="Arial"/>
       </a:defRPr>
     </a:lvl6pPr>
-    <a:lvl7pPr lvl="6" marR="0" rtl="0" algn="l">
+    <a:lvl7pPr marR="0" lvl="6" algn="l" rtl="0">
       <a:lnSpc>
         <a:spcPct val="100000"/>
       </a:lnSpc>
@@ -638,7 +653,7 @@
         <a:srgbClr val="000000"/>
       </a:buClr>
       <a:buFont typeface="Arial"/>
-      <a:defRPr b="0" i="0" sz="1400" u="none" cap="none" strike="noStrike">
+      <a:defRPr sz="1400" b="0" i="0" u="none" strike="noStrike" cap="none">
         <a:solidFill>
           <a:srgbClr val="000000"/>
         </a:solidFill>
@@ -648,7 +663,7 @@
         <a:sym typeface="Arial"/>
       </a:defRPr>
     </a:lvl7pPr>
-    <a:lvl8pPr lvl="7" marR="0" rtl="0" algn="l">
+    <a:lvl8pPr marR="0" lvl="7" algn="l" rtl="0">
       <a:lnSpc>
         <a:spcPct val="100000"/>
       </a:lnSpc>
@@ -662,7 +677,7 @@
         <a:srgbClr val="000000"/>
       </a:buClr>
       <a:buFont typeface="Arial"/>
-      <a:defRPr b="0" i="0" sz="1400" u="none" cap="none" strike="noStrike">
+      <a:defRPr sz="1400" b="0" i="0" u="none" strike="noStrike" cap="none">
         <a:solidFill>
           <a:srgbClr val="000000"/>
         </a:solidFill>
@@ -672,7 +687,7 @@
         <a:sym typeface="Arial"/>
       </a:defRPr>
     </a:lvl8pPr>
-    <a:lvl9pPr lvl="8" marR="0" rtl="0" algn="l">
+    <a:lvl9pPr marR="0" lvl="8" algn="l" rtl="0">
       <a:lnSpc>
         <a:spcPct val="100000"/>
       </a:lnSpc>
@@ -686,7 +701,7 @@
         <a:srgbClr val="000000"/>
       </a:buClr>
       <a:buFont typeface="Arial"/>
-      <a:defRPr b="0" i="0" sz="1400" u="none" cap="none" strike="noStrike">
+      <a:defRPr sz="1400" b="0" i="0" u="none" strike="noStrike" cap="none">
         <a:solidFill>
           <a:srgbClr val="000000"/>
         </a:solidFill>
@@ -701,11 +716,11 @@
 </file>
 
 <file path=ppt/notesSlides/notesSlide1.xml><?xml version="1.0" encoding="utf-8"?>
-<p:notes xmlns:a="http://schemas.openxmlformats.org/drawingml/2006/main" xmlns:r="http://schemas.openxmlformats.org/officeDocument/2006/relationships" xmlns:mc="http://schemas.openxmlformats.org/markup-compatibility/2006" xmlns:mv="urn:schemas-microsoft-com:mac:vml" xmlns:p="http://schemas.openxmlformats.org/presentationml/2006/main" xmlns:c="http://schemas.openxmlformats.org/drawingml/2006/chart" xmlns:dgm="http://schemas.openxmlformats.org/drawingml/2006/diagram" xmlns:o="urn:schemas-microsoft-com:office:office" xmlns:v="urn:schemas-microsoft-com:vml" xmlns:pvml="urn:schemas-microsoft-com:office:powerpoint" xmlns:com="http://schemas.openxmlformats.org/drawingml/2006/compatibility" xmlns:p14="http://schemas.microsoft.com/office/powerpoint/2010/main" xmlns:p15="http://schemas.microsoft.com/office/powerpoint/2012/main" xmlns:ahyp="http://schemas.microsoft.com/office/drawing/2018/hyperlinkcolor" showMasterPhAnim="0" showMasterSp="0">
+<p:notes xmlns:a="http://schemas.openxmlformats.org/drawingml/2006/main" xmlns:r="http://schemas.openxmlformats.org/officeDocument/2006/relationships" xmlns:p="http://schemas.openxmlformats.org/presentationml/2006/main" showMasterSp="0" showMasterPhAnim="0">
   <p:cSld>
     <p:spTree>
       <p:nvGrpSpPr>
-        <p:cNvPr id="50" name="Shape 50"/>
+        <p:cNvPr id="1" name="Shape 50"/>
         <p:cNvGrpSpPr/>
         <p:nvPr/>
       </p:nvGrpSpPr>
@@ -720,20 +735,26 @@
       <p:sp>
         <p:nvSpPr>
           <p:cNvPr id="51" name="Google Shape;51;p:notes"/>
-          <p:cNvSpPr/>
+          <p:cNvSpPr>
+            <a:spLocks noGrp="1" noRot="1" noChangeAspect="1"/>
+          </p:cNvSpPr>
           <p:nvPr>
-            <p:ph idx="2" type="sldImg"/>
+            <p:ph type="sldImg" idx="2"/>
           </p:nvPr>
         </p:nvSpPr>
         <p:spPr>
           <a:xfrm>
-            <a:off x="1143309" y="685800"/>
-            <a:ext cx="4572000" cy="3429000"/>
+            <a:off x="381000" y="685800"/>
+            <a:ext cx="6096000" cy="3429000"/>
           </a:xfrm>
           <a:custGeom>
-            <a:rect b="b" l="l" r="r" t="t"/>
+            <a:avLst/>
+            <a:gdLst/>
+            <a:ahLst/>
+            <a:cxnLst/>
+            <a:rect l="l" t="t" r="r" b="b"/>
             <a:pathLst>
-              <a:path extrusionOk="0" h="120000" w="120000">
+              <a:path w="120000" h="120000" extrusionOk="0">
                 <a:moveTo>
                   <a:pt x="0" y="0"/>
                 </a:moveTo>
@@ -755,9 +776,11 @@
       <p:sp>
         <p:nvSpPr>
           <p:cNvPr id="52" name="Google Shape;52;p:notes"/>
-          <p:cNvSpPr txBox="1"/>
+          <p:cNvSpPr txBox="1">
+            <a:spLocks noGrp="1"/>
+          </p:cNvSpPr>
           <p:nvPr>
-            <p:ph idx="1" type="body"/>
+            <p:ph type="body" idx="1"/>
           </p:nvPr>
         </p:nvSpPr>
         <p:spPr>
@@ -770,12 +793,12 @@
           </a:prstGeom>
         </p:spPr>
         <p:txBody>
-          <a:bodyPr anchorCtr="0" anchor="t" bIns="91425" lIns="91425" spcFirstLastPara="1" rIns="91425" wrap="square" tIns="91425">
+          <a:bodyPr spcFirstLastPara="1" wrap="square" lIns="91425" tIns="91425" rIns="91425" bIns="91425" anchor="t" anchorCtr="0">
             <a:noAutofit/>
           </a:bodyPr>
           <a:lstStyle/>
           <a:p>
-            <a:pPr indent="0" lvl="0" marL="0" rtl="0" algn="l">
+            <a:pPr marL="0" lvl="0" indent="0" algn="l" rtl="0">
               <a:spcBef>
                 <a:spcPts val="0"/>
               </a:spcBef>
@@ -784,9 +807,6 @@
               </a:spcAft>
               <a:buNone/>
             </a:pPr>
-            <a:r>
-              <a:t/>
-            </a:r>
             <a:endParaRPr/>
           </a:p>
         </p:txBody>
@@ -800,11 +820,11 @@
 </file>
 
 <file path=ppt/notesSlides/notesSlide10.xml><?xml version="1.0" encoding="utf-8"?>
-<p:notes xmlns:a="http://schemas.openxmlformats.org/drawingml/2006/main" xmlns:r="http://schemas.openxmlformats.org/officeDocument/2006/relationships" xmlns:mc="http://schemas.openxmlformats.org/markup-compatibility/2006" xmlns:mv="urn:schemas-microsoft-com:mac:vml" xmlns:p="http://schemas.openxmlformats.org/presentationml/2006/main" xmlns:c="http://schemas.openxmlformats.org/drawingml/2006/chart" xmlns:dgm="http://schemas.openxmlformats.org/drawingml/2006/diagram" xmlns:o="urn:schemas-microsoft-com:office:office" xmlns:v="urn:schemas-microsoft-com:vml" xmlns:pvml="urn:schemas-microsoft-com:office:powerpoint" xmlns:com="http://schemas.openxmlformats.org/drawingml/2006/compatibility" xmlns:p14="http://schemas.microsoft.com/office/powerpoint/2010/main" xmlns:p15="http://schemas.microsoft.com/office/powerpoint/2012/main" xmlns:ahyp="http://schemas.microsoft.com/office/drawing/2018/hyperlinkcolor" showMasterPhAnim="0" showMasterSp="0">
+<p:notes xmlns:a="http://schemas.openxmlformats.org/drawingml/2006/main" xmlns:r="http://schemas.openxmlformats.org/officeDocument/2006/relationships" xmlns:p="http://schemas.openxmlformats.org/presentationml/2006/main" showMasterSp="0" showMasterPhAnim="0">
   <p:cSld>
     <p:spTree>
       <p:nvGrpSpPr>
-        <p:cNvPr id="121" name="Shape 121"/>
+        <p:cNvPr id="1" name="Shape 121"/>
         <p:cNvGrpSpPr/>
         <p:nvPr/>
       </p:nvGrpSpPr>
@@ -819,20 +839,26 @@
       <p:sp>
         <p:nvSpPr>
           <p:cNvPr id="122" name="Google Shape;122;g109a7c3923b_0_55:notes"/>
-          <p:cNvSpPr/>
+          <p:cNvSpPr>
+            <a:spLocks noGrp="1" noRot="1" noChangeAspect="1"/>
+          </p:cNvSpPr>
           <p:nvPr>
-            <p:ph idx="2" type="sldImg"/>
+            <p:ph type="sldImg" idx="2"/>
           </p:nvPr>
         </p:nvSpPr>
         <p:spPr>
           <a:xfrm>
-            <a:off x="1143309" y="685800"/>
-            <a:ext cx="4572000" cy="3429000"/>
+            <a:off x="381000" y="685800"/>
+            <a:ext cx="6096000" cy="3429000"/>
           </a:xfrm>
           <a:custGeom>
-            <a:rect b="b" l="l" r="r" t="t"/>
+            <a:avLst/>
+            <a:gdLst/>
+            <a:ahLst/>
+            <a:cxnLst/>
+            <a:rect l="l" t="t" r="r" b="b"/>
             <a:pathLst>
-              <a:path extrusionOk="0" h="120000" w="120000">
+              <a:path w="120000" h="120000" extrusionOk="0">
                 <a:moveTo>
                   <a:pt x="0" y="0"/>
                 </a:moveTo>
@@ -854,9 +880,11 @@
       <p:sp>
         <p:nvSpPr>
           <p:cNvPr id="123" name="Google Shape;123;g109a7c3923b_0_55:notes"/>
-          <p:cNvSpPr txBox="1"/>
+          <p:cNvSpPr txBox="1">
+            <a:spLocks noGrp="1"/>
+          </p:cNvSpPr>
           <p:nvPr>
-            <p:ph idx="1" type="body"/>
+            <p:ph type="body" idx="1"/>
           </p:nvPr>
         </p:nvSpPr>
         <p:spPr>
@@ -869,12 +897,12 @@
           </a:prstGeom>
         </p:spPr>
         <p:txBody>
-          <a:bodyPr anchorCtr="0" anchor="t" bIns="91425" lIns="91425" spcFirstLastPara="1" rIns="91425" wrap="square" tIns="91425">
+          <a:bodyPr spcFirstLastPara="1" wrap="square" lIns="91425" tIns="91425" rIns="91425" bIns="91425" anchor="t" anchorCtr="0">
             <a:noAutofit/>
           </a:bodyPr>
           <a:lstStyle/>
           <a:p>
-            <a:pPr indent="0" lvl="0" marL="0" rtl="0" algn="l">
+            <a:pPr marL="0" lvl="0" indent="0" algn="l" rtl="0">
               <a:spcBef>
                 <a:spcPts val="0"/>
               </a:spcBef>
@@ -883,9 +911,6 @@
               </a:spcAft>
               <a:buNone/>
             </a:pPr>
-            <a:r>
-              <a:t/>
-            </a:r>
             <a:endParaRPr/>
           </a:p>
         </p:txBody>
@@ -899,11 +924,11 @@
 </file>
 
 <file path=ppt/notesSlides/notesSlide11.xml><?xml version="1.0" encoding="utf-8"?>
-<p:notes xmlns:a="http://schemas.openxmlformats.org/drawingml/2006/main" xmlns:r="http://schemas.openxmlformats.org/officeDocument/2006/relationships" xmlns:mc="http://schemas.openxmlformats.org/markup-compatibility/2006" xmlns:mv="urn:schemas-microsoft-com:mac:vml" xmlns:p="http://schemas.openxmlformats.org/presentationml/2006/main" xmlns:c="http://schemas.openxmlformats.org/drawingml/2006/chart" xmlns:dgm="http://schemas.openxmlformats.org/drawingml/2006/diagram" xmlns:o="urn:schemas-microsoft-com:office:office" xmlns:v="urn:schemas-microsoft-com:vml" xmlns:pvml="urn:schemas-microsoft-com:office:powerpoint" xmlns:com="http://schemas.openxmlformats.org/drawingml/2006/compatibility" xmlns:p14="http://schemas.microsoft.com/office/powerpoint/2010/main" xmlns:p15="http://schemas.microsoft.com/office/powerpoint/2012/main" xmlns:ahyp="http://schemas.microsoft.com/office/drawing/2018/hyperlinkcolor" showMasterPhAnim="0" showMasterSp="0">
+<p:notes xmlns:a="http://schemas.openxmlformats.org/drawingml/2006/main" xmlns:r="http://schemas.openxmlformats.org/officeDocument/2006/relationships" xmlns:p="http://schemas.openxmlformats.org/presentationml/2006/main" showMasterSp="0" showMasterPhAnim="0">
   <p:cSld>
     <p:spTree>
       <p:nvGrpSpPr>
-        <p:cNvPr id="135" name="Shape 135"/>
+        <p:cNvPr id="1" name="Shape 135"/>
         <p:cNvGrpSpPr/>
         <p:nvPr/>
       </p:nvGrpSpPr>
@@ -918,20 +943,26 @@
       <p:sp>
         <p:nvSpPr>
           <p:cNvPr id="136" name="Google Shape;136;g109a7c3923b_0_69:notes"/>
-          <p:cNvSpPr/>
+          <p:cNvSpPr>
+            <a:spLocks noGrp="1" noRot="1" noChangeAspect="1"/>
+          </p:cNvSpPr>
           <p:nvPr>
-            <p:ph idx="2" type="sldImg"/>
+            <p:ph type="sldImg" idx="2"/>
           </p:nvPr>
         </p:nvSpPr>
         <p:spPr>
           <a:xfrm>
-            <a:off x="1143309" y="685800"/>
-            <a:ext cx="4572000" cy="3429000"/>
+            <a:off x="381000" y="685800"/>
+            <a:ext cx="6096000" cy="3429000"/>
           </a:xfrm>
           <a:custGeom>
-            <a:rect b="b" l="l" r="r" t="t"/>
+            <a:avLst/>
+            <a:gdLst/>
+            <a:ahLst/>
+            <a:cxnLst/>
+            <a:rect l="l" t="t" r="r" b="b"/>
             <a:pathLst>
-              <a:path extrusionOk="0" h="120000" w="120000">
+              <a:path w="120000" h="120000" extrusionOk="0">
                 <a:moveTo>
                   <a:pt x="0" y="0"/>
                 </a:moveTo>
@@ -953,9 +984,11 @@
       <p:sp>
         <p:nvSpPr>
           <p:cNvPr id="137" name="Google Shape;137;g109a7c3923b_0_69:notes"/>
-          <p:cNvSpPr txBox="1"/>
+          <p:cNvSpPr txBox="1">
+            <a:spLocks noGrp="1"/>
+          </p:cNvSpPr>
           <p:nvPr>
-            <p:ph idx="1" type="body"/>
+            <p:ph type="body" idx="1"/>
           </p:nvPr>
         </p:nvSpPr>
         <p:spPr>
@@ -968,12 +1001,12 @@
           </a:prstGeom>
         </p:spPr>
         <p:txBody>
-          <a:bodyPr anchorCtr="0" anchor="t" bIns="91425" lIns="91425" spcFirstLastPara="1" rIns="91425" wrap="square" tIns="91425">
+          <a:bodyPr spcFirstLastPara="1" wrap="square" lIns="91425" tIns="91425" rIns="91425" bIns="91425" anchor="t" anchorCtr="0">
             <a:noAutofit/>
           </a:bodyPr>
           <a:lstStyle/>
           <a:p>
-            <a:pPr indent="0" lvl="0" marL="0" rtl="0" algn="l">
+            <a:pPr marL="0" lvl="0" indent="0" algn="l" rtl="0">
               <a:spcBef>
                 <a:spcPts val="0"/>
               </a:spcBef>
@@ -982,9 +1015,6 @@
               </a:spcAft>
               <a:buNone/>
             </a:pPr>
-            <a:r>
-              <a:t/>
-            </a:r>
             <a:endParaRPr/>
           </a:p>
         </p:txBody>
@@ -998,11 +1028,11 @@
 </file>
 
 <file path=ppt/notesSlides/notesSlide12.xml><?xml version="1.0" encoding="utf-8"?>
-<p:notes xmlns:a="http://schemas.openxmlformats.org/drawingml/2006/main" xmlns:r="http://schemas.openxmlformats.org/officeDocument/2006/relationships" xmlns:mc="http://schemas.openxmlformats.org/markup-compatibility/2006" xmlns:mv="urn:schemas-microsoft-com:mac:vml" xmlns:p="http://schemas.openxmlformats.org/presentationml/2006/main" xmlns:c="http://schemas.openxmlformats.org/drawingml/2006/chart" xmlns:dgm="http://schemas.openxmlformats.org/drawingml/2006/diagram" xmlns:o="urn:schemas-microsoft-com:office:office" xmlns:v="urn:schemas-microsoft-com:vml" xmlns:pvml="urn:schemas-microsoft-com:office:powerpoint" xmlns:com="http://schemas.openxmlformats.org/drawingml/2006/compatibility" xmlns:p14="http://schemas.microsoft.com/office/powerpoint/2010/main" xmlns:p15="http://schemas.microsoft.com/office/powerpoint/2012/main" xmlns:ahyp="http://schemas.microsoft.com/office/drawing/2018/hyperlinkcolor" showMasterPhAnim="0" showMasterSp="0">
+<p:notes xmlns:a="http://schemas.openxmlformats.org/drawingml/2006/main" xmlns:r="http://schemas.openxmlformats.org/officeDocument/2006/relationships" xmlns:p="http://schemas.openxmlformats.org/presentationml/2006/main" showMasterSp="0" showMasterPhAnim="0">
   <p:cSld>
     <p:spTree>
       <p:nvGrpSpPr>
-        <p:cNvPr id="143" name="Shape 143"/>
+        <p:cNvPr id="1" name="Shape 143"/>
         <p:cNvGrpSpPr/>
         <p:nvPr/>
       </p:nvGrpSpPr>
@@ -1017,20 +1047,26 @@
       <p:sp>
         <p:nvSpPr>
           <p:cNvPr id="144" name="Google Shape;144;g109a7c3923b_0_81:notes"/>
-          <p:cNvSpPr/>
+          <p:cNvSpPr>
+            <a:spLocks noGrp="1" noRot="1" noChangeAspect="1"/>
+          </p:cNvSpPr>
           <p:nvPr>
-            <p:ph idx="2" type="sldImg"/>
+            <p:ph type="sldImg" idx="2"/>
           </p:nvPr>
         </p:nvSpPr>
         <p:spPr>
           <a:xfrm>
-            <a:off x="1143309" y="685800"/>
-            <a:ext cx="4572000" cy="3429000"/>
+            <a:off x="381000" y="685800"/>
+            <a:ext cx="6096000" cy="3429000"/>
           </a:xfrm>
           <a:custGeom>
-            <a:rect b="b" l="l" r="r" t="t"/>
+            <a:avLst/>
+            <a:gdLst/>
+            <a:ahLst/>
+            <a:cxnLst/>
+            <a:rect l="l" t="t" r="r" b="b"/>
             <a:pathLst>
-              <a:path extrusionOk="0" h="120000" w="120000">
+              <a:path w="120000" h="120000" extrusionOk="0">
                 <a:moveTo>
                   <a:pt x="0" y="0"/>
                 </a:moveTo>
@@ -1052,9 +1088,11 @@
       <p:sp>
         <p:nvSpPr>
           <p:cNvPr id="145" name="Google Shape;145;g109a7c3923b_0_81:notes"/>
-          <p:cNvSpPr txBox="1"/>
+          <p:cNvSpPr txBox="1">
+            <a:spLocks noGrp="1"/>
+          </p:cNvSpPr>
           <p:nvPr>
-            <p:ph idx="1" type="body"/>
+            <p:ph type="body" idx="1"/>
           </p:nvPr>
         </p:nvSpPr>
         <p:spPr>
@@ -1067,12 +1105,12 @@
           </a:prstGeom>
         </p:spPr>
         <p:txBody>
-          <a:bodyPr anchorCtr="0" anchor="t" bIns="91425" lIns="91425" spcFirstLastPara="1" rIns="91425" wrap="square" tIns="91425">
+          <a:bodyPr spcFirstLastPara="1" wrap="square" lIns="91425" tIns="91425" rIns="91425" bIns="91425" anchor="t" anchorCtr="0">
             <a:noAutofit/>
           </a:bodyPr>
           <a:lstStyle/>
           <a:p>
-            <a:pPr indent="0" lvl="0" marL="0" rtl="0" algn="l">
+            <a:pPr marL="0" lvl="0" indent="0" algn="l" rtl="0">
               <a:spcBef>
                 <a:spcPts val="0"/>
               </a:spcBef>
@@ -1081,9 +1119,6 @@
               </a:spcAft>
               <a:buNone/>
             </a:pPr>
-            <a:r>
-              <a:t/>
-            </a:r>
             <a:endParaRPr/>
           </a:p>
         </p:txBody>
@@ -1097,11 +1132,11 @@
 </file>
 
 <file path=ppt/notesSlides/notesSlide13.xml><?xml version="1.0" encoding="utf-8"?>
-<p:notes xmlns:a="http://schemas.openxmlformats.org/drawingml/2006/main" xmlns:r="http://schemas.openxmlformats.org/officeDocument/2006/relationships" xmlns:mc="http://schemas.openxmlformats.org/markup-compatibility/2006" xmlns:mv="urn:schemas-microsoft-com:mac:vml" xmlns:p="http://schemas.openxmlformats.org/presentationml/2006/main" xmlns:c="http://schemas.openxmlformats.org/drawingml/2006/chart" xmlns:dgm="http://schemas.openxmlformats.org/drawingml/2006/diagram" xmlns:o="urn:schemas-microsoft-com:office:office" xmlns:v="urn:schemas-microsoft-com:vml" xmlns:pvml="urn:schemas-microsoft-com:office:powerpoint" xmlns:com="http://schemas.openxmlformats.org/drawingml/2006/compatibility" xmlns:p14="http://schemas.microsoft.com/office/powerpoint/2010/main" xmlns:p15="http://schemas.microsoft.com/office/powerpoint/2012/main" xmlns:ahyp="http://schemas.microsoft.com/office/drawing/2018/hyperlinkcolor" showMasterPhAnim="0" showMasterSp="0">
+<p:notes xmlns:a="http://schemas.openxmlformats.org/drawingml/2006/main" xmlns:r="http://schemas.openxmlformats.org/officeDocument/2006/relationships" xmlns:p="http://schemas.openxmlformats.org/presentationml/2006/main" showMasterSp="0" showMasterPhAnim="0">
   <p:cSld>
     <p:spTree>
       <p:nvGrpSpPr>
-        <p:cNvPr id="150" name="Shape 150"/>
+        <p:cNvPr id="1" name="Shape 150"/>
         <p:cNvGrpSpPr/>
         <p:nvPr/>
       </p:nvGrpSpPr>
@@ -1116,20 +1151,26 @@
       <p:sp>
         <p:nvSpPr>
           <p:cNvPr id="151" name="Google Shape;151;g109a7c3923b_0_76:notes"/>
-          <p:cNvSpPr/>
+          <p:cNvSpPr>
+            <a:spLocks noGrp="1" noRot="1" noChangeAspect="1"/>
+          </p:cNvSpPr>
           <p:nvPr>
-            <p:ph idx="2" type="sldImg"/>
+            <p:ph type="sldImg" idx="2"/>
           </p:nvPr>
         </p:nvSpPr>
         <p:spPr>
           <a:xfrm>
-            <a:off x="1143309" y="685800"/>
-            <a:ext cx="4572000" cy="3429000"/>
+            <a:off x="381000" y="685800"/>
+            <a:ext cx="6096000" cy="3429000"/>
           </a:xfrm>
           <a:custGeom>
-            <a:rect b="b" l="l" r="r" t="t"/>
+            <a:avLst/>
+            <a:gdLst/>
+            <a:ahLst/>
+            <a:cxnLst/>
+            <a:rect l="l" t="t" r="r" b="b"/>
             <a:pathLst>
-              <a:path extrusionOk="0" h="120000" w="120000">
+              <a:path w="120000" h="120000" extrusionOk="0">
                 <a:moveTo>
                   <a:pt x="0" y="0"/>
                 </a:moveTo>
@@ -1151,9 +1192,11 @@
       <p:sp>
         <p:nvSpPr>
           <p:cNvPr id="152" name="Google Shape;152;g109a7c3923b_0_76:notes"/>
-          <p:cNvSpPr txBox="1"/>
+          <p:cNvSpPr txBox="1">
+            <a:spLocks noGrp="1"/>
+          </p:cNvSpPr>
           <p:nvPr>
-            <p:ph idx="1" type="body"/>
+            <p:ph type="body" idx="1"/>
           </p:nvPr>
         </p:nvSpPr>
         <p:spPr>
@@ -1166,12 +1209,12 @@
           </a:prstGeom>
         </p:spPr>
         <p:txBody>
-          <a:bodyPr anchorCtr="0" anchor="t" bIns="91425" lIns="91425" spcFirstLastPara="1" rIns="91425" wrap="square" tIns="91425">
+          <a:bodyPr spcFirstLastPara="1" wrap="square" lIns="91425" tIns="91425" rIns="91425" bIns="91425" anchor="t" anchorCtr="0">
             <a:noAutofit/>
           </a:bodyPr>
           <a:lstStyle/>
           <a:p>
-            <a:pPr indent="0" lvl="0" marL="0" rtl="0" algn="l">
+            <a:pPr marL="0" lvl="0" indent="0" algn="l" rtl="0">
               <a:spcBef>
                 <a:spcPts val="0"/>
               </a:spcBef>
@@ -1180,9 +1223,6 @@
               </a:spcAft>
               <a:buNone/>
             </a:pPr>
-            <a:r>
-              <a:t/>
-            </a:r>
             <a:endParaRPr/>
           </a:p>
         </p:txBody>
@@ -1196,11 +1236,11 @@
 </file>
 
 <file path=ppt/notesSlides/notesSlide14.xml><?xml version="1.0" encoding="utf-8"?>
-<p:notes xmlns:a="http://schemas.openxmlformats.org/drawingml/2006/main" xmlns:r="http://schemas.openxmlformats.org/officeDocument/2006/relationships" xmlns:mc="http://schemas.openxmlformats.org/markup-compatibility/2006" xmlns:mv="urn:schemas-microsoft-com:mac:vml" xmlns:p="http://schemas.openxmlformats.org/presentationml/2006/main" xmlns:c="http://schemas.openxmlformats.org/drawingml/2006/chart" xmlns:dgm="http://schemas.openxmlformats.org/drawingml/2006/diagram" xmlns:o="urn:schemas-microsoft-com:office:office" xmlns:v="urn:schemas-microsoft-com:vml" xmlns:pvml="urn:schemas-microsoft-com:office:powerpoint" xmlns:com="http://schemas.openxmlformats.org/drawingml/2006/compatibility" xmlns:p14="http://schemas.microsoft.com/office/powerpoint/2010/main" xmlns:p15="http://schemas.microsoft.com/office/powerpoint/2012/main" xmlns:ahyp="http://schemas.microsoft.com/office/drawing/2018/hyperlinkcolor" showMasterPhAnim="0" showMasterSp="0">
+<p:notes xmlns:a="http://schemas.openxmlformats.org/drawingml/2006/main" xmlns:r="http://schemas.openxmlformats.org/officeDocument/2006/relationships" xmlns:p="http://schemas.openxmlformats.org/presentationml/2006/main" showMasterSp="0" showMasterPhAnim="0">
   <p:cSld>
     <p:spTree>
       <p:nvGrpSpPr>
-        <p:cNvPr id="156" name="Shape 156"/>
+        <p:cNvPr id="1" name="Shape 156"/>
         <p:cNvGrpSpPr/>
         <p:nvPr/>
       </p:nvGrpSpPr>
@@ -1215,20 +1255,26 @@
       <p:sp>
         <p:nvSpPr>
           <p:cNvPr id="157" name="Google Shape;157;g109a7c3923b_0_86:notes"/>
-          <p:cNvSpPr/>
+          <p:cNvSpPr>
+            <a:spLocks noGrp="1" noRot="1" noChangeAspect="1"/>
+          </p:cNvSpPr>
           <p:nvPr>
-            <p:ph idx="2" type="sldImg"/>
+            <p:ph type="sldImg" idx="2"/>
           </p:nvPr>
         </p:nvSpPr>
         <p:spPr>
           <a:xfrm>
-            <a:off x="1143309" y="685800"/>
-            <a:ext cx="4572000" cy="3429000"/>
+            <a:off x="381000" y="685800"/>
+            <a:ext cx="6096000" cy="3429000"/>
           </a:xfrm>
           <a:custGeom>
-            <a:rect b="b" l="l" r="r" t="t"/>
+            <a:avLst/>
+            <a:gdLst/>
+            <a:ahLst/>
+            <a:cxnLst/>
+            <a:rect l="l" t="t" r="r" b="b"/>
             <a:pathLst>
-              <a:path extrusionOk="0" h="120000" w="120000">
+              <a:path w="120000" h="120000" extrusionOk="0">
                 <a:moveTo>
                   <a:pt x="0" y="0"/>
                 </a:moveTo>
@@ -1250,9 +1296,11 @@
       <p:sp>
         <p:nvSpPr>
           <p:cNvPr id="158" name="Google Shape;158;g109a7c3923b_0_86:notes"/>
-          <p:cNvSpPr txBox="1"/>
+          <p:cNvSpPr txBox="1">
+            <a:spLocks noGrp="1"/>
+          </p:cNvSpPr>
           <p:nvPr>
-            <p:ph idx="1" type="body"/>
+            <p:ph type="body" idx="1"/>
           </p:nvPr>
         </p:nvSpPr>
         <p:spPr>
@@ -1265,12 +1313,12 @@
           </a:prstGeom>
         </p:spPr>
         <p:txBody>
-          <a:bodyPr anchorCtr="0" anchor="t" bIns="91425" lIns="91425" spcFirstLastPara="1" rIns="91425" wrap="square" tIns="91425">
+          <a:bodyPr spcFirstLastPara="1" wrap="square" lIns="91425" tIns="91425" rIns="91425" bIns="91425" anchor="t" anchorCtr="0">
             <a:noAutofit/>
           </a:bodyPr>
           <a:lstStyle/>
           <a:p>
-            <a:pPr indent="0" lvl="0" marL="0" rtl="0" algn="l">
+            <a:pPr marL="0" lvl="0" indent="0" algn="l" rtl="0">
               <a:spcBef>
                 <a:spcPts val="0"/>
               </a:spcBef>
@@ -1279,9 +1327,6 @@
               </a:spcAft>
               <a:buNone/>
             </a:pPr>
-            <a:r>
-              <a:t/>
-            </a:r>
             <a:endParaRPr/>
           </a:p>
         </p:txBody>
@@ -1295,11 +1340,11 @@
 </file>
 
 <file path=ppt/notesSlides/notesSlide15.xml><?xml version="1.0" encoding="utf-8"?>
-<p:notes xmlns:a="http://schemas.openxmlformats.org/drawingml/2006/main" xmlns:r="http://schemas.openxmlformats.org/officeDocument/2006/relationships" xmlns:mc="http://schemas.openxmlformats.org/markup-compatibility/2006" xmlns:mv="urn:schemas-microsoft-com:mac:vml" xmlns:p="http://schemas.openxmlformats.org/presentationml/2006/main" xmlns:c="http://schemas.openxmlformats.org/drawingml/2006/chart" xmlns:dgm="http://schemas.openxmlformats.org/drawingml/2006/diagram" xmlns:o="urn:schemas-microsoft-com:office:office" xmlns:v="urn:schemas-microsoft-com:vml" xmlns:pvml="urn:schemas-microsoft-com:office:powerpoint" xmlns:com="http://schemas.openxmlformats.org/drawingml/2006/compatibility" xmlns:p14="http://schemas.microsoft.com/office/powerpoint/2010/main" xmlns:p15="http://schemas.microsoft.com/office/powerpoint/2012/main" xmlns:ahyp="http://schemas.microsoft.com/office/drawing/2018/hyperlinkcolor" showMasterPhAnim="0" showMasterSp="0">
+<p:notes xmlns:a="http://schemas.openxmlformats.org/drawingml/2006/main" xmlns:r="http://schemas.openxmlformats.org/officeDocument/2006/relationships" xmlns:p="http://schemas.openxmlformats.org/presentationml/2006/main" showMasterSp="0" showMasterPhAnim="0">
   <p:cSld>
     <p:spTree>
       <p:nvGrpSpPr>
-        <p:cNvPr id="163" name="Shape 163"/>
+        <p:cNvPr id="1" name="Shape 163"/>
         <p:cNvGrpSpPr/>
         <p:nvPr/>
       </p:nvGrpSpPr>
@@ -1314,20 +1359,26 @@
       <p:sp>
         <p:nvSpPr>
           <p:cNvPr id="164" name="Google Shape;164;g109a7c3923b_0_93:notes"/>
-          <p:cNvSpPr/>
+          <p:cNvSpPr>
+            <a:spLocks noGrp="1" noRot="1" noChangeAspect="1"/>
+          </p:cNvSpPr>
           <p:nvPr>
-            <p:ph idx="2" type="sldImg"/>
+            <p:ph type="sldImg" idx="2"/>
           </p:nvPr>
         </p:nvSpPr>
         <p:spPr>
           <a:xfrm>
-            <a:off x="1143309" y="685800"/>
-            <a:ext cx="4572000" cy="3429000"/>
+            <a:off x="381000" y="685800"/>
+            <a:ext cx="6096000" cy="3429000"/>
           </a:xfrm>
           <a:custGeom>
-            <a:rect b="b" l="l" r="r" t="t"/>
+            <a:avLst/>
+            <a:gdLst/>
+            <a:ahLst/>
+            <a:cxnLst/>
+            <a:rect l="l" t="t" r="r" b="b"/>
             <a:pathLst>
-              <a:path extrusionOk="0" h="120000" w="120000">
+              <a:path w="120000" h="120000" extrusionOk="0">
                 <a:moveTo>
                   <a:pt x="0" y="0"/>
                 </a:moveTo>
@@ -1349,9 +1400,11 @@
       <p:sp>
         <p:nvSpPr>
           <p:cNvPr id="165" name="Google Shape;165;g109a7c3923b_0_93:notes"/>
-          <p:cNvSpPr txBox="1"/>
+          <p:cNvSpPr txBox="1">
+            <a:spLocks noGrp="1"/>
+          </p:cNvSpPr>
           <p:nvPr>
-            <p:ph idx="1" type="body"/>
+            <p:ph type="body" idx="1"/>
           </p:nvPr>
         </p:nvSpPr>
         <p:spPr>
@@ -1364,12 +1417,12 @@
           </a:prstGeom>
         </p:spPr>
         <p:txBody>
-          <a:bodyPr anchorCtr="0" anchor="t" bIns="91425" lIns="91425" spcFirstLastPara="1" rIns="91425" wrap="square" tIns="91425">
+          <a:bodyPr spcFirstLastPara="1" wrap="square" lIns="91425" tIns="91425" rIns="91425" bIns="91425" anchor="t" anchorCtr="0">
             <a:noAutofit/>
           </a:bodyPr>
           <a:lstStyle/>
           <a:p>
-            <a:pPr indent="0" lvl="0" marL="0" rtl="0" algn="l">
+            <a:pPr marL="0" lvl="0" indent="0" algn="l" rtl="0">
               <a:spcBef>
                 <a:spcPts val="0"/>
               </a:spcBef>
@@ -1378,9 +1431,6 @@
               </a:spcAft>
               <a:buNone/>
             </a:pPr>
-            <a:r>
-              <a:t/>
-            </a:r>
             <a:endParaRPr/>
           </a:p>
         </p:txBody>
@@ -1394,11 +1444,11 @@
 </file>
 
 <file path=ppt/notesSlides/notesSlide2.xml><?xml version="1.0" encoding="utf-8"?>
-<p:notes xmlns:a="http://schemas.openxmlformats.org/drawingml/2006/main" xmlns:r="http://schemas.openxmlformats.org/officeDocument/2006/relationships" xmlns:mc="http://schemas.openxmlformats.org/markup-compatibility/2006" xmlns:mv="urn:schemas-microsoft-com:mac:vml" xmlns:p="http://schemas.openxmlformats.org/presentationml/2006/main" xmlns:c="http://schemas.openxmlformats.org/drawingml/2006/chart" xmlns:dgm="http://schemas.openxmlformats.org/drawingml/2006/diagram" xmlns:o="urn:schemas-microsoft-com:office:office" xmlns:v="urn:schemas-microsoft-com:vml" xmlns:pvml="urn:schemas-microsoft-com:office:powerpoint" xmlns:com="http://schemas.openxmlformats.org/drawingml/2006/compatibility" xmlns:p14="http://schemas.microsoft.com/office/powerpoint/2010/main" xmlns:p15="http://schemas.microsoft.com/office/powerpoint/2012/main" xmlns:ahyp="http://schemas.microsoft.com/office/drawing/2018/hyperlinkcolor" showMasterPhAnim="0" showMasterSp="0">
+<p:notes xmlns:a="http://schemas.openxmlformats.org/drawingml/2006/main" xmlns:r="http://schemas.openxmlformats.org/officeDocument/2006/relationships" xmlns:p="http://schemas.openxmlformats.org/presentationml/2006/main" showMasterSp="0" showMasterPhAnim="0">
   <p:cSld>
     <p:spTree>
       <p:nvGrpSpPr>
-        <p:cNvPr id="56" name="Shape 56"/>
+        <p:cNvPr id="1" name="Shape 56"/>
         <p:cNvGrpSpPr/>
         <p:nvPr/>
       </p:nvGrpSpPr>
@@ -1413,20 +1463,26 @@
       <p:sp>
         <p:nvSpPr>
           <p:cNvPr id="57" name="Google Shape;57;g109a7c3923b_0_0:notes"/>
-          <p:cNvSpPr/>
+          <p:cNvSpPr>
+            <a:spLocks noGrp="1" noRot="1" noChangeAspect="1"/>
+          </p:cNvSpPr>
           <p:nvPr>
-            <p:ph idx="2" type="sldImg"/>
+            <p:ph type="sldImg" idx="2"/>
           </p:nvPr>
         </p:nvSpPr>
         <p:spPr>
           <a:xfrm>
-            <a:off x="1143309" y="685800"/>
-            <a:ext cx="4572000" cy="3429000"/>
+            <a:off x="381000" y="685800"/>
+            <a:ext cx="6096000" cy="3429000"/>
           </a:xfrm>
           <a:custGeom>
-            <a:rect b="b" l="l" r="r" t="t"/>
+            <a:avLst/>
+            <a:gdLst/>
+            <a:ahLst/>
+            <a:cxnLst/>
+            <a:rect l="l" t="t" r="r" b="b"/>
             <a:pathLst>
-              <a:path extrusionOk="0" h="120000" w="120000">
+              <a:path w="120000" h="120000" extrusionOk="0">
                 <a:moveTo>
                   <a:pt x="0" y="0"/>
                 </a:moveTo>
@@ -1448,9 +1504,11 @@
       <p:sp>
         <p:nvSpPr>
           <p:cNvPr id="58" name="Google Shape;58;g109a7c3923b_0_0:notes"/>
-          <p:cNvSpPr txBox="1"/>
+          <p:cNvSpPr txBox="1">
+            <a:spLocks noGrp="1"/>
+          </p:cNvSpPr>
           <p:nvPr>
-            <p:ph idx="1" type="body"/>
+            <p:ph type="body" idx="1"/>
           </p:nvPr>
         </p:nvSpPr>
         <p:spPr>
@@ -1463,12 +1521,12 @@
           </a:prstGeom>
         </p:spPr>
         <p:txBody>
-          <a:bodyPr anchorCtr="0" anchor="t" bIns="91425" lIns="91425" spcFirstLastPara="1" rIns="91425" wrap="square" tIns="91425">
+          <a:bodyPr spcFirstLastPara="1" wrap="square" lIns="91425" tIns="91425" rIns="91425" bIns="91425" anchor="t" anchorCtr="0">
             <a:noAutofit/>
           </a:bodyPr>
           <a:lstStyle/>
           <a:p>
-            <a:pPr indent="0" lvl="0" marL="0" rtl="0" algn="l">
+            <a:pPr marL="0" lvl="0" indent="0" algn="l" rtl="0">
               <a:spcBef>
                 <a:spcPts val="0"/>
               </a:spcBef>
@@ -1477,9 +1535,6 @@
               </a:spcAft>
               <a:buNone/>
             </a:pPr>
-            <a:r>
-              <a:t/>
-            </a:r>
             <a:endParaRPr/>
           </a:p>
         </p:txBody>
@@ -1493,11 +1548,11 @@
 </file>
 
 <file path=ppt/notesSlides/notesSlide3.xml><?xml version="1.0" encoding="utf-8"?>
-<p:notes xmlns:a="http://schemas.openxmlformats.org/drawingml/2006/main" xmlns:r="http://schemas.openxmlformats.org/officeDocument/2006/relationships" xmlns:mc="http://schemas.openxmlformats.org/markup-compatibility/2006" xmlns:mv="urn:schemas-microsoft-com:mac:vml" xmlns:p="http://schemas.openxmlformats.org/presentationml/2006/main" xmlns:c="http://schemas.openxmlformats.org/drawingml/2006/chart" xmlns:dgm="http://schemas.openxmlformats.org/drawingml/2006/diagram" xmlns:o="urn:schemas-microsoft-com:office:office" xmlns:v="urn:schemas-microsoft-com:vml" xmlns:pvml="urn:schemas-microsoft-com:office:powerpoint" xmlns:com="http://schemas.openxmlformats.org/drawingml/2006/compatibility" xmlns:p14="http://schemas.microsoft.com/office/powerpoint/2010/main" xmlns:p15="http://schemas.microsoft.com/office/powerpoint/2012/main" xmlns:ahyp="http://schemas.microsoft.com/office/drawing/2018/hyperlinkcolor" showMasterPhAnim="0" showMasterSp="0">
+<p:notes xmlns:a="http://schemas.openxmlformats.org/drawingml/2006/main" xmlns:r="http://schemas.openxmlformats.org/officeDocument/2006/relationships" xmlns:p="http://schemas.openxmlformats.org/presentationml/2006/main" showMasterSp="0" showMasterPhAnim="0">
   <p:cSld>
     <p:spTree>
       <p:nvGrpSpPr>
-        <p:cNvPr id="64" name="Shape 64"/>
+        <p:cNvPr id="1" name="Shape 64"/>
         <p:cNvGrpSpPr/>
         <p:nvPr/>
       </p:nvGrpSpPr>
@@ -1512,20 +1567,26 @@
       <p:sp>
         <p:nvSpPr>
           <p:cNvPr id="65" name="Google Shape;65;g109a7c3923b_0_6:notes"/>
-          <p:cNvSpPr/>
+          <p:cNvSpPr>
+            <a:spLocks noGrp="1" noRot="1" noChangeAspect="1"/>
+          </p:cNvSpPr>
           <p:nvPr>
-            <p:ph idx="2" type="sldImg"/>
+            <p:ph type="sldImg" idx="2"/>
           </p:nvPr>
         </p:nvSpPr>
         <p:spPr>
           <a:xfrm>
-            <a:off x="1143309" y="685800"/>
-            <a:ext cx="4572000" cy="3429000"/>
+            <a:off x="381000" y="685800"/>
+            <a:ext cx="6096000" cy="3429000"/>
           </a:xfrm>
           <a:custGeom>
-            <a:rect b="b" l="l" r="r" t="t"/>
+            <a:avLst/>
+            <a:gdLst/>
+            <a:ahLst/>
+            <a:cxnLst/>
+            <a:rect l="l" t="t" r="r" b="b"/>
             <a:pathLst>
-              <a:path extrusionOk="0" h="120000" w="120000">
+              <a:path w="120000" h="120000" extrusionOk="0">
                 <a:moveTo>
                   <a:pt x="0" y="0"/>
                 </a:moveTo>
@@ -1547,9 +1608,11 @@
       <p:sp>
         <p:nvSpPr>
           <p:cNvPr id="66" name="Google Shape;66;g109a7c3923b_0_6:notes"/>
-          <p:cNvSpPr txBox="1"/>
+          <p:cNvSpPr txBox="1">
+            <a:spLocks noGrp="1"/>
+          </p:cNvSpPr>
           <p:nvPr>
-            <p:ph idx="1" type="body"/>
+            <p:ph type="body" idx="1"/>
           </p:nvPr>
         </p:nvSpPr>
         <p:spPr>
@@ -1562,12 +1625,12 @@
           </a:prstGeom>
         </p:spPr>
         <p:txBody>
-          <a:bodyPr anchorCtr="0" anchor="t" bIns="91425" lIns="91425" spcFirstLastPara="1" rIns="91425" wrap="square" tIns="91425">
+          <a:bodyPr spcFirstLastPara="1" wrap="square" lIns="91425" tIns="91425" rIns="91425" bIns="91425" anchor="t" anchorCtr="0">
             <a:noAutofit/>
           </a:bodyPr>
           <a:lstStyle/>
           <a:p>
-            <a:pPr indent="0" lvl="0" marL="0" rtl="0" algn="l">
+            <a:pPr marL="0" lvl="0" indent="0" algn="l" rtl="0">
               <a:spcBef>
                 <a:spcPts val="0"/>
               </a:spcBef>
@@ -1576,9 +1639,6 @@
               </a:spcAft>
               <a:buNone/>
             </a:pPr>
-            <a:r>
-              <a:t/>
-            </a:r>
             <a:endParaRPr/>
           </a:p>
         </p:txBody>
@@ -1592,11 +1652,11 @@
 </file>
 
 <file path=ppt/notesSlides/notesSlide4.xml><?xml version="1.0" encoding="utf-8"?>
-<p:notes xmlns:a="http://schemas.openxmlformats.org/drawingml/2006/main" xmlns:r="http://schemas.openxmlformats.org/officeDocument/2006/relationships" xmlns:mc="http://schemas.openxmlformats.org/markup-compatibility/2006" xmlns:mv="urn:schemas-microsoft-com:mac:vml" xmlns:p="http://schemas.openxmlformats.org/presentationml/2006/main" xmlns:c="http://schemas.openxmlformats.org/drawingml/2006/chart" xmlns:dgm="http://schemas.openxmlformats.org/drawingml/2006/diagram" xmlns:o="urn:schemas-microsoft-com:office:office" xmlns:v="urn:schemas-microsoft-com:vml" xmlns:pvml="urn:schemas-microsoft-com:office:powerpoint" xmlns:com="http://schemas.openxmlformats.org/drawingml/2006/compatibility" xmlns:p14="http://schemas.microsoft.com/office/powerpoint/2010/main" xmlns:p15="http://schemas.microsoft.com/office/powerpoint/2012/main" xmlns:ahyp="http://schemas.microsoft.com/office/drawing/2018/hyperlinkcolor" showMasterPhAnim="0" showMasterSp="0">
+<p:notes xmlns:a="http://schemas.openxmlformats.org/drawingml/2006/main" xmlns:r="http://schemas.openxmlformats.org/officeDocument/2006/relationships" xmlns:p="http://schemas.openxmlformats.org/presentationml/2006/main" showMasterSp="0" showMasterPhAnim="0">
   <p:cSld>
     <p:spTree>
       <p:nvGrpSpPr>
-        <p:cNvPr id="79" name="Shape 79"/>
+        <p:cNvPr id="1" name="Shape 79"/>
         <p:cNvGrpSpPr/>
         <p:nvPr/>
       </p:nvGrpSpPr>
@@ -1611,20 +1671,26 @@
       <p:sp>
         <p:nvSpPr>
           <p:cNvPr id="80" name="Google Shape;80;g14796bf7e06_0_0:notes"/>
-          <p:cNvSpPr/>
+          <p:cNvSpPr>
+            <a:spLocks noGrp="1" noRot="1" noChangeAspect="1"/>
+          </p:cNvSpPr>
           <p:nvPr>
-            <p:ph idx="2" type="sldImg"/>
+            <p:ph type="sldImg" idx="2"/>
           </p:nvPr>
         </p:nvSpPr>
         <p:spPr>
           <a:xfrm>
-            <a:off x="1143309" y="685800"/>
-            <a:ext cx="4572000" cy="3429000"/>
+            <a:off x="381000" y="685800"/>
+            <a:ext cx="6096000" cy="3429000"/>
           </a:xfrm>
           <a:custGeom>
-            <a:rect b="b" l="l" r="r" t="t"/>
+            <a:avLst/>
+            <a:gdLst/>
+            <a:ahLst/>
+            <a:cxnLst/>
+            <a:rect l="l" t="t" r="r" b="b"/>
             <a:pathLst>
-              <a:path extrusionOk="0" h="120000" w="120000">
+              <a:path w="120000" h="120000" extrusionOk="0">
                 <a:moveTo>
                   <a:pt x="0" y="0"/>
                 </a:moveTo>
@@ -1646,9 +1712,11 @@
       <p:sp>
         <p:nvSpPr>
           <p:cNvPr id="81" name="Google Shape;81;g14796bf7e06_0_0:notes"/>
-          <p:cNvSpPr txBox="1"/>
+          <p:cNvSpPr txBox="1">
+            <a:spLocks noGrp="1"/>
+          </p:cNvSpPr>
           <p:nvPr>
-            <p:ph idx="1" type="body"/>
+            <p:ph type="body" idx="1"/>
           </p:nvPr>
         </p:nvSpPr>
         <p:spPr>
@@ -1661,12 +1729,12 @@
           </a:prstGeom>
         </p:spPr>
         <p:txBody>
-          <a:bodyPr anchorCtr="0" anchor="t" bIns="91425" lIns="91425" spcFirstLastPara="1" rIns="91425" wrap="square" tIns="91425">
+          <a:bodyPr spcFirstLastPara="1" wrap="square" lIns="91425" tIns="91425" rIns="91425" bIns="91425" anchor="t" anchorCtr="0">
             <a:noAutofit/>
           </a:bodyPr>
           <a:lstStyle/>
           <a:p>
-            <a:pPr indent="0" lvl="0" marL="0" rtl="0" algn="l">
+            <a:pPr marL="0" lvl="0" indent="0" algn="l" rtl="0">
               <a:spcBef>
                 <a:spcPts val="0"/>
               </a:spcBef>
@@ -1675,9 +1743,6 @@
               </a:spcAft>
               <a:buNone/>
             </a:pPr>
-            <a:r>
-              <a:t/>
-            </a:r>
             <a:endParaRPr/>
           </a:p>
         </p:txBody>
@@ -1691,11 +1756,11 @@
 </file>
 
 <file path=ppt/notesSlides/notesSlide5.xml><?xml version="1.0" encoding="utf-8"?>
-<p:notes xmlns:a="http://schemas.openxmlformats.org/drawingml/2006/main" xmlns:r="http://schemas.openxmlformats.org/officeDocument/2006/relationships" xmlns:mc="http://schemas.openxmlformats.org/markup-compatibility/2006" xmlns:mv="urn:schemas-microsoft-com:mac:vml" xmlns:p="http://schemas.openxmlformats.org/presentationml/2006/main" xmlns:c="http://schemas.openxmlformats.org/drawingml/2006/chart" xmlns:dgm="http://schemas.openxmlformats.org/drawingml/2006/diagram" xmlns:o="urn:schemas-microsoft-com:office:office" xmlns:v="urn:schemas-microsoft-com:vml" xmlns:pvml="urn:schemas-microsoft-com:office:powerpoint" xmlns:com="http://schemas.openxmlformats.org/drawingml/2006/compatibility" xmlns:p14="http://schemas.microsoft.com/office/powerpoint/2010/main" xmlns:p15="http://schemas.microsoft.com/office/powerpoint/2012/main" xmlns:ahyp="http://schemas.microsoft.com/office/drawing/2018/hyperlinkcolor" showMasterPhAnim="0" showMasterSp="0">
+<p:notes xmlns:a="http://schemas.openxmlformats.org/drawingml/2006/main" xmlns:r="http://schemas.openxmlformats.org/officeDocument/2006/relationships" xmlns:p="http://schemas.openxmlformats.org/presentationml/2006/main" showMasterSp="0" showMasterPhAnim="0">
   <p:cSld>
     <p:spTree>
       <p:nvGrpSpPr>
-        <p:cNvPr id="85" name="Shape 85"/>
+        <p:cNvPr id="1" name="Shape 85"/>
         <p:cNvGrpSpPr/>
         <p:nvPr/>
       </p:nvGrpSpPr>
@@ -1710,20 +1775,26 @@
       <p:sp>
         <p:nvSpPr>
           <p:cNvPr id="86" name="Google Shape;86;g109a7c3923b_0_15:notes"/>
-          <p:cNvSpPr/>
+          <p:cNvSpPr>
+            <a:spLocks noGrp="1" noRot="1" noChangeAspect="1"/>
+          </p:cNvSpPr>
           <p:nvPr>
-            <p:ph idx="2" type="sldImg"/>
+            <p:ph type="sldImg" idx="2"/>
           </p:nvPr>
         </p:nvSpPr>
         <p:spPr>
           <a:xfrm>
-            <a:off x="1143309" y="685800"/>
-            <a:ext cx="4572000" cy="3429000"/>
+            <a:off x="381000" y="685800"/>
+            <a:ext cx="6096000" cy="3429000"/>
           </a:xfrm>
           <a:custGeom>
-            <a:rect b="b" l="l" r="r" t="t"/>
+            <a:avLst/>
+            <a:gdLst/>
+            <a:ahLst/>
+            <a:cxnLst/>
+            <a:rect l="l" t="t" r="r" b="b"/>
             <a:pathLst>
-              <a:path extrusionOk="0" h="120000" w="120000">
+              <a:path w="120000" h="120000" extrusionOk="0">
                 <a:moveTo>
                   <a:pt x="0" y="0"/>
                 </a:moveTo>
@@ -1745,9 +1816,11 @@
       <p:sp>
         <p:nvSpPr>
           <p:cNvPr id="87" name="Google Shape;87;g109a7c3923b_0_15:notes"/>
-          <p:cNvSpPr txBox="1"/>
+          <p:cNvSpPr txBox="1">
+            <a:spLocks noGrp="1"/>
+          </p:cNvSpPr>
           <p:nvPr>
-            <p:ph idx="1" type="body"/>
+            <p:ph type="body" idx="1"/>
           </p:nvPr>
         </p:nvSpPr>
         <p:spPr>
@@ -1760,12 +1833,12 @@
           </a:prstGeom>
         </p:spPr>
         <p:txBody>
-          <a:bodyPr anchorCtr="0" anchor="t" bIns="91425" lIns="91425" spcFirstLastPara="1" rIns="91425" wrap="square" tIns="91425">
+          <a:bodyPr spcFirstLastPara="1" wrap="square" lIns="91425" tIns="91425" rIns="91425" bIns="91425" anchor="t" anchorCtr="0">
             <a:noAutofit/>
           </a:bodyPr>
           <a:lstStyle/>
           <a:p>
-            <a:pPr indent="0" lvl="0" marL="0" rtl="0" algn="l">
+            <a:pPr marL="0" lvl="0" indent="0" algn="l" rtl="0">
               <a:spcBef>
                 <a:spcPts val="0"/>
               </a:spcBef>
@@ -1774,9 +1847,6 @@
               </a:spcAft>
               <a:buNone/>
             </a:pPr>
-            <a:r>
-              <a:t/>
-            </a:r>
             <a:endParaRPr/>
           </a:p>
         </p:txBody>
@@ -1790,11 +1860,11 @@
 </file>
 
 <file path=ppt/notesSlides/notesSlide6.xml><?xml version="1.0" encoding="utf-8"?>
-<p:notes xmlns:a="http://schemas.openxmlformats.org/drawingml/2006/main" xmlns:r="http://schemas.openxmlformats.org/officeDocument/2006/relationships" xmlns:mc="http://schemas.openxmlformats.org/markup-compatibility/2006" xmlns:mv="urn:schemas-microsoft-com:mac:vml" xmlns:p="http://schemas.openxmlformats.org/presentationml/2006/main" xmlns:c="http://schemas.openxmlformats.org/drawingml/2006/chart" xmlns:dgm="http://schemas.openxmlformats.org/drawingml/2006/diagram" xmlns:o="urn:schemas-microsoft-com:office:office" xmlns:v="urn:schemas-microsoft-com:vml" xmlns:pvml="urn:schemas-microsoft-com:office:powerpoint" xmlns:com="http://schemas.openxmlformats.org/drawingml/2006/compatibility" xmlns:p14="http://schemas.microsoft.com/office/powerpoint/2010/main" xmlns:p15="http://schemas.microsoft.com/office/powerpoint/2012/main" xmlns:ahyp="http://schemas.microsoft.com/office/drawing/2018/hyperlinkcolor" showMasterPhAnim="0" showMasterSp="0">
+<p:notes xmlns:a="http://schemas.openxmlformats.org/drawingml/2006/main" xmlns:r="http://schemas.openxmlformats.org/officeDocument/2006/relationships" xmlns:p="http://schemas.openxmlformats.org/presentationml/2006/main" showMasterSp="0" showMasterPhAnim="0">
   <p:cSld>
     <p:spTree>
       <p:nvGrpSpPr>
-        <p:cNvPr id="94" name="Shape 94"/>
+        <p:cNvPr id="1" name="Shape 94"/>
         <p:cNvGrpSpPr/>
         <p:nvPr/>
       </p:nvGrpSpPr>
@@ -1809,20 +1879,26 @@
       <p:sp>
         <p:nvSpPr>
           <p:cNvPr id="95" name="Google Shape;95;g109a7c3923b_0_28:notes"/>
-          <p:cNvSpPr/>
+          <p:cNvSpPr>
+            <a:spLocks noGrp="1" noRot="1" noChangeAspect="1"/>
+          </p:cNvSpPr>
           <p:nvPr>
-            <p:ph idx="2" type="sldImg"/>
+            <p:ph type="sldImg" idx="2"/>
           </p:nvPr>
         </p:nvSpPr>
         <p:spPr>
           <a:xfrm>
-            <a:off x="1143309" y="685800"/>
-            <a:ext cx="4572000" cy="3429000"/>
+            <a:off x="381000" y="685800"/>
+            <a:ext cx="6096000" cy="3429000"/>
           </a:xfrm>
           <a:custGeom>
-            <a:rect b="b" l="l" r="r" t="t"/>
+            <a:avLst/>
+            <a:gdLst/>
+            <a:ahLst/>
+            <a:cxnLst/>
+            <a:rect l="l" t="t" r="r" b="b"/>
             <a:pathLst>
-              <a:path extrusionOk="0" h="120000" w="120000">
+              <a:path w="120000" h="120000" extrusionOk="0">
                 <a:moveTo>
                   <a:pt x="0" y="0"/>
                 </a:moveTo>
@@ -1844,9 +1920,11 @@
       <p:sp>
         <p:nvSpPr>
           <p:cNvPr id="96" name="Google Shape;96;g109a7c3923b_0_28:notes"/>
-          <p:cNvSpPr txBox="1"/>
+          <p:cNvSpPr txBox="1">
+            <a:spLocks noGrp="1"/>
+          </p:cNvSpPr>
           <p:nvPr>
-            <p:ph idx="1" type="body"/>
+            <p:ph type="body" idx="1"/>
           </p:nvPr>
         </p:nvSpPr>
         <p:spPr>
@@ -1859,12 +1937,12 @@
           </a:prstGeom>
         </p:spPr>
         <p:txBody>
-          <a:bodyPr anchorCtr="0" anchor="t" bIns="91425" lIns="91425" spcFirstLastPara="1" rIns="91425" wrap="square" tIns="91425">
+          <a:bodyPr spcFirstLastPara="1" wrap="square" lIns="91425" tIns="91425" rIns="91425" bIns="91425" anchor="t" anchorCtr="0">
             <a:noAutofit/>
           </a:bodyPr>
           <a:lstStyle/>
           <a:p>
-            <a:pPr indent="0" lvl="0" marL="0" rtl="0" algn="l">
+            <a:pPr marL="0" lvl="0" indent="0" algn="l" rtl="0">
               <a:spcBef>
                 <a:spcPts val="0"/>
               </a:spcBef>
@@ -1873,9 +1951,6 @@
               </a:spcAft>
               <a:buNone/>
             </a:pPr>
-            <a:r>
-              <a:t/>
-            </a:r>
             <a:endParaRPr/>
           </a:p>
         </p:txBody>
@@ -1889,11 +1964,11 @@
 </file>
 
 <file path=ppt/notesSlides/notesSlide7.xml><?xml version="1.0" encoding="utf-8"?>
-<p:notes xmlns:a="http://schemas.openxmlformats.org/drawingml/2006/main" xmlns:r="http://schemas.openxmlformats.org/officeDocument/2006/relationships" xmlns:mc="http://schemas.openxmlformats.org/markup-compatibility/2006" xmlns:mv="urn:schemas-microsoft-com:mac:vml" xmlns:p="http://schemas.openxmlformats.org/presentationml/2006/main" xmlns:c="http://schemas.openxmlformats.org/drawingml/2006/chart" xmlns:dgm="http://schemas.openxmlformats.org/drawingml/2006/diagram" xmlns:o="urn:schemas-microsoft-com:office:office" xmlns:v="urn:schemas-microsoft-com:vml" xmlns:pvml="urn:schemas-microsoft-com:office:powerpoint" xmlns:com="http://schemas.openxmlformats.org/drawingml/2006/compatibility" xmlns:p14="http://schemas.microsoft.com/office/powerpoint/2010/main" xmlns:p15="http://schemas.microsoft.com/office/powerpoint/2012/main" xmlns:ahyp="http://schemas.microsoft.com/office/drawing/2018/hyperlinkcolor" showMasterPhAnim="0" showMasterSp="0">
+<p:notes xmlns:a="http://schemas.openxmlformats.org/drawingml/2006/main" xmlns:r="http://schemas.openxmlformats.org/officeDocument/2006/relationships" xmlns:p="http://schemas.openxmlformats.org/presentationml/2006/main" showMasterSp="0" showMasterPhAnim="0">
   <p:cSld>
     <p:spTree>
       <p:nvGrpSpPr>
-        <p:cNvPr id="101" name="Shape 101"/>
+        <p:cNvPr id="1" name="Shape 101"/>
         <p:cNvGrpSpPr/>
         <p:nvPr/>
       </p:nvGrpSpPr>
@@ -1908,20 +1983,26 @@
       <p:sp>
         <p:nvSpPr>
           <p:cNvPr id="102" name="Google Shape;102;g109a7c3923b_0_23:notes"/>
-          <p:cNvSpPr/>
+          <p:cNvSpPr>
+            <a:spLocks noGrp="1" noRot="1" noChangeAspect="1"/>
+          </p:cNvSpPr>
           <p:nvPr>
-            <p:ph idx="2" type="sldImg"/>
+            <p:ph type="sldImg" idx="2"/>
           </p:nvPr>
         </p:nvSpPr>
         <p:spPr>
           <a:xfrm>
-            <a:off x="1143309" y="685800"/>
-            <a:ext cx="4572000" cy="3429000"/>
+            <a:off x="381000" y="685800"/>
+            <a:ext cx="6096000" cy="3429000"/>
           </a:xfrm>
           <a:custGeom>
-            <a:rect b="b" l="l" r="r" t="t"/>
+            <a:avLst/>
+            <a:gdLst/>
+            <a:ahLst/>
+            <a:cxnLst/>
+            <a:rect l="l" t="t" r="r" b="b"/>
             <a:pathLst>
-              <a:path extrusionOk="0" h="120000" w="120000">
+              <a:path w="120000" h="120000" extrusionOk="0">
                 <a:moveTo>
                   <a:pt x="0" y="0"/>
                 </a:moveTo>
@@ -1943,9 +2024,11 @@
       <p:sp>
         <p:nvSpPr>
           <p:cNvPr id="103" name="Google Shape;103;g109a7c3923b_0_23:notes"/>
-          <p:cNvSpPr txBox="1"/>
+          <p:cNvSpPr txBox="1">
+            <a:spLocks noGrp="1"/>
+          </p:cNvSpPr>
           <p:nvPr>
-            <p:ph idx="1" type="body"/>
+            <p:ph type="body" idx="1"/>
           </p:nvPr>
         </p:nvSpPr>
         <p:spPr>
@@ -1958,12 +2041,12 @@
           </a:prstGeom>
         </p:spPr>
         <p:txBody>
-          <a:bodyPr anchorCtr="0" anchor="t" bIns="91425" lIns="91425" spcFirstLastPara="1" rIns="91425" wrap="square" tIns="91425">
+          <a:bodyPr spcFirstLastPara="1" wrap="square" lIns="91425" tIns="91425" rIns="91425" bIns="91425" anchor="t" anchorCtr="0">
             <a:noAutofit/>
           </a:bodyPr>
           <a:lstStyle/>
           <a:p>
-            <a:pPr indent="0" lvl="0" marL="0" rtl="0" algn="l">
+            <a:pPr marL="0" lvl="0" indent="0" algn="l" rtl="0">
               <a:spcBef>
                 <a:spcPts val="0"/>
               </a:spcBef>
@@ -1972,9 +2055,6 @@
               </a:spcAft>
               <a:buNone/>
             </a:pPr>
-            <a:r>
-              <a:t/>
-            </a:r>
             <a:endParaRPr/>
           </a:p>
         </p:txBody>
@@ -1988,11 +2068,11 @@
 </file>
 
 <file path=ppt/notesSlides/notesSlide8.xml><?xml version="1.0" encoding="utf-8"?>
-<p:notes xmlns:a="http://schemas.openxmlformats.org/drawingml/2006/main" xmlns:r="http://schemas.openxmlformats.org/officeDocument/2006/relationships" xmlns:mc="http://schemas.openxmlformats.org/markup-compatibility/2006" xmlns:mv="urn:schemas-microsoft-com:mac:vml" xmlns:p="http://schemas.openxmlformats.org/presentationml/2006/main" xmlns:c="http://schemas.openxmlformats.org/drawingml/2006/chart" xmlns:dgm="http://schemas.openxmlformats.org/drawingml/2006/diagram" xmlns:o="urn:schemas-microsoft-com:office:office" xmlns:v="urn:schemas-microsoft-com:vml" xmlns:pvml="urn:schemas-microsoft-com:office:powerpoint" xmlns:com="http://schemas.openxmlformats.org/drawingml/2006/compatibility" xmlns:p14="http://schemas.microsoft.com/office/powerpoint/2010/main" xmlns:p15="http://schemas.microsoft.com/office/powerpoint/2012/main" xmlns:ahyp="http://schemas.microsoft.com/office/drawing/2018/hyperlinkcolor" showMasterPhAnim="0" showMasterSp="0">
+<p:notes xmlns:a="http://schemas.openxmlformats.org/drawingml/2006/main" xmlns:r="http://schemas.openxmlformats.org/officeDocument/2006/relationships" xmlns:p="http://schemas.openxmlformats.org/presentationml/2006/main" showMasterSp="0" showMasterPhAnim="0">
   <p:cSld>
     <p:spTree>
       <p:nvGrpSpPr>
-        <p:cNvPr id="109" name="Shape 109"/>
+        <p:cNvPr id="1" name="Shape 109"/>
         <p:cNvGrpSpPr/>
         <p:nvPr/>
       </p:nvGrpSpPr>
@@ -2007,20 +2087,26 @@
       <p:sp>
         <p:nvSpPr>
           <p:cNvPr id="110" name="Google Shape;110;g109a7c3923b_0_34:notes"/>
-          <p:cNvSpPr/>
+          <p:cNvSpPr>
+            <a:spLocks noGrp="1" noRot="1" noChangeAspect="1"/>
+          </p:cNvSpPr>
           <p:nvPr>
-            <p:ph idx="2" type="sldImg"/>
+            <p:ph type="sldImg" idx="2"/>
           </p:nvPr>
         </p:nvSpPr>
         <p:spPr>
           <a:xfrm>
-            <a:off x="1143309" y="685800"/>
-            <a:ext cx="4572000" cy="3429000"/>
+            <a:off x="381000" y="685800"/>
+            <a:ext cx="6096000" cy="3429000"/>
           </a:xfrm>
           <a:custGeom>
-            <a:rect b="b" l="l" r="r" t="t"/>
+            <a:avLst/>
+            <a:gdLst/>
+            <a:ahLst/>
+            <a:cxnLst/>
+            <a:rect l="l" t="t" r="r" b="b"/>
             <a:pathLst>
-              <a:path extrusionOk="0" h="120000" w="120000">
+              <a:path w="120000" h="120000" extrusionOk="0">
                 <a:moveTo>
                   <a:pt x="0" y="0"/>
                 </a:moveTo>
@@ -2042,9 +2128,11 @@
       <p:sp>
         <p:nvSpPr>
           <p:cNvPr id="111" name="Google Shape;111;g109a7c3923b_0_34:notes"/>
-          <p:cNvSpPr txBox="1"/>
+          <p:cNvSpPr txBox="1">
+            <a:spLocks noGrp="1"/>
+          </p:cNvSpPr>
           <p:nvPr>
-            <p:ph idx="1" type="body"/>
+            <p:ph type="body" idx="1"/>
           </p:nvPr>
         </p:nvSpPr>
         <p:spPr>
@@ -2057,12 +2145,12 @@
           </a:prstGeom>
         </p:spPr>
         <p:txBody>
-          <a:bodyPr anchorCtr="0" anchor="t" bIns="91425" lIns="91425" spcFirstLastPara="1" rIns="91425" wrap="square" tIns="91425">
+          <a:bodyPr spcFirstLastPara="1" wrap="square" lIns="91425" tIns="91425" rIns="91425" bIns="91425" anchor="t" anchorCtr="0">
             <a:noAutofit/>
           </a:bodyPr>
           <a:lstStyle/>
           <a:p>
-            <a:pPr indent="0" lvl="0" marL="0" rtl="0" algn="l">
+            <a:pPr marL="0" lvl="0" indent="0" algn="l" rtl="0">
               <a:spcBef>
                 <a:spcPts val="0"/>
               </a:spcBef>
@@ -2071,9 +2159,6 @@
               </a:spcAft>
               <a:buNone/>
             </a:pPr>
-            <a:r>
-              <a:t/>
-            </a:r>
             <a:endParaRPr/>
           </a:p>
         </p:txBody>
@@ -2087,11 +2172,11 @@
 </file>
 
 <file path=ppt/notesSlides/notesSlide9.xml><?xml version="1.0" encoding="utf-8"?>
-<p:notes xmlns:a="http://schemas.openxmlformats.org/drawingml/2006/main" xmlns:r="http://schemas.openxmlformats.org/officeDocument/2006/relationships" xmlns:mc="http://schemas.openxmlformats.org/markup-compatibility/2006" xmlns:mv="urn:schemas-microsoft-com:mac:vml" xmlns:p="http://schemas.openxmlformats.org/presentationml/2006/main" xmlns:c="http://schemas.openxmlformats.org/drawingml/2006/chart" xmlns:dgm="http://schemas.openxmlformats.org/drawingml/2006/diagram" xmlns:o="urn:schemas-microsoft-com:office:office" xmlns:v="urn:schemas-microsoft-com:vml" xmlns:pvml="urn:schemas-microsoft-com:office:powerpoint" xmlns:com="http://schemas.openxmlformats.org/drawingml/2006/compatibility" xmlns:p14="http://schemas.microsoft.com/office/powerpoint/2010/main" xmlns:p15="http://schemas.microsoft.com/office/powerpoint/2012/main" xmlns:ahyp="http://schemas.microsoft.com/office/drawing/2018/hyperlinkcolor" showMasterPhAnim="0" showMasterSp="0">
+<p:notes xmlns:a="http://schemas.openxmlformats.org/drawingml/2006/main" xmlns:r="http://schemas.openxmlformats.org/officeDocument/2006/relationships" xmlns:p="http://schemas.openxmlformats.org/presentationml/2006/main" showMasterSp="0" showMasterPhAnim="0">
   <p:cSld>
     <p:spTree>
       <p:nvGrpSpPr>
-        <p:cNvPr id="115" name="Shape 115"/>
+        <p:cNvPr id="1" name="Shape 115"/>
         <p:cNvGrpSpPr/>
         <p:nvPr/>
       </p:nvGrpSpPr>
@@ -2106,20 +2191,26 @@
       <p:sp>
         <p:nvSpPr>
           <p:cNvPr id="116" name="Google Shape;116;g109a7c3923b_0_50:notes"/>
-          <p:cNvSpPr/>
+          <p:cNvSpPr>
+            <a:spLocks noGrp="1" noRot="1" noChangeAspect="1"/>
+          </p:cNvSpPr>
           <p:nvPr>
-            <p:ph idx="2" type="sldImg"/>
+            <p:ph type="sldImg" idx="2"/>
           </p:nvPr>
         </p:nvSpPr>
         <p:spPr>
           <a:xfrm>
-            <a:off x="1143309" y="685800"/>
-            <a:ext cx="4572000" cy="3429000"/>
+            <a:off x="381000" y="685800"/>
+            <a:ext cx="6096000" cy="3429000"/>
           </a:xfrm>
           <a:custGeom>
-            <a:rect b="b" l="l" r="r" t="t"/>
+            <a:avLst/>
+            <a:gdLst/>
+            <a:ahLst/>
+            <a:cxnLst/>
+            <a:rect l="l" t="t" r="r" b="b"/>
             <a:pathLst>
-              <a:path extrusionOk="0" h="120000" w="120000">
+              <a:path w="120000" h="120000" extrusionOk="0">
                 <a:moveTo>
                   <a:pt x="0" y="0"/>
                 </a:moveTo>
@@ -2141,9 +2232,11 @@
       <p:sp>
         <p:nvSpPr>
           <p:cNvPr id="117" name="Google Shape;117;g109a7c3923b_0_50:notes"/>
-          <p:cNvSpPr txBox="1"/>
+          <p:cNvSpPr txBox="1">
+            <a:spLocks noGrp="1"/>
+          </p:cNvSpPr>
           <p:nvPr>
-            <p:ph idx="1" type="body"/>
+            <p:ph type="body" idx="1"/>
           </p:nvPr>
         </p:nvSpPr>
         <p:spPr>
@@ -2156,12 +2249,12 @@
           </a:prstGeom>
         </p:spPr>
         <p:txBody>
-          <a:bodyPr anchorCtr="0" anchor="t" bIns="91425" lIns="91425" spcFirstLastPara="1" rIns="91425" wrap="square" tIns="91425">
+          <a:bodyPr spcFirstLastPara="1" wrap="square" lIns="91425" tIns="91425" rIns="91425" bIns="91425" anchor="t" anchorCtr="0">
             <a:noAutofit/>
           </a:bodyPr>
           <a:lstStyle/>
           <a:p>
-            <a:pPr indent="0" lvl="0" marL="0" rtl="0" algn="l">
+            <a:pPr marL="0" lvl="0" indent="0" algn="l" rtl="0">
               <a:spcBef>
                 <a:spcPts val="0"/>
               </a:spcBef>
@@ -2170,9 +2263,6 @@
               </a:spcAft>
               <a:buNone/>
             </a:pPr>
-            <a:r>
-              <a:t/>
-            </a:r>
             <a:endParaRPr/>
           </a:p>
         </p:txBody>
@@ -2186,11 +2276,11 @@
 </file>
 
 <file path=ppt/slideLayouts/slideLayout1.xml><?xml version="1.0" encoding="utf-8"?>
-<p:sldLayout xmlns:a="http://schemas.openxmlformats.org/drawingml/2006/main" xmlns:r="http://schemas.openxmlformats.org/officeDocument/2006/relationships" xmlns:mc="http://schemas.openxmlformats.org/markup-compatibility/2006" xmlns:mv="urn:schemas-microsoft-com:mac:vml" xmlns:p="http://schemas.openxmlformats.org/presentationml/2006/main" xmlns:c="http://schemas.openxmlformats.org/drawingml/2006/chart" xmlns:dgm="http://schemas.openxmlformats.org/drawingml/2006/diagram" xmlns:o="urn:schemas-microsoft-com:office:office" xmlns:v="urn:schemas-microsoft-com:vml" xmlns:pvml="urn:schemas-microsoft-com:office:powerpoint" xmlns:com="http://schemas.openxmlformats.org/drawingml/2006/compatibility" xmlns:p14="http://schemas.microsoft.com/office/powerpoint/2010/main" xmlns:p15="http://schemas.microsoft.com/office/powerpoint/2012/main" xmlns:ahyp="http://schemas.microsoft.com/office/drawing/2018/hyperlinkcolor" matchingName="Title slide" type="title">
+<p:sldLayout xmlns:a="http://schemas.openxmlformats.org/drawingml/2006/main" xmlns:r="http://schemas.openxmlformats.org/officeDocument/2006/relationships" xmlns:p="http://schemas.openxmlformats.org/presentationml/2006/main" matchingName="Title slide" type="title">
   <p:cSld name="TITLE">
     <p:spTree>
       <p:nvGrpSpPr>
-        <p:cNvPr id="9" name="Shape 9"/>
+        <p:cNvPr id="1" name="Shape 9"/>
         <p:cNvGrpSpPr/>
         <p:nvPr/>
       </p:nvGrpSpPr>
@@ -2205,22 +2295,24 @@
       <p:sp>
         <p:nvSpPr>
           <p:cNvPr id="10" name="Google Shape;10;p2"/>
-          <p:cNvSpPr txBox="1"/>
+          <p:cNvSpPr txBox="1">
+            <a:spLocks noGrp="1"/>
+          </p:cNvSpPr>
           <p:nvPr>
             <p:ph type="ctrTitle"/>
           </p:nvPr>
         </p:nvSpPr>
         <p:spPr>
           <a:xfrm>
-            <a:off x="311708" y="992767"/>
-            <a:ext cx="8520600" cy="2736900"/>
+            <a:off x="415611" y="992767"/>
+            <a:ext cx="11360800" cy="2736900"/>
           </a:xfrm>
           <a:prstGeom prst="rect">
             <a:avLst/>
           </a:prstGeom>
         </p:spPr>
         <p:txBody>
-          <a:bodyPr anchorCtr="0" anchor="b" bIns="91425" lIns="91425" spcFirstLastPara="1" rIns="91425" wrap="square" tIns="91425">
+          <a:bodyPr spcFirstLastPara="1" wrap="square" lIns="91425" tIns="91425" rIns="91425" bIns="91425" anchor="b" anchorCtr="0">
             <a:normAutofit/>
           </a:bodyPr>
           <a:lstStyle>
@@ -2324,28 +2416,32 @@
               <a:defRPr sz="5200"/>
             </a:lvl9pPr>
           </a:lstStyle>
-          <a:p/>
+          <a:p>
+            <a:endParaRPr/>
+          </a:p>
         </p:txBody>
       </p:sp>
       <p:sp>
         <p:nvSpPr>
           <p:cNvPr id="11" name="Google Shape;11;p2"/>
-          <p:cNvSpPr txBox="1"/>
+          <p:cNvSpPr txBox="1">
+            <a:spLocks noGrp="1"/>
+          </p:cNvSpPr>
           <p:nvPr>
-            <p:ph idx="1" type="subTitle"/>
+            <p:ph type="subTitle" idx="1"/>
           </p:nvPr>
         </p:nvSpPr>
         <p:spPr>
           <a:xfrm>
-            <a:off x="311700" y="3778833"/>
-            <a:ext cx="8520600" cy="1056900"/>
+            <a:off x="415600" y="3778833"/>
+            <a:ext cx="11360800" cy="1056900"/>
           </a:xfrm>
           <a:prstGeom prst="rect">
             <a:avLst/>
           </a:prstGeom>
         </p:spPr>
         <p:txBody>
-          <a:bodyPr anchorCtr="0" anchor="t" bIns="91425" lIns="91425" spcFirstLastPara="1" rIns="91425" wrap="square" tIns="91425">
+          <a:bodyPr spcFirstLastPara="1" wrap="square" lIns="91425" tIns="91425" rIns="91425" bIns="91425" anchor="t" anchorCtr="0">
             <a:normAutofit/>
           </a:bodyPr>
           <a:lstStyle>
@@ -2476,28 +2572,32 @@
               <a:defRPr sz="2800"/>
             </a:lvl9pPr>
           </a:lstStyle>
-          <a:p/>
+          <a:p>
+            <a:endParaRPr/>
+          </a:p>
         </p:txBody>
       </p:sp>
       <p:sp>
         <p:nvSpPr>
           <p:cNvPr id="12" name="Google Shape;12;p2"/>
-          <p:cNvSpPr txBox="1"/>
+          <p:cNvSpPr txBox="1">
+            <a:spLocks noGrp="1"/>
+          </p:cNvSpPr>
           <p:nvPr>
-            <p:ph idx="12" type="sldNum"/>
+            <p:ph type="sldNum" idx="12"/>
           </p:nvPr>
         </p:nvSpPr>
         <p:spPr>
           <a:xfrm>
-            <a:off x="8472458" y="6217622"/>
-            <a:ext cx="548700" cy="524700"/>
+            <a:off x="11296611" y="6217622"/>
+            <a:ext cx="731600" cy="524700"/>
           </a:xfrm>
           <a:prstGeom prst="rect">
             <a:avLst/>
           </a:prstGeom>
         </p:spPr>
         <p:txBody>
-          <a:bodyPr anchorCtr="0" anchor="ctr" bIns="91425" lIns="91425" spcFirstLastPara="1" rIns="91425" wrap="square" tIns="91425">
+          <a:bodyPr spcFirstLastPara="1" wrap="square" lIns="91425" tIns="91425" rIns="91425" bIns="91425" anchor="ctr" anchorCtr="0">
             <a:normAutofit/>
           </a:bodyPr>
           <a:lstStyle>
@@ -2539,23 +2639,154 @@
             </a:lvl9pPr>
           </a:lstStyle>
           <a:p>
-            <a:pPr indent="0" lvl="0" marL="0" rtl="0" algn="r">
-              <a:spcBef>
-                <a:spcPts val="0"/>
-              </a:spcBef>
-              <a:spcAft>
-                <a:spcPts val="0"/>
-              </a:spcAft>
-              <a:buNone/>
-            </a:pPr>
             <a:fld id="{00000000-1234-1234-1234-123412341234}" type="slidenum">
-              <a:rPr lang="en"/>
+              <a:rPr lang="en" smtClean="0"/>
+              <a:pPr/>
               <a:t>‹#›</a:t>
             </a:fld>
-            <a:endParaRPr/>
+            <a:endParaRPr lang="en"/>
           </a:p>
         </p:txBody>
       </p:sp>
+      <p:cxnSp>
+        <p:nvCxnSpPr>
+          <p:cNvPr id="2" name="직선 연결선 1">
+            <a:extLst>
+              <a:ext uri="{FF2B5EF4-FFF2-40B4-BE49-F238E27FC236}">
+                <a16:creationId xmlns:a16="http://schemas.microsoft.com/office/drawing/2014/main" id="{A53F4220-4F05-7925-5367-69D7617C3B1A}"/>
+              </a:ext>
+            </a:extLst>
+          </p:cNvPr>
+          <p:cNvCxnSpPr>
+            <a:cxnSpLocks/>
+          </p:cNvCxnSpPr>
+          <p:nvPr userDrawn="1"/>
+        </p:nvCxnSpPr>
+        <p:spPr>
+          <a:xfrm>
+            <a:off x="0" y="365125"/>
+            <a:ext cx="10582183" cy="0"/>
+          </a:xfrm>
+          <a:prstGeom prst="line">
+            <a:avLst/>
+          </a:prstGeom>
+          <a:ln w="38100"/>
+        </p:spPr>
+        <p:style>
+          <a:lnRef idx="1">
+            <a:schemeClr val="accent1"/>
+          </a:lnRef>
+          <a:fillRef idx="0">
+            <a:schemeClr val="accent1"/>
+          </a:fillRef>
+          <a:effectRef idx="0">
+            <a:schemeClr val="accent1"/>
+          </a:effectRef>
+          <a:fontRef idx="minor">
+            <a:schemeClr val="tx1"/>
+          </a:fontRef>
+        </p:style>
+      </p:cxnSp>
+      <p:pic>
+        <p:nvPicPr>
+          <p:cNvPr id="3" name="그림 2">
+            <a:extLst>
+              <a:ext uri="{FF2B5EF4-FFF2-40B4-BE49-F238E27FC236}">
+                <a16:creationId xmlns:a16="http://schemas.microsoft.com/office/drawing/2014/main" id="{20D5E23C-ED85-299E-D929-79B190AA23A7}"/>
+              </a:ext>
+            </a:extLst>
+          </p:cNvPr>
+          <p:cNvPicPr>
+            <a:picLocks noChangeAspect="1"/>
+          </p:cNvPicPr>
+          <p:nvPr userDrawn="1"/>
+        </p:nvPicPr>
+        <p:blipFill>
+          <a:blip r:embed="rId2"/>
+          <a:stretch>
+            <a:fillRect/>
+          </a:stretch>
+        </p:blipFill>
+        <p:spPr>
+          <a:xfrm>
+            <a:off x="10758910" y="129799"/>
+            <a:ext cx="1189780" cy="470650"/>
+          </a:xfrm>
+          <a:prstGeom prst="rect">
+            <a:avLst/>
+          </a:prstGeom>
+        </p:spPr>
+      </p:pic>
+      <p:sp>
+        <p:nvSpPr>
+          <p:cNvPr id="4" name="TextBox 3">
+            <a:extLst>
+              <a:ext uri="{FF2B5EF4-FFF2-40B4-BE49-F238E27FC236}">
+                <a16:creationId xmlns:a16="http://schemas.microsoft.com/office/drawing/2014/main" id="{4AD33D84-0204-F703-84C1-89146C3C7EF2}"/>
+              </a:ext>
+            </a:extLst>
+          </p:cNvPr>
+          <p:cNvSpPr txBox="1"/>
+          <p:nvPr userDrawn="1"/>
+        </p:nvSpPr>
+        <p:spPr>
+          <a:xfrm>
+            <a:off x="5112397" y="6409678"/>
+            <a:ext cx="1967205" cy="307777"/>
+          </a:xfrm>
+          <a:prstGeom prst="rect">
+            <a:avLst/>
+          </a:prstGeom>
+          <a:noFill/>
+        </p:spPr>
+        <p:txBody>
+          <a:bodyPr wrap="none" rtlCol="0">
+            <a:spAutoFit/>
+          </a:bodyPr>
+          <a:lstStyle/>
+          <a:p>
+            <a:r>
+              <a:rPr lang="en-US" altLang="ko-KR" sz="1400" b="0" dirty="0"/>
+              <a:t>Copyright 2022 </a:t>
+            </a:r>
+            <a:r>
+              <a:rPr lang="en-US" altLang="ko-KR" sz="1400" b="0" dirty="0" err="1"/>
+              <a:t>jdedu</a:t>
+            </a:r>
+            <a:endParaRPr lang="ko-KR" altLang="en-US" sz="1400" b="0" dirty="0"/>
+          </a:p>
+        </p:txBody>
+      </p:sp>
+      <p:pic>
+        <p:nvPicPr>
+          <p:cNvPr id="5" name="그림 4">
+            <a:extLst>
+              <a:ext uri="{FF2B5EF4-FFF2-40B4-BE49-F238E27FC236}">
+                <a16:creationId xmlns:a16="http://schemas.microsoft.com/office/drawing/2014/main" id="{10CF8CCA-8180-E67D-0D56-90C63BF42ABD}"/>
+              </a:ext>
+            </a:extLst>
+          </p:cNvPr>
+          <p:cNvPicPr>
+            <a:picLocks noChangeAspect="1"/>
+          </p:cNvPicPr>
+          <p:nvPr userDrawn="1"/>
+        </p:nvPicPr>
+        <p:blipFill>
+          <a:blip r:embed="rId2"/>
+          <a:stretch>
+            <a:fillRect/>
+          </a:stretch>
+        </p:blipFill>
+        <p:spPr>
+          <a:xfrm>
+            <a:off x="4772910" y="4688868"/>
+            <a:ext cx="2646180" cy="1046769"/>
+          </a:xfrm>
+          <a:prstGeom prst="rect">
+            <a:avLst/>
+          </a:prstGeom>
+        </p:spPr>
+      </p:pic>
     </p:spTree>
   </p:cSld>
   <p:clrMapOvr>
@@ -2565,11 +2796,11 @@
 </file>
 
 <file path=ppt/slideLayouts/slideLayout10.xml><?xml version="1.0" encoding="utf-8"?>
-<p:sldLayout xmlns:a="http://schemas.openxmlformats.org/drawingml/2006/main" xmlns:r="http://schemas.openxmlformats.org/officeDocument/2006/relationships" xmlns:mc="http://schemas.openxmlformats.org/markup-compatibility/2006" xmlns:mv="urn:schemas-microsoft-com:mac:vml" xmlns:p="http://schemas.openxmlformats.org/presentationml/2006/main" xmlns:c="http://schemas.openxmlformats.org/drawingml/2006/chart" xmlns:dgm="http://schemas.openxmlformats.org/drawingml/2006/diagram" xmlns:o="urn:schemas-microsoft-com:office:office" xmlns:v="urn:schemas-microsoft-com:vml" xmlns:pvml="urn:schemas-microsoft-com:office:powerpoint" xmlns:com="http://schemas.openxmlformats.org/drawingml/2006/compatibility" xmlns:p14="http://schemas.microsoft.com/office/powerpoint/2010/main" xmlns:p15="http://schemas.microsoft.com/office/powerpoint/2012/main" xmlns:ahyp="http://schemas.microsoft.com/office/drawing/2018/hyperlinkcolor" matchingName="Big number">
+<p:sldLayout xmlns:a="http://schemas.openxmlformats.org/drawingml/2006/main" xmlns:r="http://schemas.openxmlformats.org/officeDocument/2006/relationships" xmlns:p="http://schemas.openxmlformats.org/presentationml/2006/main" matchingName="Big number">
   <p:cSld name="BIG_NUMBER">
     <p:spTree>
       <p:nvGrpSpPr>
-        <p:cNvPr id="44" name="Shape 44"/>
+        <p:cNvPr id="1" name="Shape 44"/>
         <p:cNvGrpSpPr/>
         <p:nvPr/>
       </p:nvGrpSpPr>
@@ -2584,22 +2815,24 @@
       <p:sp>
         <p:nvSpPr>
           <p:cNvPr id="45" name="Google Shape;45;p11"/>
-          <p:cNvSpPr txBox="1"/>
+          <p:cNvSpPr txBox="1">
+            <a:spLocks noGrp="1"/>
+          </p:cNvSpPr>
           <p:nvPr>
-            <p:ph hasCustomPrompt="1" type="title"/>
+            <p:ph type="title" hasCustomPrompt="1"/>
           </p:nvPr>
         </p:nvSpPr>
         <p:spPr>
           <a:xfrm>
-            <a:off x="311700" y="1474833"/>
-            <a:ext cx="8520600" cy="2618100"/>
+            <a:off x="415600" y="1474833"/>
+            <a:ext cx="11360800" cy="2618100"/>
           </a:xfrm>
           <a:prstGeom prst="rect">
             <a:avLst/>
           </a:prstGeom>
         </p:spPr>
         <p:txBody>
-          <a:bodyPr anchorCtr="0" anchor="b" bIns="91425" lIns="91425" spcFirstLastPara="1" rIns="91425" wrap="square" tIns="91425">
+          <a:bodyPr spcFirstLastPara="1" wrap="square" lIns="91425" tIns="91425" rIns="91425" bIns="91425" anchor="b" anchorCtr="0">
             <a:normAutofit/>
           </a:bodyPr>
           <a:lstStyle>
@@ -2713,26 +2946,28 @@
       <p:sp>
         <p:nvSpPr>
           <p:cNvPr id="46" name="Google Shape;46;p11"/>
-          <p:cNvSpPr txBox="1"/>
+          <p:cNvSpPr txBox="1">
+            <a:spLocks noGrp="1"/>
+          </p:cNvSpPr>
           <p:nvPr>
-            <p:ph idx="1" type="body"/>
+            <p:ph type="body" idx="1"/>
           </p:nvPr>
         </p:nvSpPr>
         <p:spPr>
           <a:xfrm>
-            <a:off x="311700" y="4202967"/>
-            <a:ext cx="8520600" cy="1734300"/>
+            <a:off x="415600" y="4202967"/>
+            <a:ext cx="11360800" cy="1734300"/>
           </a:xfrm>
           <a:prstGeom prst="rect">
             <a:avLst/>
           </a:prstGeom>
         </p:spPr>
         <p:txBody>
-          <a:bodyPr anchorCtr="0" anchor="t" bIns="91425" lIns="91425" spcFirstLastPara="1" rIns="91425" wrap="square" tIns="91425">
+          <a:bodyPr spcFirstLastPara="1" wrap="square" lIns="91425" tIns="91425" rIns="91425" bIns="91425" anchor="t" anchorCtr="0">
             <a:normAutofit/>
           </a:bodyPr>
           <a:lstStyle>
-            <a:lvl1pPr indent="-342900" lvl="0" marL="457200" algn="ctr">
+            <a:lvl1pPr marL="457200" lvl="0" indent="-342900" algn="ctr">
               <a:spcBef>
                 <a:spcPts val="0"/>
               </a:spcBef>
@@ -2743,7 +2978,7 @@
               <a:buChar char="●"/>
               <a:defRPr/>
             </a:lvl1pPr>
-            <a:lvl2pPr indent="-317500" lvl="1" marL="914400" algn="ctr">
+            <a:lvl2pPr marL="914400" lvl="1" indent="-317500" algn="ctr">
               <a:spcBef>
                 <a:spcPts val="0"/>
               </a:spcBef>
@@ -2754,7 +2989,7 @@
               <a:buChar char="○"/>
               <a:defRPr/>
             </a:lvl2pPr>
-            <a:lvl3pPr indent="-317500" lvl="2" marL="1371600" algn="ctr">
+            <a:lvl3pPr marL="1371600" lvl="2" indent="-317500" algn="ctr">
               <a:spcBef>
                 <a:spcPts val="0"/>
               </a:spcBef>
@@ -2765,7 +3000,7 @@
               <a:buChar char="■"/>
               <a:defRPr/>
             </a:lvl3pPr>
-            <a:lvl4pPr indent="-317500" lvl="3" marL="1828800" algn="ctr">
+            <a:lvl4pPr marL="1828800" lvl="3" indent="-317500" algn="ctr">
               <a:spcBef>
                 <a:spcPts val="0"/>
               </a:spcBef>
@@ -2776,7 +3011,7 @@
               <a:buChar char="●"/>
               <a:defRPr/>
             </a:lvl4pPr>
-            <a:lvl5pPr indent="-317500" lvl="4" marL="2286000" algn="ctr">
+            <a:lvl5pPr marL="2286000" lvl="4" indent="-317500" algn="ctr">
               <a:spcBef>
                 <a:spcPts val="0"/>
               </a:spcBef>
@@ -2787,7 +3022,7 @@
               <a:buChar char="○"/>
               <a:defRPr/>
             </a:lvl5pPr>
-            <a:lvl6pPr indent="-317500" lvl="5" marL="2743200" algn="ctr">
+            <a:lvl6pPr marL="2743200" lvl="5" indent="-317500" algn="ctr">
               <a:spcBef>
                 <a:spcPts val="0"/>
               </a:spcBef>
@@ -2798,7 +3033,7 @@
               <a:buChar char="■"/>
               <a:defRPr/>
             </a:lvl6pPr>
-            <a:lvl7pPr indent="-317500" lvl="6" marL="3200400" algn="ctr">
+            <a:lvl7pPr marL="3200400" lvl="6" indent="-317500" algn="ctr">
               <a:spcBef>
                 <a:spcPts val="0"/>
               </a:spcBef>
@@ -2809,7 +3044,7 @@
               <a:buChar char="●"/>
               <a:defRPr/>
             </a:lvl7pPr>
-            <a:lvl8pPr indent="-317500" lvl="7" marL="3657600" algn="ctr">
+            <a:lvl8pPr marL="3657600" lvl="7" indent="-317500" algn="ctr">
               <a:spcBef>
                 <a:spcPts val="0"/>
               </a:spcBef>
@@ -2820,7 +3055,7 @@
               <a:buChar char="○"/>
               <a:defRPr/>
             </a:lvl8pPr>
-            <a:lvl9pPr indent="-317500" lvl="8" marL="4114800" algn="ctr">
+            <a:lvl9pPr marL="4114800" lvl="8" indent="-317500" algn="ctr">
               <a:spcBef>
                 <a:spcPts val="0"/>
               </a:spcBef>
@@ -2832,28 +3067,32 @@
               <a:defRPr/>
             </a:lvl9pPr>
           </a:lstStyle>
-          <a:p/>
+          <a:p>
+            <a:endParaRPr/>
+          </a:p>
         </p:txBody>
       </p:sp>
       <p:sp>
         <p:nvSpPr>
           <p:cNvPr id="47" name="Google Shape;47;p11"/>
-          <p:cNvSpPr txBox="1"/>
+          <p:cNvSpPr txBox="1">
+            <a:spLocks noGrp="1"/>
+          </p:cNvSpPr>
           <p:nvPr>
-            <p:ph idx="12" type="sldNum"/>
+            <p:ph type="sldNum" idx="12"/>
           </p:nvPr>
         </p:nvSpPr>
         <p:spPr>
           <a:xfrm>
-            <a:off x="8472458" y="6217622"/>
-            <a:ext cx="548700" cy="524700"/>
+            <a:off x="11296611" y="6217622"/>
+            <a:ext cx="731600" cy="524700"/>
           </a:xfrm>
           <a:prstGeom prst="rect">
             <a:avLst/>
           </a:prstGeom>
         </p:spPr>
         <p:txBody>
-          <a:bodyPr anchorCtr="0" anchor="ctr" bIns="91425" lIns="91425" spcFirstLastPara="1" rIns="91425" wrap="square" tIns="91425">
+          <a:bodyPr spcFirstLastPara="1" wrap="square" lIns="91425" tIns="91425" rIns="91425" bIns="91425" anchor="ctr" anchorCtr="0">
             <a:normAutofit/>
           </a:bodyPr>
           <a:lstStyle>
@@ -2895,20 +3134,12 @@
             </a:lvl9pPr>
           </a:lstStyle>
           <a:p>
-            <a:pPr indent="0" lvl="0" marL="0" rtl="0" algn="r">
-              <a:spcBef>
-                <a:spcPts val="0"/>
-              </a:spcBef>
-              <a:spcAft>
-                <a:spcPts val="0"/>
-              </a:spcAft>
-              <a:buNone/>
-            </a:pPr>
             <a:fld id="{00000000-1234-1234-1234-123412341234}" type="slidenum">
-              <a:rPr lang="en"/>
+              <a:rPr lang="en" smtClean="0"/>
+              <a:pPr/>
               <a:t>‹#›</a:t>
             </a:fld>
-            <a:endParaRPr/>
+            <a:endParaRPr lang="en"/>
           </a:p>
         </p:txBody>
       </p:sp>
@@ -2921,11 +3152,11 @@
 </file>
 
 <file path=ppt/slideLayouts/slideLayout11.xml><?xml version="1.0" encoding="utf-8"?>
-<p:sldLayout xmlns:a="http://schemas.openxmlformats.org/drawingml/2006/main" xmlns:r="http://schemas.openxmlformats.org/officeDocument/2006/relationships" xmlns:mc="http://schemas.openxmlformats.org/markup-compatibility/2006" xmlns:mv="urn:schemas-microsoft-com:mac:vml" xmlns:p="http://schemas.openxmlformats.org/presentationml/2006/main" xmlns:c="http://schemas.openxmlformats.org/drawingml/2006/chart" xmlns:dgm="http://schemas.openxmlformats.org/drawingml/2006/diagram" xmlns:o="urn:schemas-microsoft-com:office:office" xmlns:v="urn:schemas-microsoft-com:vml" xmlns:pvml="urn:schemas-microsoft-com:office:powerpoint" xmlns:com="http://schemas.openxmlformats.org/drawingml/2006/compatibility" xmlns:p14="http://schemas.microsoft.com/office/powerpoint/2010/main" xmlns:p15="http://schemas.microsoft.com/office/powerpoint/2012/main" xmlns:ahyp="http://schemas.microsoft.com/office/drawing/2018/hyperlinkcolor" matchingName="Blank" type="blank">
+<p:sldLayout xmlns:a="http://schemas.openxmlformats.org/drawingml/2006/main" xmlns:r="http://schemas.openxmlformats.org/officeDocument/2006/relationships" xmlns:p="http://schemas.openxmlformats.org/presentationml/2006/main" matchingName="Blank" type="blank">
   <p:cSld name="BLANK">
     <p:spTree>
       <p:nvGrpSpPr>
-        <p:cNvPr id="48" name="Shape 48"/>
+        <p:cNvPr id="1" name="Shape 48"/>
         <p:cNvGrpSpPr/>
         <p:nvPr/>
       </p:nvGrpSpPr>
@@ -2940,22 +3171,24 @@
       <p:sp>
         <p:nvSpPr>
           <p:cNvPr id="49" name="Google Shape;49;p12"/>
-          <p:cNvSpPr txBox="1"/>
+          <p:cNvSpPr txBox="1">
+            <a:spLocks noGrp="1"/>
+          </p:cNvSpPr>
           <p:nvPr>
-            <p:ph idx="12" type="sldNum"/>
+            <p:ph type="sldNum" idx="12"/>
           </p:nvPr>
         </p:nvSpPr>
         <p:spPr>
           <a:xfrm>
-            <a:off x="8472458" y="6217622"/>
-            <a:ext cx="548700" cy="524700"/>
+            <a:off x="11296611" y="6217622"/>
+            <a:ext cx="731600" cy="524700"/>
           </a:xfrm>
           <a:prstGeom prst="rect">
             <a:avLst/>
           </a:prstGeom>
         </p:spPr>
         <p:txBody>
-          <a:bodyPr anchorCtr="0" anchor="ctr" bIns="91425" lIns="91425" spcFirstLastPara="1" rIns="91425" wrap="square" tIns="91425">
+          <a:bodyPr spcFirstLastPara="1" wrap="square" lIns="91425" tIns="91425" rIns="91425" bIns="91425" anchor="ctr" anchorCtr="0">
             <a:normAutofit/>
           </a:bodyPr>
           <a:lstStyle>
@@ -2997,20 +3230,12 @@
             </a:lvl9pPr>
           </a:lstStyle>
           <a:p>
-            <a:pPr indent="0" lvl="0" marL="0" rtl="0" algn="r">
-              <a:spcBef>
-                <a:spcPts val="0"/>
-              </a:spcBef>
-              <a:spcAft>
-                <a:spcPts val="0"/>
-              </a:spcAft>
-              <a:buNone/>
-            </a:pPr>
             <a:fld id="{00000000-1234-1234-1234-123412341234}" type="slidenum">
-              <a:rPr lang="en"/>
+              <a:rPr lang="en" smtClean="0"/>
+              <a:pPr/>
               <a:t>‹#›</a:t>
             </a:fld>
-            <a:endParaRPr/>
+            <a:endParaRPr lang="en"/>
           </a:p>
         </p:txBody>
       </p:sp>
@@ -3023,11 +3248,11 @@
 </file>
 
 <file path=ppt/slideLayouts/slideLayout2.xml><?xml version="1.0" encoding="utf-8"?>
-<p:sldLayout xmlns:a="http://schemas.openxmlformats.org/drawingml/2006/main" xmlns:r="http://schemas.openxmlformats.org/officeDocument/2006/relationships" xmlns:mc="http://schemas.openxmlformats.org/markup-compatibility/2006" xmlns:mv="urn:schemas-microsoft-com:mac:vml" xmlns:p="http://schemas.openxmlformats.org/presentationml/2006/main" xmlns:c="http://schemas.openxmlformats.org/drawingml/2006/chart" xmlns:dgm="http://schemas.openxmlformats.org/drawingml/2006/diagram" xmlns:o="urn:schemas-microsoft-com:office:office" xmlns:v="urn:schemas-microsoft-com:vml" xmlns:pvml="urn:schemas-microsoft-com:office:powerpoint" xmlns:com="http://schemas.openxmlformats.org/drawingml/2006/compatibility" xmlns:p14="http://schemas.microsoft.com/office/powerpoint/2010/main" xmlns:p15="http://schemas.microsoft.com/office/powerpoint/2012/main" xmlns:ahyp="http://schemas.microsoft.com/office/drawing/2018/hyperlinkcolor" matchingName="Section header" type="secHead">
+<p:sldLayout xmlns:a="http://schemas.openxmlformats.org/drawingml/2006/main" xmlns:r="http://schemas.openxmlformats.org/officeDocument/2006/relationships" xmlns:p="http://schemas.openxmlformats.org/presentationml/2006/main" matchingName="Section header" type="secHead">
   <p:cSld name="SECTION_HEADER">
     <p:spTree>
       <p:nvGrpSpPr>
-        <p:cNvPr id="13" name="Shape 13"/>
+        <p:cNvPr id="1" name="Shape 13"/>
         <p:cNvGrpSpPr/>
         <p:nvPr/>
       </p:nvGrpSpPr>
@@ -3042,22 +3267,24 @@
       <p:sp>
         <p:nvSpPr>
           <p:cNvPr id="14" name="Google Shape;14;p3"/>
-          <p:cNvSpPr txBox="1"/>
+          <p:cNvSpPr txBox="1">
+            <a:spLocks noGrp="1"/>
+          </p:cNvSpPr>
           <p:nvPr>
             <p:ph type="title"/>
           </p:nvPr>
         </p:nvSpPr>
         <p:spPr>
           <a:xfrm>
-            <a:off x="311700" y="2867800"/>
-            <a:ext cx="8520600" cy="1122300"/>
+            <a:off x="415600" y="2867800"/>
+            <a:ext cx="11360800" cy="1122300"/>
           </a:xfrm>
           <a:prstGeom prst="rect">
             <a:avLst/>
           </a:prstGeom>
         </p:spPr>
         <p:txBody>
-          <a:bodyPr anchorCtr="0" anchor="ctr" bIns="91425" lIns="91425" spcFirstLastPara="1" rIns="91425" wrap="square" tIns="91425">
+          <a:bodyPr spcFirstLastPara="1" wrap="square" lIns="91425" tIns="91425" rIns="91425" bIns="91425" anchor="ctr" anchorCtr="0">
             <a:normAutofit/>
           </a:bodyPr>
           <a:lstStyle>
@@ -3161,28 +3388,32 @@
               <a:defRPr sz="3600"/>
             </a:lvl9pPr>
           </a:lstStyle>
-          <a:p/>
+          <a:p>
+            <a:endParaRPr/>
+          </a:p>
         </p:txBody>
       </p:sp>
       <p:sp>
         <p:nvSpPr>
           <p:cNvPr id="15" name="Google Shape;15;p3"/>
-          <p:cNvSpPr txBox="1"/>
+          <p:cNvSpPr txBox="1">
+            <a:spLocks noGrp="1"/>
+          </p:cNvSpPr>
           <p:nvPr>
-            <p:ph idx="12" type="sldNum"/>
+            <p:ph type="sldNum" idx="12"/>
           </p:nvPr>
         </p:nvSpPr>
         <p:spPr>
           <a:xfrm>
-            <a:off x="8472458" y="6217622"/>
-            <a:ext cx="548700" cy="524700"/>
+            <a:off x="11296611" y="6217622"/>
+            <a:ext cx="731600" cy="524700"/>
           </a:xfrm>
           <a:prstGeom prst="rect">
             <a:avLst/>
           </a:prstGeom>
         </p:spPr>
         <p:txBody>
-          <a:bodyPr anchorCtr="0" anchor="ctr" bIns="91425" lIns="91425" spcFirstLastPara="1" rIns="91425" wrap="square" tIns="91425">
+          <a:bodyPr spcFirstLastPara="1" wrap="square" lIns="91425" tIns="91425" rIns="91425" bIns="91425" anchor="ctr" anchorCtr="0">
             <a:normAutofit/>
           </a:bodyPr>
           <a:lstStyle>
@@ -3224,20 +3455,12 @@
             </a:lvl9pPr>
           </a:lstStyle>
           <a:p>
-            <a:pPr indent="0" lvl="0" marL="0" rtl="0" algn="r">
-              <a:spcBef>
-                <a:spcPts val="0"/>
-              </a:spcBef>
-              <a:spcAft>
-                <a:spcPts val="0"/>
-              </a:spcAft>
-              <a:buNone/>
-            </a:pPr>
             <a:fld id="{00000000-1234-1234-1234-123412341234}" type="slidenum">
-              <a:rPr lang="en"/>
+              <a:rPr lang="en" smtClean="0"/>
+              <a:pPr/>
               <a:t>‹#›</a:t>
             </a:fld>
-            <a:endParaRPr/>
+            <a:endParaRPr lang="en"/>
           </a:p>
         </p:txBody>
       </p:sp>
@@ -3250,11 +3473,11 @@
 </file>
 
 <file path=ppt/slideLayouts/slideLayout3.xml><?xml version="1.0" encoding="utf-8"?>
-<p:sldLayout xmlns:a="http://schemas.openxmlformats.org/drawingml/2006/main" xmlns:r="http://schemas.openxmlformats.org/officeDocument/2006/relationships" xmlns:mc="http://schemas.openxmlformats.org/markup-compatibility/2006" xmlns:mv="urn:schemas-microsoft-com:mac:vml" xmlns:p="http://schemas.openxmlformats.org/presentationml/2006/main" xmlns:c="http://schemas.openxmlformats.org/drawingml/2006/chart" xmlns:dgm="http://schemas.openxmlformats.org/drawingml/2006/diagram" xmlns:o="urn:schemas-microsoft-com:office:office" xmlns:v="urn:schemas-microsoft-com:vml" xmlns:pvml="urn:schemas-microsoft-com:office:powerpoint" xmlns:com="http://schemas.openxmlformats.org/drawingml/2006/compatibility" xmlns:p14="http://schemas.microsoft.com/office/powerpoint/2010/main" xmlns:p15="http://schemas.microsoft.com/office/powerpoint/2012/main" xmlns:ahyp="http://schemas.microsoft.com/office/drawing/2018/hyperlinkcolor" matchingName="Title and body" type="tx">
+<p:sldLayout xmlns:a="http://schemas.openxmlformats.org/drawingml/2006/main" xmlns:r="http://schemas.openxmlformats.org/officeDocument/2006/relationships" xmlns:p="http://schemas.openxmlformats.org/presentationml/2006/main" matchingName="Title and body" type="tx">
   <p:cSld name="TITLE_AND_BODY">
     <p:spTree>
       <p:nvGrpSpPr>
-        <p:cNvPr id="16" name="Shape 16"/>
+        <p:cNvPr id="1" name="Shape 16"/>
         <p:cNvGrpSpPr/>
         <p:nvPr/>
       </p:nvGrpSpPr>
@@ -3269,22 +3492,24 @@
       <p:sp>
         <p:nvSpPr>
           <p:cNvPr id="17" name="Google Shape;17;p4"/>
-          <p:cNvSpPr txBox="1"/>
+          <p:cNvSpPr txBox="1">
+            <a:spLocks noGrp="1"/>
+          </p:cNvSpPr>
           <p:nvPr>
             <p:ph type="title"/>
           </p:nvPr>
         </p:nvSpPr>
         <p:spPr>
           <a:xfrm>
-            <a:off x="311700" y="593367"/>
-            <a:ext cx="8520600" cy="763500"/>
+            <a:off x="415600" y="593367"/>
+            <a:ext cx="11360800" cy="763500"/>
           </a:xfrm>
           <a:prstGeom prst="rect">
             <a:avLst/>
           </a:prstGeom>
         </p:spPr>
         <p:txBody>
-          <a:bodyPr anchorCtr="0" anchor="t" bIns="91425" lIns="91425" spcFirstLastPara="1" rIns="91425" wrap="square" tIns="91425">
+          <a:bodyPr spcFirstLastPara="1" wrap="square" lIns="91425" tIns="91425" rIns="91425" bIns="91425" anchor="t" anchorCtr="0">
             <a:normAutofit/>
           </a:bodyPr>
           <a:lstStyle>
@@ -3388,32 +3613,36 @@
               <a:defRPr/>
             </a:lvl9pPr>
           </a:lstStyle>
-          <a:p/>
+          <a:p>
+            <a:endParaRPr/>
+          </a:p>
         </p:txBody>
       </p:sp>
       <p:sp>
         <p:nvSpPr>
           <p:cNvPr id="18" name="Google Shape;18;p4"/>
-          <p:cNvSpPr txBox="1"/>
+          <p:cNvSpPr txBox="1">
+            <a:spLocks noGrp="1"/>
+          </p:cNvSpPr>
           <p:nvPr>
-            <p:ph idx="1" type="body"/>
+            <p:ph type="body" idx="1"/>
           </p:nvPr>
         </p:nvSpPr>
         <p:spPr>
           <a:xfrm>
-            <a:off x="311700" y="1536633"/>
-            <a:ext cx="8520600" cy="4555200"/>
+            <a:off x="415600" y="1536633"/>
+            <a:ext cx="11360800" cy="4555200"/>
           </a:xfrm>
           <a:prstGeom prst="rect">
             <a:avLst/>
           </a:prstGeom>
         </p:spPr>
         <p:txBody>
-          <a:bodyPr anchorCtr="0" anchor="t" bIns="91425" lIns="91425" spcFirstLastPara="1" rIns="91425" wrap="square" tIns="91425">
+          <a:bodyPr spcFirstLastPara="1" wrap="square" lIns="91425" tIns="91425" rIns="91425" bIns="91425" anchor="t" anchorCtr="0">
             <a:normAutofit/>
           </a:bodyPr>
           <a:lstStyle>
-            <a:lvl1pPr indent="-342900" lvl="0" marL="457200">
+            <a:lvl1pPr marL="457200" lvl="0" indent="-342900">
               <a:spcBef>
                 <a:spcPts val="0"/>
               </a:spcBef>
@@ -3424,7 +3653,7 @@
               <a:buChar char="●"/>
               <a:defRPr/>
             </a:lvl1pPr>
-            <a:lvl2pPr indent="-317500" lvl="1" marL="914400">
+            <a:lvl2pPr marL="914400" lvl="1" indent="-317500">
               <a:spcBef>
                 <a:spcPts val="0"/>
               </a:spcBef>
@@ -3435,7 +3664,7 @@
               <a:buChar char="○"/>
               <a:defRPr/>
             </a:lvl2pPr>
-            <a:lvl3pPr indent="-317500" lvl="2" marL="1371600">
+            <a:lvl3pPr marL="1371600" lvl="2" indent="-317500">
               <a:spcBef>
                 <a:spcPts val="0"/>
               </a:spcBef>
@@ -3446,7 +3675,7 @@
               <a:buChar char="■"/>
               <a:defRPr/>
             </a:lvl3pPr>
-            <a:lvl4pPr indent="-317500" lvl="3" marL="1828800">
+            <a:lvl4pPr marL="1828800" lvl="3" indent="-317500">
               <a:spcBef>
                 <a:spcPts val="0"/>
               </a:spcBef>
@@ -3457,7 +3686,7 @@
               <a:buChar char="●"/>
               <a:defRPr/>
             </a:lvl4pPr>
-            <a:lvl5pPr indent="-317500" lvl="4" marL="2286000">
+            <a:lvl5pPr marL="2286000" lvl="4" indent="-317500">
               <a:spcBef>
                 <a:spcPts val="0"/>
               </a:spcBef>
@@ -3468,7 +3697,7 @@
               <a:buChar char="○"/>
               <a:defRPr/>
             </a:lvl5pPr>
-            <a:lvl6pPr indent="-317500" lvl="5" marL="2743200">
+            <a:lvl6pPr marL="2743200" lvl="5" indent="-317500">
               <a:spcBef>
                 <a:spcPts val="0"/>
               </a:spcBef>
@@ -3479,7 +3708,7 @@
               <a:buChar char="■"/>
               <a:defRPr/>
             </a:lvl6pPr>
-            <a:lvl7pPr indent="-317500" lvl="6" marL="3200400">
+            <a:lvl7pPr marL="3200400" lvl="6" indent="-317500">
               <a:spcBef>
                 <a:spcPts val="0"/>
               </a:spcBef>
@@ -3490,7 +3719,7 @@
               <a:buChar char="●"/>
               <a:defRPr/>
             </a:lvl7pPr>
-            <a:lvl8pPr indent="-317500" lvl="7" marL="3657600">
+            <a:lvl8pPr marL="3657600" lvl="7" indent="-317500">
               <a:spcBef>
                 <a:spcPts val="0"/>
               </a:spcBef>
@@ -3501,7 +3730,7 @@
               <a:buChar char="○"/>
               <a:defRPr/>
             </a:lvl8pPr>
-            <a:lvl9pPr indent="-317500" lvl="8" marL="4114800">
+            <a:lvl9pPr marL="4114800" lvl="8" indent="-317500">
               <a:spcBef>
                 <a:spcPts val="0"/>
               </a:spcBef>
@@ -3513,28 +3742,32 @@
               <a:defRPr/>
             </a:lvl9pPr>
           </a:lstStyle>
-          <a:p/>
+          <a:p>
+            <a:endParaRPr/>
+          </a:p>
         </p:txBody>
       </p:sp>
       <p:sp>
         <p:nvSpPr>
           <p:cNvPr id="19" name="Google Shape;19;p4"/>
-          <p:cNvSpPr txBox="1"/>
+          <p:cNvSpPr txBox="1">
+            <a:spLocks noGrp="1"/>
+          </p:cNvSpPr>
           <p:nvPr>
-            <p:ph idx="12" type="sldNum"/>
+            <p:ph type="sldNum" idx="12"/>
           </p:nvPr>
         </p:nvSpPr>
         <p:spPr>
           <a:xfrm>
-            <a:off x="8472458" y="6217622"/>
-            <a:ext cx="548700" cy="524700"/>
+            <a:off x="11296611" y="6217622"/>
+            <a:ext cx="731600" cy="524700"/>
           </a:xfrm>
           <a:prstGeom prst="rect">
             <a:avLst/>
           </a:prstGeom>
         </p:spPr>
         <p:txBody>
-          <a:bodyPr anchorCtr="0" anchor="ctr" bIns="91425" lIns="91425" spcFirstLastPara="1" rIns="91425" wrap="square" tIns="91425">
+          <a:bodyPr spcFirstLastPara="1" wrap="square" lIns="91425" tIns="91425" rIns="91425" bIns="91425" anchor="ctr" anchorCtr="0">
             <a:normAutofit/>
           </a:bodyPr>
           <a:lstStyle>
@@ -3576,20 +3809,12 @@
             </a:lvl9pPr>
           </a:lstStyle>
           <a:p>
-            <a:pPr indent="0" lvl="0" marL="0" rtl="0" algn="r">
-              <a:spcBef>
-                <a:spcPts val="0"/>
-              </a:spcBef>
-              <a:spcAft>
-                <a:spcPts val="0"/>
-              </a:spcAft>
-              <a:buNone/>
-            </a:pPr>
             <a:fld id="{00000000-1234-1234-1234-123412341234}" type="slidenum">
-              <a:rPr lang="en"/>
+              <a:rPr lang="en" smtClean="0"/>
+              <a:pPr/>
               <a:t>‹#›</a:t>
             </a:fld>
-            <a:endParaRPr/>
+            <a:endParaRPr lang="en"/>
           </a:p>
         </p:txBody>
       </p:sp>
@@ -3602,11 +3827,11 @@
 </file>
 
 <file path=ppt/slideLayouts/slideLayout4.xml><?xml version="1.0" encoding="utf-8"?>
-<p:sldLayout xmlns:a="http://schemas.openxmlformats.org/drawingml/2006/main" xmlns:r="http://schemas.openxmlformats.org/officeDocument/2006/relationships" xmlns:mc="http://schemas.openxmlformats.org/markup-compatibility/2006" xmlns:mv="urn:schemas-microsoft-com:mac:vml" xmlns:p="http://schemas.openxmlformats.org/presentationml/2006/main" xmlns:c="http://schemas.openxmlformats.org/drawingml/2006/chart" xmlns:dgm="http://schemas.openxmlformats.org/drawingml/2006/diagram" xmlns:o="urn:schemas-microsoft-com:office:office" xmlns:v="urn:schemas-microsoft-com:vml" xmlns:pvml="urn:schemas-microsoft-com:office:powerpoint" xmlns:com="http://schemas.openxmlformats.org/drawingml/2006/compatibility" xmlns:p14="http://schemas.microsoft.com/office/powerpoint/2010/main" xmlns:p15="http://schemas.microsoft.com/office/powerpoint/2012/main" xmlns:ahyp="http://schemas.microsoft.com/office/drawing/2018/hyperlinkcolor" matchingName="Title and two columns" type="twoColTx">
+<p:sldLayout xmlns:a="http://schemas.openxmlformats.org/drawingml/2006/main" xmlns:r="http://schemas.openxmlformats.org/officeDocument/2006/relationships" xmlns:p="http://schemas.openxmlformats.org/presentationml/2006/main" matchingName="Title and two columns" type="twoColTx">
   <p:cSld name="TITLE_AND_TWO_COLUMNS">
     <p:spTree>
       <p:nvGrpSpPr>
-        <p:cNvPr id="20" name="Shape 20"/>
+        <p:cNvPr id="1" name="Shape 20"/>
         <p:cNvGrpSpPr/>
         <p:nvPr/>
       </p:nvGrpSpPr>
@@ -3621,22 +3846,24 @@
       <p:sp>
         <p:nvSpPr>
           <p:cNvPr id="21" name="Google Shape;21;p5"/>
-          <p:cNvSpPr txBox="1"/>
+          <p:cNvSpPr txBox="1">
+            <a:spLocks noGrp="1"/>
+          </p:cNvSpPr>
           <p:nvPr>
             <p:ph type="title"/>
           </p:nvPr>
         </p:nvSpPr>
         <p:spPr>
           <a:xfrm>
-            <a:off x="311700" y="593367"/>
-            <a:ext cx="8520600" cy="763500"/>
+            <a:off x="415600" y="593367"/>
+            <a:ext cx="11360800" cy="763500"/>
           </a:xfrm>
           <a:prstGeom prst="rect">
             <a:avLst/>
           </a:prstGeom>
         </p:spPr>
         <p:txBody>
-          <a:bodyPr anchorCtr="0" anchor="t" bIns="91425" lIns="91425" spcFirstLastPara="1" rIns="91425" wrap="square" tIns="91425">
+          <a:bodyPr spcFirstLastPara="1" wrap="square" lIns="91425" tIns="91425" rIns="91425" bIns="91425" anchor="t" anchorCtr="0">
             <a:normAutofit/>
           </a:bodyPr>
           <a:lstStyle>
@@ -3740,32 +3967,36 @@
               <a:defRPr/>
             </a:lvl9pPr>
           </a:lstStyle>
-          <a:p/>
+          <a:p>
+            <a:endParaRPr/>
+          </a:p>
         </p:txBody>
       </p:sp>
       <p:sp>
         <p:nvSpPr>
           <p:cNvPr id="22" name="Google Shape;22;p5"/>
-          <p:cNvSpPr txBox="1"/>
+          <p:cNvSpPr txBox="1">
+            <a:spLocks noGrp="1"/>
+          </p:cNvSpPr>
           <p:nvPr>
-            <p:ph idx="1" type="body"/>
+            <p:ph type="body" idx="1"/>
           </p:nvPr>
         </p:nvSpPr>
         <p:spPr>
           <a:xfrm>
-            <a:off x="311700" y="1536633"/>
-            <a:ext cx="3999900" cy="4555200"/>
+            <a:off x="415600" y="1536633"/>
+            <a:ext cx="5333200" cy="4555200"/>
           </a:xfrm>
           <a:prstGeom prst="rect">
             <a:avLst/>
           </a:prstGeom>
         </p:spPr>
         <p:txBody>
-          <a:bodyPr anchorCtr="0" anchor="t" bIns="91425" lIns="91425" spcFirstLastPara="1" rIns="91425" wrap="square" tIns="91425">
+          <a:bodyPr spcFirstLastPara="1" wrap="square" lIns="91425" tIns="91425" rIns="91425" bIns="91425" anchor="t" anchorCtr="0">
             <a:normAutofit/>
           </a:bodyPr>
           <a:lstStyle>
-            <a:lvl1pPr indent="-317500" lvl="0" marL="457200">
+            <a:lvl1pPr marL="457200" lvl="0" indent="-317500">
               <a:spcBef>
                 <a:spcPts val="0"/>
               </a:spcBef>
@@ -3776,7 +4007,7 @@
               <a:buChar char="●"/>
               <a:defRPr sz="1400"/>
             </a:lvl1pPr>
-            <a:lvl2pPr indent="-304800" lvl="1" marL="914400">
+            <a:lvl2pPr marL="914400" lvl="1" indent="-304800">
               <a:spcBef>
                 <a:spcPts val="0"/>
               </a:spcBef>
@@ -3787,7 +4018,7 @@
               <a:buChar char="○"/>
               <a:defRPr sz="1200"/>
             </a:lvl2pPr>
-            <a:lvl3pPr indent="-304800" lvl="2" marL="1371600">
+            <a:lvl3pPr marL="1371600" lvl="2" indent="-304800">
               <a:spcBef>
                 <a:spcPts val="0"/>
               </a:spcBef>
@@ -3798,7 +4029,7 @@
               <a:buChar char="■"/>
               <a:defRPr sz="1200"/>
             </a:lvl3pPr>
-            <a:lvl4pPr indent="-304800" lvl="3" marL="1828800">
+            <a:lvl4pPr marL="1828800" lvl="3" indent="-304800">
               <a:spcBef>
                 <a:spcPts val="0"/>
               </a:spcBef>
@@ -3809,7 +4040,7 @@
               <a:buChar char="●"/>
               <a:defRPr sz="1200"/>
             </a:lvl4pPr>
-            <a:lvl5pPr indent="-304800" lvl="4" marL="2286000">
+            <a:lvl5pPr marL="2286000" lvl="4" indent="-304800">
               <a:spcBef>
                 <a:spcPts val="0"/>
               </a:spcBef>
@@ -3820,7 +4051,7 @@
               <a:buChar char="○"/>
               <a:defRPr sz="1200"/>
             </a:lvl5pPr>
-            <a:lvl6pPr indent="-304800" lvl="5" marL="2743200">
+            <a:lvl6pPr marL="2743200" lvl="5" indent="-304800">
               <a:spcBef>
                 <a:spcPts val="0"/>
               </a:spcBef>
@@ -3831,7 +4062,7 @@
               <a:buChar char="■"/>
               <a:defRPr sz="1200"/>
             </a:lvl6pPr>
-            <a:lvl7pPr indent="-304800" lvl="6" marL="3200400">
+            <a:lvl7pPr marL="3200400" lvl="6" indent="-304800">
               <a:spcBef>
                 <a:spcPts val="0"/>
               </a:spcBef>
@@ -3842,7 +4073,7 @@
               <a:buChar char="●"/>
               <a:defRPr sz="1200"/>
             </a:lvl7pPr>
-            <a:lvl8pPr indent="-304800" lvl="7" marL="3657600">
+            <a:lvl8pPr marL="3657600" lvl="7" indent="-304800">
               <a:spcBef>
                 <a:spcPts val="0"/>
               </a:spcBef>
@@ -3853,7 +4084,7 @@
               <a:buChar char="○"/>
               <a:defRPr sz="1200"/>
             </a:lvl8pPr>
-            <a:lvl9pPr indent="-304800" lvl="8" marL="4114800">
+            <a:lvl9pPr marL="4114800" lvl="8" indent="-304800">
               <a:spcBef>
                 <a:spcPts val="0"/>
               </a:spcBef>
@@ -3865,32 +4096,36 @@
               <a:defRPr sz="1200"/>
             </a:lvl9pPr>
           </a:lstStyle>
-          <a:p/>
+          <a:p>
+            <a:endParaRPr/>
+          </a:p>
         </p:txBody>
       </p:sp>
       <p:sp>
         <p:nvSpPr>
           <p:cNvPr id="23" name="Google Shape;23;p5"/>
-          <p:cNvSpPr txBox="1"/>
+          <p:cNvSpPr txBox="1">
+            <a:spLocks noGrp="1"/>
+          </p:cNvSpPr>
           <p:nvPr>
-            <p:ph idx="2" type="body"/>
+            <p:ph type="body" idx="2"/>
           </p:nvPr>
         </p:nvSpPr>
         <p:spPr>
           <a:xfrm>
-            <a:off x="4832400" y="1536633"/>
-            <a:ext cx="3999900" cy="4555200"/>
+            <a:off x="6443200" y="1536633"/>
+            <a:ext cx="5333200" cy="4555200"/>
           </a:xfrm>
           <a:prstGeom prst="rect">
             <a:avLst/>
           </a:prstGeom>
         </p:spPr>
         <p:txBody>
-          <a:bodyPr anchorCtr="0" anchor="t" bIns="91425" lIns="91425" spcFirstLastPara="1" rIns="91425" wrap="square" tIns="91425">
+          <a:bodyPr spcFirstLastPara="1" wrap="square" lIns="91425" tIns="91425" rIns="91425" bIns="91425" anchor="t" anchorCtr="0">
             <a:normAutofit/>
           </a:bodyPr>
           <a:lstStyle>
-            <a:lvl1pPr indent="-317500" lvl="0" marL="457200">
+            <a:lvl1pPr marL="457200" lvl="0" indent="-317500">
               <a:spcBef>
                 <a:spcPts val="0"/>
               </a:spcBef>
@@ -3901,7 +4136,7 @@
               <a:buChar char="●"/>
               <a:defRPr sz="1400"/>
             </a:lvl1pPr>
-            <a:lvl2pPr indent="-304800" lvl="1" marL="914400">
+            <a:lvl2pPr marL="914400" lvl="1" indent="-304800">
               <a:spcBef>
                 <a:spcPts val="0"/>
               </a:spcBef>
@@ -3912,7 +4147,7 @@
               <a:buChar char="○"/>
               <a:defRPr sz="1200"/>
             </a:lvl2pPr>
-            <a:lvl3pPr indent="-304800" lvl="2" marL="1371600">
+            <a:lvl3pPr marL="1371600" lvl="2" indent="-304800">
               <a:spcBef>
                 <a:spcPts val="0"/>
               </a:spcBef>
@@ -3923,7 +4158,7 @@
               <a:buChar char="■"/>
               <a:defRPr sz="1200"/>
             </a:lvl3pPr>
-            <a:lvl4pPr indent="-304800" lvl="3" marL="1828800">
+            <a:lvl4pPr marL="1828800" lvl="3" indent="-304800">
               <a:spcBef>
                 <a:spcPts val="0"/>
               </a:spcBef>
@@ -3934,7 +4169,7 @@
               <a:buChar char="●"/>
               <a:defRPr sz="1200"/>
             </a:lvl4pPr>
-            <a:lvl5pPr indent="-304800" lvl="4" marL="2286000">
+            <a:lvl5pPr marL="2286000" lvl="4" indent="-304800">
               <a:spcBef>
                 <a:spcPts val="0"/>
               </a:spcBef>
@@ -3945,7 +4180,7 @@
               <a:buChar char="○"/>
               <a:defRPr sz="1200"/>
             </a:lvl5pPr>
-            <a:lvl6pPr indent="-304800" lvl="5" marL="2743200">
+            <a:lvl6pPr marL="2743200" lvl="5" indent="-304800">
               <a:spcBef>
                 <a:spcPts val="0"/>
               </a:spcBef>
@@ -3956,7 +4191,7 @@
               <a:buChar char="■"/>
               <a:defRPr sz="1200"/>
             </a:lvl6pPr>
-            <a:lvl7pPr indent="-304800" lvl="6" marL="3200400">
+            <a:lvl7pPr marL="3200400" lvl="6" indent="-304800">
               <a:spcBef>
                 <a:spcPts val="0"/>
               </a:spcBef>
@@ -3967,7 +4202,7 @@
               <a:buChar char="●"/>
               <a:defRPr sz="1200"/>
             </a:lvl7pPr>
-            <a:lvl8pPr indent="-304800" lvl="7" marL="3657600">
+            <a:lvl8pPr marL="3657600" lvl="7" indent="-304800">
               <a:spcBef>
                 <a:spcPts val="0"/>
               </a:spcBef>
@@ -3978,7 +4213,7 @@
               <a:buChar char="○"/>
               <a:defRPr sz="1200"/>
             </a:lvl8pPr>
-            <a:lvl9pPr indent="-304800" lvl="8" marL="4114800">
+            <a:lvl9pPr marL="4114800" lvl="8" indent="-304800">
               <a:spcBef>
                 <a:spcPts val="0"/>
               </a:spcBef>
@@ -3990,28 +4225,32 @@
               <a:defRPr sz="1200"/>
             </a:lvl9pPr>
           </a:lstStyle>
-          <a:p/>
+          <a:p>
+            <a:endParaRPr/>
+          </a:p>
         </p:txBody>
       </p:sp>
       <p:sp>
         <p:nvSpPr>
           <p:cNvPr id="24" name="Google Shape;24;p5"/>
-          <p:cNvSpPr txBox="1"/>
+          <p:cNvSpPr txBox="1">
+            <a:spLocks noGrp="1"/>
+          </p:cNvSpPr>
           <p:nvPr>
-            <p:ph idx="12" type="sldNum"/>
+            <p:ph type="sldNum" idx="12"/>
           </p:nvPr>
         </p:nvSpPr>
         <p:spPr>
           <a:xfrm>
-            <a:off x="8472458" y="6217622"/>
-            <a:ext cx="548700" cy="524700"/>
+            <a:off x="11296611" y="6217622"/>
+            <a:ext cx="731600" cy="524700"/>
           </a:xfrm>
           <a:prstGeom prst="rect">
             <a:avLst/>
           </a:prstGeom>
         </p:spPr>
         <p:txBody>
-          <a:bodyPr anchorCtr="0" anchor="ctr" bIns="91425" lIns="91425" spcFirstLastPara="1" rIns="91425" wrap="square" tIns="91425">
+          <a:bodyPr spcFirstLastPara="1" wrap="square" lIns="91425" tIns="91425" rIns="91425" bIns="91425" anchor="ctr" anchorCtr="0">
             <a:normAutofit/>
           </a:bodyPr>
           <a:lstStyle>
@@ -4053,20 +4292,12 @@
             </a:lvl9pPr>
           </a:lstStyle>
           <a:p>
-            <a:pPr indent="0" lvl="0" marL="0" rtl="0" algn="r">
-              <a:spcBef>
-                <a:spcPts val="0"/>
-              </a:spcBef>
-              <a:spcAft>
-                <a:spcPts val="0"/>
-              </a:spcAft>
-              <a:buNone/>
-            </a:pPr>
             <a:fld id="{00000000-1234-1234-1234-123412341234}" type="slidenum">
-              <a:rPr lang="en"/>
+              <a:rPr lang="en" smtClean="0"/>
+              <a:pPr/>
               <a:t>‹#›</a:t>
             </a:fld>
-            <a:endParaRPr/>
+            <a:endParaRPr lang="en"/>
           </a:p>
         </p:txBody>
       </p:sp>
@@ -4079,11 +4310,11 @@
 </file>
 
 <file path=ppt/slideLayouts/slideLayout5.xml><?xml version="1.0" encoding="utf-8"?>
-<p:sldLayout xmlns:a="http://schemas.openxmlformats.org/drawingml/2006/main" xmlns:r="http://schemas.openxmlformats.org/officeDocument/2006/relationships" xmlns:mc="http://schemas.openxmlformats.org/markup-compatibility/2006" xmlns:mv="urn:schemas-microsoft-com:mac:vml" xmlns:p="http://schemas.openxmlformats.org/presentationml/2006/main" xmlns:c="http://schemas.openxmlformats.org/drawingml/2006/chart" xmlns:dgm="http://schemas.openxmlformats.org/drawingml/2006/diagram" xmlns:o="urn:schemas-microsoft-com:office:office" xmlns:v="urn:schemas-microsoft-com:vml" xmlns:pvml="urn:schemas-microsoft-com:office:powerpoint" xmlns:com="http://schemas.openxmlformats.org/drawingml/2006/compatibility" xmlns:p14="http://schemas.microsoft.com/office/powerpoint/2010/main" xmlns:p15="http://schemas.microsoft.com/office/powerpoint/2012/main" xmlns:ahyp="http://schemas.microsoft.com/office/drawing/2018/hyperlinkcolor" matchingName="Title only" type="titleOnly">
+<p:sldLayout xmlns:a="http://schemas.openxmlformats.org/drawingml/2006/main" xmlns:r="http://schemas.openxmlformats.org/officeDocument/2006/relationships" xmlns:p="http://schemas.openxmlformats.org/presentationml/2006/main" matchingName="Title only" type="titleOnly">
   <p:cSld name="TITLE_ONLY">
     <p:spTree>
       <p:nvGrpSpPr>
-        <p:cNvPr id="25" name="Shape 25"/>
+        <p:cNvPr id="1" name="Shape 25"/>
         <p:cNvGrpSpPr/>
         <p:nvPr/>
       </p:nvGrpSpPr>
@@ -4098,22 +4329,24 @@
       <p:sp>
         <p:nvSpPr>
           <p:cNvPr id="26" name="Google Shape;26;p6"/>
-          <p:cNvSpPr txBox="1"/>
+          <p:cNvSpPr txBox="1">
+            <a:spLocks noGrp="1"/>
+          </p:cNvSpPr>
           <p:nvPr>
             <p:ph type="title"/>
           </p:nvPr>
         </p:nvSpPr>
         <p:spPr>
           <a:xfrm>
-            <a:off x="311700" y="593367"/>
-            <a:ext cx="8520600" cy="763500"/>
+            <a:off x="415600" y="593367"/>
+            <a:ext cx="11360800" cy="763500"/>
           </a:xfrm>
           <a:prstGeom prst="rect">
             <a:avLst/>
           </a:prstGeom>
         </p:spPr>
         <p:txBody>
-          <a:bodyPr anchorCtr="0" anchor="t" bIns="91425" lIns="91425" spcFirstLastPara="1" rIns="91425" wrap="square" tIns="91425">
+          <a:bodyPr spcFirstLastPara="1" wrap="square" lIns="91425" tIns="91425" rIns="91425" bIns="91425" anchor="t" anchorCtr="0">
             <a:normAutofit/>
           </a:bodyPr>
           <a:lstStyle>
@@ -4217,28 +4450,32 @@
               <a:defRPr/>
             </a:lvl9pPr>
           </a:lstStyle>
-          <a:p/>
+          <a:p>
+            <a:endParaRPr/>
+          </a:p>
         </p:txBody>
       </p:sp>
       <p:sp>
         <p:nvSpPr>
           <p:cNvPr id="27" name="Google Shape;27;p6"/>
-          <p:cNvSpPr txBox="1"/>
+          <p:cNvSpPr txBox="1">
+            <a:spLocks noGrp="1"/>
+          </p:cNvSpPr>
           <p:nvPr>
-            <p:ph idx="12" type="sldNum"/>
+            <p:ph type="sldNum" idx="12"/>
           </p:nvPr>
         </p:nvSpPr>
         <p:spPr>
           <a:xfrm>
-            <a:off x="8472458" y="6217622"/>
-            <a:ext cx="548700" cy="524700"/>
+            <a:off x="11296611" y="6217622"/>
+            <a:ext cx="731600" cy="524700"/>
           </a:xfrm>
           <a:prstGeom prst="rect">
             <a:avLst/>
           </a:prstGeom>
         </p:spPr>
         <p:txBody>
-          <a:bodyPr anchorCtr="0" anchor="ctr" bIns="91425" lIns="91425" spcFirstLastPara="1" rIns="91425" wrap="square" tIns="91425">
+          <a:bodyPr spcFirstLastPara="1" wrap="square" lIns="91425" tIns="91425" rIns="91425" bIns="91425" anchor="ctr" anchorCtr="0">
             <a:normAutofit/>
           </a:bodyPr>
           <a:lstStyle>
@@ -4280,20 +4517,12 @@
             </a:lvl9pPr>
           </a:lstStyle>
           <a:p>
-            <a:pPr indent="0" lvl="0" marL="0" rtl="0" algn="r">
-              <a:spcBef>
-                <a:spcPts val="0"/>
-              </a:spcBef>
-              <a:spcAft>
-                <a:spcPts val="0"/>
-              </a:spcAft>
-              <a:buNone/>
-            </a:pPr>
             <a:fld id="{00000000-1234-1234-1234-123412341234}" type="slidenum">
-              <a:rPr lang="en"/>
+              <a:rPr lang="en" smtClean="0"/>
+              <a:pPr/>
               <a:t>‹#›</a:t>
             </a:fld>
-            <a:endParaRPr/>
+            <a:endParaRPr lang="en"/>
           </a:p>
         </p:txBody>
       </p:sp>
@@ -4306,11 +4535,11 @@
 </file>
 
 <file path=ppt/slideLayouts/slideLayout6.xml><?xml version="1.0" encoding="utf-8"?>
-<p:sldLayout xmlns:a="http://schemas.openxmlformats.org/drawingml/2006/main" xmlns:r="http://schemas.openxmlformats.org/officeDocument/2006/relationships" xmlns:mc="http://schemas.openxmlformats.org/markup-compatibility/2006" xmlns:mv="urn:schemas-microsoft-com:mac:vml" xmlns:p="http://schemas.openxmlformats.org/presentationml/2006/main" xmlns:c="http://schemas.openxmlformats.org/drawingml/2006/chart" xmlns:dgm="http://schemas.openxmlformats.org/drawingml/2006/diagram" xmlns:o="urn:schemas-microsoft-com:office:office" xmlns:v="urn:schemas-microsoft-com:vml" xmlns:pvml="urn:schemas-microsoft-com:office:powerpoint" xmlns:com="http://schemas.openxmlformats.org/drawingml/2006/compatibility" xmlns:p14="http://schemas.microsoft.com/office/powerpoint/2010/main" xmlns:p15="http://schemas.microsoft.com/office/powerpoint/2012/main" xmlns:ahyp="http://schemas.microsoft.com/office/drawing/2018/hyperlinkcolor" matchingName="One column text">
+<p:sldLayout xmlns:a="http://schemas.openxmlformats.org/drawingml/2006/main" xmlns:r="http://schemas.openxmlformats.org/officeDocument/2006/relationships" xmlns:p="http://schemas.openxmlformats.org/presentationml/2006/main" matchingName="One column text">
   <p:cSld name="ONE_COLUMN_TEXT">
     <p:spTree>
       <p:nvGrpSpPr>
-        <p:cNvPr id="28" name="Shape 28"/>
+        <p:cNvPr id="1" name="Shape 28"/>
         <p:cNvGrpSpPr/>
         <p:nvPr/>
       </p:nvGrpSpPr>
@@ -4325,22 +4554,24 @@
       <p:sp>
         <p:nvSpPr>
           <p:cNvPr id="29" name="Google Shape;29;p7"/>
-          <p:cNvSpPr txBox="1"/>
+          <p:cNvSpPr txBox="1">
+            <a:spLocks noGrp="1"/>
+          </p:cNvSpPr>
           <p:nvPr>
             <p:ph type="title"/>
           </p:nvPr>
         </p:nvSpPr>
         <p:spPr>
           <a:xfrm>
-            <a:off x="311700" y="740800"/>
-            <a:ext cx="2808000" cy="1007700"/>
+            <a:off x="415600" y="740800"/>
+            <a:ext cx="3744000" cy="1007700"/>
           </a:xfrm>
           <a:prstGeom prst="rect">
             <a:avLst/>
           </a:prstGeom>
         </p:spPr>
         <p:txBody>
-          <a:bodyPr anchorCtr="0" anchor="b" bIns="91425" lIns="91425" spcFirstLastPara="1" rIns="91425" wrap="square" tIns="91425">
+          <a:bodyPr spcFirstLastPara="1" wrap="square" lIns="91425" tIns="91425" rIns="91425" bIns="91425" anchor="b" anchorCtr="0">
             <a:normAutofit/>
           </a:bodyPr>
           <a:lstStyle>
@@ -4444,32 +4675,36 @@
               <a:defRPr sz="2400"/>
             </a:lvl9pPr>
           </a:lstStyle>
-          <a:p/>
+          <a:p>
+            <a:endParaRPr/>
+          </a:p>
         </p:txBody>
       </p:sp>
       <p:sp>
         <p:nvSpPr>
           <p:cNvPr id="30" name="Google Shape;30;p7"/>
-          <p:cNvSpPr txBox="1"/>
+          <p:cNvSpPr txBox="1">
+            <a:spLocks noGrp="1"/>
+          </p:cNvSpPr>
           <p:nvPr>
-            <p:ph idx="1" type="body"/>
+            <p:ph type="body" idx="1"/>
           </p:nvPr>
         </p:nvSpPr>
         <p:spPr>
           <a:xfrm>
-            <a:off x="311700" y="1852800"/>
-            <a:ext cx="2808000" cy="4239300"/>
+            <a:off x="415600" y="1852800"/>
+            <a:ext cx="3744000" cy="4239300"/>
           </a:xfrm>
           <a:prstGeom prst="rect">
             <a:avLst/>
           </a:prstGeom>
         </p:spPr>
         <p:txBody>
-          <a:bodyPr anchorCtr="0" anchor="t" bIns="91425" lIns="91425" spcFirstLastPara="1" rIns="91425" wrap="square" tIns="91425">
+          <a:bodyPr spcFirstLastPara="1" wrap="square" lIns="91425" tIns="91425" rIns="91425" bIns="91425" anchor="t" anchorCtr="0">
             <a:normAutofit/>
           </a:bodyPr>
           <a:lstStyle>
-            <a:lvl1pPr indent="-304800" lvl="0" marL="457200">
+            <a:lvl1pPr marL="457200" lvl="0" indent="-304800">
               <a:spcBef>
                 <a:spcPts val="0"/>
               </a:spcBef>
@@ -4480,7 +4715,7 @@
               <a:buChar char="●"/>
               <a:defRPr sz="1200"/>
             </a:lvl1pPr>
-            <a:lvl2pPr indent="-304800" lvl="1" marL="914400">
+            <a:lvl2pPr marL="914400" lvl="1" indent="-304800">
               <a:spcBef>
                 <a:spcPts val="0"/>
               </a:spcBef>
@@ -4491,7 +4726,7 @@
               <a:buChar char="○"/>
               <a:defRPr sz="1200"/>
             </a:lvl2pPr>
-            <a:lvl3pPr indent="-304800" lvl="2" marL="1371600">
+            <a:lvl3pPr marL="1371600" lvl="2" indent="-304800">
               <a:spcBef>
                 <a:spcPts val="0"/>
               </a:spcBef>
@@ -4502,7 +4737,7 @@
               <a:buChar char="■"/>
               <a:defRPr sz="1200"/>
             </a:lvl3pPr>
-            <a:lvl4pPr indent="-304800" lvl="3" marL="1828800">
+            <a:lvl4pPr marL="1828800" lvl="3" indent="-304800">
               <a:spcBef>
                 <a:spcPts val="0"/>
               </a:spcBef>
@@ -4513,7 +4748,7 @@
               <a:buChar char="●"/>
               <a:defRPr sz="1200"/>
             </a:lvl4pPr>
-            <a:lvl5pPr indent="-304800" lvl="4" marL="2286000">
+            <a:lvl5pPr marL="2286000" lvl="4" indent="-304800">
               <a:spcBef>
                 <a:spcPts val="0"/>
               </a:spcBef>
@@ -4524,7 +4759,7 @@
               <a:buChar char="○"/>
               <a:defRPr sz="1200"/>
             </a:lvl5pPr>
-            <a:lvl6pPr indent="-304800" lvl="5" marL="2743200">
+            <a:lvl6pPr marL="2743200" lvl="5" indent="-304800">
               <a:spcBef>
                 <a:spcPts val="0"/>
               </a:spcBef>
@@ -4535,7 +4770,7 @@
               <a:buChar char="■"/>
               <a:defRPr sz="1200"/>
             </a:lvl6pPr>
-            <a:lvl7pPr indent="-304800" lvl="6" marL="3200400">
+            <a:lvl7pPr marL="3200400" lvl="6" indent="-304800">
               <a:spcBef>
                 <a:spcPts val="0"/>
               </a:spcBef>
@@ -4546,7 +4781,7 @@
               <a:buChar char="●"/>
               <a:defRPr sz="1200"/>
             </a:lvl7pPr>
-            <a:lvl8pPr indent="-304800" lvl="7" marL="3657600">
+            <a:lvl8pPr marL="3657600" lvl="7" indent="-304800">
               <a:spcBef>
                 <a:spcPts val="0"/>
               </a:spcBef>
@@ -4557,7 +4792,7 @@
               <a:buChar char="○"/>
               <a:defRPr sz="1200"/>
             </a:lvl8pPr>
-            <a:lvl9pPr indent="-304800" lvl="8" marL="4114800">
+            <a:lvl9pPr marL="4114800" lvl="8" indent="-304800">
               <a:spcBef>
                 <a:spcPts val="0"/>
               </a:spcBef>
@@ -4569,28 +4804,32 @@
               <a:defRPr sz="1200"/>
             </a:lvl9pPr>
           </a:lstStyle>
-          <a:p/>
+          <a:p>
+            <a:endParaRPr/>
+          </a:p>
         </p:txBody>
       </p:sp>
       <p:sp>
         <p:nvSpPr>
           <p:cNvPr id="31" name="Google Shape;31;p7"/>
-          <p:cNvSpPr txBox="1"/>
+          <p:cNvSpPr txBox="1">
+            <a:spLocks noGrp="1"/>
+          </p:cNvSpPr>
           <p:nvPr>
-            <p:ph idx="12" type="sldNum"/>
+            <p:ph type="sldNum" idx="12"/>
           </p:nvPr>
         </p:nvSpPr>
         <p:spPr>
           <a:xfrm>
-            <a:off x="8472458" y="6217622"/>
-            <a:ext cx="548700" cy="524700"/>
+            <a:off x="11296611" y="6217622"/>
+            <a:ext cx="731600" cy="524700"/>
           </a:xfrm>
           <a:prstGeom prst="rect">
             <a:avLst/>
           </a:prstGeom>
         </p:spPr>
         <p:txBody>
-          <a:bodyPr anchorCtr="0" anchor="ctr" bIns="91425" lIns="91425" spcFirstLastPara="1" rIns="91425" wrap="square" tIns="91425">
+          <a:bodyPr spcFirstLastPara="1" wrap="square" lIns="91425" tIns="91425" rIns="91425" bIns="91425" anchor="ctr" anchorCtr="0">
             <a:normAutofit/>
           </a:bodyPr>
           <a:lstStyle>
@@ -4632,20 +4871,12 @@
             </a:lvl9pPr>
           </a:lstStyle>
           <a:p>
-            <a:pPr indent="0" lvl="0" marL="0" rtl="0" algn="r">
-              <a:spcBef>
-                <a:spcPts val="0"/>
-              </a:spcBef>
-              <a:spcAft>
-                <a:spcPts val="0"/>
-              </a:spcAft>
-              <a:buNone/>
-            </a:pPr>
             <a:fld id="{00000000-1234-1234-1234-123412341234}" type="slidenum">
-              <a:rPr lang="en"/>
+              <a:rPr lang="en" smtClean="0"/>
+              <a:pPr/>
               <a:t>‹#›</a:t>
             </a:fld>
-            <a:endParaRPr/>
+            <a:endParaRPr lang="en"/>
           </a:p>
         </p:txBody>
       </p:sp>
@@ -4658,11 +4889,11 @@
 </file>
 
 <file path=ppt/slideLayouts/slideLayout7.xml><?xml version="1.0" encoding="utf-8"?>
-<p:sldLayout xmlns:a="http://schemas.openxmlformats.org/drawingml/2006/main" xmlns:r="http://schemas.openxmlformats.org/officeDocument/2006/relationships" xmlns:mc="http://schemas.openxmlformats.org/markup-compatibility/2006" xmlns:mv="urn:schemas-microsoft-com:mac:vml" xmlns:p="http://schemas.openxmlformats.org/presentationml/2006/main" xmlns:c="http://schemas.openxmlformats.org/drawingml/2006/chart" xmlns:dgm="http://schemas.openxmlformats.org/drawingml/2006/diagram" xmlns:o="urn:schemas-microsoft-com:office:office" xmlns:v="urn:schemas-microsoft-com:vml" xmlns:pvml="urn:schemas-microsoft-com:office:powerpoint" xmlns:com="http://schemas.openxmlformats.org/drawingml/2006/compatibility" xmlns:p14="http://schemas.microsoft.com/office/powerpoint/2010/main" xmlns:p15="http://schemas.microsoft.com/office/powerpoint/2012/main" xmlns:ahyp="http://schemas.microsoft.com/office/drawing/2018/hyperlinkcolor" matchingName="Main point">
+<p:sldLayout xmlns:a="http://schemas.openxmlformats.org/drawingml/2006/main" xmlns:r="http://schemas.openxmlformats.org/officeDocument/2006/relationships" xmlns:p="http://schemas.openxmlformats.org/presentationml/2006/main" matchingName="Main point">
   <p:cSld name="MAIN_POINT">
     <p:spTree>
       <p:nvGrpSpPr>
-        <p:cNvPr id="32" name="Shape 32"/>
+        <p:cNvPr id="1" name="Shape 32"/>
         <p:cNvGrpSpPr/>
         <p:nvPr/>
       </p:nvGrpSpPr>
@@ -4677,22 +4908,24 @@
       <p:sp>
         <p:nvSpPr>
           <p:cNvPr id="33" name="Google Shape;33;p8"/>
-          <p:cNvSpPr txBox="1"/>
+          <p:cNvSpPr txBox="1">
+            <a:spLocks noGrp="1"/>
+          </p:cNvSpPr>
           <p:nvPr>
             <p:ph type="title"/>
           </p:nvPr>
         </p:nvSpPr>
         <p:spPr>
           <a:xfrm>
-            <a:off x="490250" y="600200"/>
-            <a:ext cx="6367800" cy="5454300"/>
+            <a:off x="653667" y="600200"/>
+            <a:ext cx="8490400" cy="5454300"/>
           </a:xfrm>
           <a:prstGeom prst="rect">
             <a:avLst/>
           </a:prstGeom>
         </p:spPr>
         <p:txBody>
-          <a:bodyPr anchorCtr="0" anchor="ctr" bIns="91425" lIns="91425" spcFirstLastPara="1" rIns="91425" wrap="square" tIns="91425">
+          <a:bodyPr spcFirstLastPara="1" wrap="square" lIns="91425" tIns="91425" rIns="91425" bIns="91425" anchor="ctr" anchorCtr="0">
             <a:normAutofit/>
           </a:bodyPr>
           <a:lstStyle>
@@ -4796,28 +5029,32 @@
               <a:defRPr sz="4800"/>
             </a:lvl9pPr>
           </a:lstStyle>
-          <a:p/>
+          <a:p>
+            <a:endParaRPr/>
+          </a:p>
         </p:txBody>
       </p:sp>
       <p:sp>
         <p:nvSpPr>
           <p:cNvPr id="34" name="Google Shape;34;p8"/>
-          <p:cNvSpPr txBox="1"/>
+          <p:cNvSpPr txBox="1">
+            <a:spLocks noGrp="1"/>
+          </p:cNvSpPr>
           <p:nvPr>
-            <p:ph idx="12" type="sldNum"/>
+            <p:ph type="sldNum" idx="12"/>
           </p:nvPr>
         </p:nvSpPr>
         <p:spPr>
           <a:xfrm>
-            <a:off x="8472458" y="6217622"/>
-            <a:ext cx="548700" cy="524700"/>
+            <a:off x="11296611" y="6217622"/>
+            <a:ext cx="731600" cy="524700"/>
           </a:xfrm>
           <a:prstGeom prst="rect">
             <a:avLst/>
           </a:prstGeom>
         </p:spPr>
         <p:txBody>
-          <a:bodyPr anchorCtr="0" anchor="ctr" bIns="91425" lIns="91425" spcFirstLastPara="1" rIns="91425" wrap="square" tIns="91425">
+          <a:bodyPr spcFirstLastPara="1" wrap="square" lIns="91425" tIns="91425" rIns="91425" bIns="91425" anchor="ctr" anchorCtr="0">
             <a:normAutofit/>
           </a:bodyPr>
           <a:lstStyle>
@@ -4859,20 +5096,12 @@
             </a:lvl9pPr>
           </a:lstStyle>
           <a:p>
-            <a:pPr indent="0" lvl="0" marL="0" rtl="0" algn="r">
-              <a:spcBef>
-                <a:spcPts val="0"/>
-              </a:spcBef>
-              <a:spcAft>
-                <a:spcPts val="0"/>
-              </a:spcAft>
-              <a:buNone/>
-            </a:pPr>
             <a:fld id="{00000000-1234-1234-1234-123412341234}" type="slidenum">
-              <a:rPr lang="en"/>
+              <a:rPr lang="en" smtClean="0"/>
+              <a:pPr/>
               <a:t>‹#›</a:t>
             </a:fld>
-            <a:endParaRPr/>
+            <a:endParaRPr lang="en"/>
           </a:p>
         </p:txBody>
       </p:sp>
@@ -4885,11 +5114,11 @@
 </file>
 
 <file path=ppt/slideLayouts/slideLayout8.xml><?xml version="1.0" encoding="utf-8"?>
-<p:sldLayout xmlns:a="http://schemas.openxmlformats.org/drawingml/2006/main" xmlns:r="http://schemas.openxmlformats.org/officeDocument/2006/relationships" xmlns:mc="http://schemas.openxmlformats.org/markup-compatibility/2006" xmlns:mv="urn:schemas-microsoft-com:mac:vml" xmlns:p="http://schemas.openxmlformats.org/presentationml/2006/main" xmlns:c="http://schemas.openxmlformats.org/drawingml/2006/chart" xmlns:dgm="http://schemas.openxmlformats.org/drawingml/2006/diagram" xmlns:o="urn:schemas-microsoft-com:office:office" xmlns:v="urn:schemas-microsoft-com:vml" xmlns:pvml="urn:schemas-microsoft-com:office:powerpoint" xmlns:com="http://schemas.openxmlformats.org/drawingml/2006/compatibility" xmlns:p14="http://schemas.microsoft.com/office/powerpoint/2010/main" xmlns:p15="http://schemas.microsoft.com/office/powerpoint/2012/main" xmlns:ahyp="http://schemas.microsoft.com/office/drawing/2018/hyperlinkcolor" matchingName="Section title and description">
+<p:sldLayout xmlns:a="http://schemas.openxmlformats.org/drawingml/2006/main" xmlns:r="http://schemas.openxmlformats.org/officeDocument/2006/relationships" xmlns:p="http://schemas.openxmlformats.org/presentationml/2006/main" matchingName="Section title and description">
   <p:cSld name="SECTION_TITLE_AND_DESCRIPTION">
     <p:spTree>
       <p:nvGrpSpPr>
-        <p:cNvPr id="35" name="Shape 35"/>
+        <p:cNvPr id="1" name="Shape 35"/>
         <p:cNvGrpSpPr/>
         <p:nvPr/>
       </p:nvGrpSpPr>
@@ -4909,8 +5138,8 @@
         </p:nvSpPr>
         <p:spPr>
           <a:xfrm>
-            <a:off x="4572000" y="-167"/>
-            <a:ext cx="4572000" cy="6858000"/>
+            <a:off x="6096000" y="-167"/>
+            <a:ext cx="6096000" cy="6858000"/>
           </a:xfrm>
           <a:prstGeom prst="rect">
             <a:avLst/>
@@ -4923,12 +5152,12 @@
           </a:ln>
         </p:spPr>
         <p:txBody>
-          <a:bodyPr anchorCtr="0" anchor="ctr" bIns="91425" lIns="91425" spcFirstLastPara="1" rIns="91425" wrap="square" tIns="91425">
+          <a:bodyPr spcFirstLastPara="1" wrap="square" lIns="91425" tIns="91425" rIns="91425" bIns="91425" anchor="ctr" anchorCtr="0">
             <a:noAutofit/>
           </a:bodyPr>
           <a:lstStyle/>
           <a:p>
-            <a:pPr indent="0" lvl="0" marL="0" rtl="0" algn="l">
+            <a:pPr marL="0" lvl="0" indent="0" algn="l" rtl="0">
               <a:spcBef>
                 <a:spcPts val="0"/>
               </a:spcBef>
@@ -4937,32 +5166,31 @@
               </a:spcAft>
               <a:buNone/>
             </a:pPr>
-            <a:r>
-              <a:t/>
-            </a:r>
-            <a:endParaRPr/>
+            <a:endParaRPr sz="1400"/>
           </a:p>
         </p:txBody>
       </p:sp>
       <p:sp>
         <p:nvSpPr>
           <p:cNvPr id="37" name="Google Shape;37;p9"/>
-          <p:cNvSpPr txBox="1"/>
+          <p:cNvSpPr txBox="1">
+            <a:spLocks noGrp="1"/>
+          </p:cNvSpPr>
           <p:nvPr>
             <p:ph type="title"/>
           </p:nvPr>
         </p:nvSpPr>
         <p:spPr>
           <a:xfrm>
-            <a:off x="265500" y="1644233"/>
-            <a:ext cx="4045200" cy="1976400"/>
+            <a:off x="354000" y="1644233"/>
+            <a:ext cx="5393600" cy="1976400"/>
           </a:xfrm>
           <a:prstGeom prst="rect">
             <a:avLst/>
           </a:prstGeom>
         </p:spPr>
         <p:txBody>
-          <a:bodyPr anchorCtr="0" anchor="b" bIns="91425" lIns="91425" spcFirstLastPara="1" rIns="91425" wrap="square" tIns="91425">
+          <a:bodyPr spcFirstLastPara="1" wrap="square" lIns="91425" tIns="91425" rIns="91425" bIns="91425" anchor="b" anchorCtr="0">
             <a:normAutofit/>
           </a:bodyPr>
           <a:lstStyle>
@@ -5066,28 +5294,32 @@
               <a:defRPr sz="4200"/>
             </a:lvl9pPr>
           </a:lstStyle>
-          <a:p/>
+          <a:p>
+            <a:endParaRPr/>
+          </a:p>
         </p:txBody>
       </p:sp>
       <p:sp>
         <p:nvSpPr>
           <p:cNvPr id="38" name="Google Shape;38;p9"/>
-          <p:cNvSpPr txBox="1"/>
+          <p:cNvSpPr txBox="1">
+            <a:spLocks noGrp="1"/>
+          </p:cNvSpPr>
           <p:nvPr>
-            <p:ph idx="1" type="subTitle"/>
+            <p:ph type="subTitle" idx="1"/>
           </p:nvPr>
         </p:nvSpPr>
         <p:spPr>
           <a:xfrm>
-            <a:off x="265500" y="3737433"/>
-            <a:ext cx="4045200" cy="1646700"/>
+            <a:off x="354000" y="3737433"/>
+            <a:ext cx="5393600" cy="1646700"/>
           </a:xfrm>
           <a:prstGeom prst="rect">
             <a:avLst/>
           </a:prstGeom>
         </p:spPr>
         <p:txBody>
-          <a:bodyPr anchorCtr="0" anchor="t" bIns="91425" lIns="91425" spcFirstLastPara="1" rIns="91425" wrap="square" tIns="91425">
+          <a:bodyPr spcFirstLastPara="1" wrap="square" lIns="91425" tIns="91425" rIns="91425" bIns="91425" anchor="t" anchorCtr="0">
             <a:normAutofit/>
           </a:bodyPr>
           <a:lstStyle>
@@ -5218,32 +5450,36 @@
               <a:defRPr sz="2100"/>
             </a:lvl9pPr>
           </a:lstStyle>
-          <a:p/>
+          <a:p>
+            <a:endParaRPr/>
+          </a:p>
         </p:txBody>
       </p:sp>
       <p:sp>
         <p:nvSpPr>
           <p:cNvPr id="39" name="Google Shape;39;p9"/>
-          <p:cNvSpPr txBox="1"/>
+          <p:cNvSpPr txBox="1">
+            <a:spLocks noGrp="1"/>
+          </p:cNvSpPr>
           <p:nvPr>
-            <p:ph idx="2" type="body"/>
+            <p:ph type="body" idx="2"/>
           </p:nvPr>
         </p:nvSpPr>
         <p:spPr>
           <a:xfrm>
-            <a:off x="4939500" y="965433"/>
-            <a:ext cx="3837000" cy="4926900"/>
+            <a:off x="6586000" y="965433"/>
+            <a:ext cx="5116000" cy="4926900"/>
           </a:xfrm>
           <a:prstGeom prst="rect">
             <a:avLst/>
           </a:prstGeom>
         </p:spPr>
         <p:txBody>
-          <a:bodyPr anchorCtr="0" anchor="ctr" bIns="91425" lIns="91425" spcFirstLastPara="1" rIns="91425" wrap="square" tIns="91425">
+          <a:bodyPr spcFirstLastPara="1" wrap="square" lIns="91425" tIns="91425" rIns="91425" bIns="91425" anchor="ctr" anchorCtr="0">
             <a:normAutofit/>
           </a:bodyPr>
           <a:lstStyle>
-            <a:lvl1pPr indent="-342900" lvl="0" marL="457200">
+            <a:lvl1pPr marL="457200" lvl="0" indent="-342900">
               <a:spcBef>
                 <a:spcPts val="0"/>
               </a:spcBef>
@@ -5254,7 +5490,7 @@
               <a:buChar char="●"/>
               <a:defRPr/>
             </a:lvl1pPr>
-            <a:lvl2pPr indent="-317500" lvl="1" marL="914400">
+            <a:lvl2pPr marL="914400" lvl="1" indent="-317500">
               <a:spcBef>
                 <a:spcPts val="0"/>
               </a:spcBef>
@@ -5265,7 +5501,7 @@
               <a:buChar char="○"/>
               <a:defRPr/>
             </a:lvl2pPr>
-            <a:lvl3pPr indent="-317500" lvl="2" marL="1371600">
+            <a:lvl3pPr marL="1371600" lvl="2" indent="-317500">
               <a:spcBef>
                 <a:spcPts val="0"/>
               </a:spcBef>
@@ -5276,7 +5512,7 @@
               <a:buChar char="■"/>
               <a:defRPr/>
             </a:lvl3pPr>
-            <a:lvl4pPr indent="-317500" lvl="3" marL="1828800">
+            <a:lvl4pPr marL="1828800" lvl="3" indent="-317500">
               <a:spcBef>
                 <a:spcPts val="0"/>
               </a:spcBef>
@@ -5287,7 +5523,7 @@
               <a:buChar char="●"/>
               <a:defRPr/>
             </a:lvl4pPr>
-            <a:lvl5pPr indent="-317500" lvl="4" marL="2286000">
+            <a:lvl5pPr marL="2286000" lvl="4" indent="-317500">
               <a:spcBef>
                 <a:spcPts val="0"/>
               </a:spcBef>
@@ -5298,7 +5534,7 @@
               <a:buChar char="○"/>
               <a:defRPr/>
             </a:lvl5pPr>
-            <a:lvl6pPr indent="-317500" lvl="5" marL="2743200">
+            <a:lvl6pPr marL="2743200" lvl="5" indent="-317500">
               <a:spcBef>
                 <a:spcPts val="0"/>
               </a:spcBef>
@@ -5309,7 +5545,7 @@
               <a:buChar char="■"/>
               <a:defRPr/>
             </a:lvl6pPr>
-            <a:lvl7pPr indent="-317500" lvl="6" marL="3200400">
+            <a:lvl7pPr marL="3200400" lvl="6" indent="-317500">
               <a:spcBef>
                 <a:spcPts val="0"/>
               </a:spcBef>
@@ -5320,7 +5556,7 @@
               <a:buChar char="●"/>
               <a:defRPr/>
             </a:lvl7pPr>
-            <a:lvl8pPr indent="-317500" lvl="7" marL="3657600">
+            <a:lvl8pPr marL="3657600" lvl="7" indent="-317500">
               <a:spcBef>
                 <a:spcPts val="0"/>
               </a:spcBef>
@@ -5331,7 +5567,7 @@
               <a:buChar char="○"/>
               <a:defRPr/>
             </a:lvl8pPr>
-            <a:lvl9pPr indent="-317500" lvl="8" marL="4114800">
+            <a:lvl9pPr marL="4114800" lvl="8" indent="-317500">
               <a:spcBef>
                 <a:spcPts val="0"/>
               </a:spcBef>
@@ -5343,28 +5579,32 @@
               <a:defRPr/>
             </a:lvl9pPr>
           </a:lstStyle>
-          <a:p/>
+          <a:p>
+            <a:endParaRPr/>
+          </a:p>
         </p:txBody>
       </p:sp>
       <p:sp>
         <p:nvSpPr>
           <p:cNvPr id="40" name="Google Shape;40;p9"/>
-          <p:cNvSpPr txBox="1"/>
+          <p:cNvSpPr txBox="1">
+            <a:spLocks noGrp="1"/>
+          </p:cNvSpPr>
           <p:nvPr>
-            <p:ph idx="12" type="sldNum"/>
+            <p:ph type="sldNum" idx="12"/>
           </p:nvPr>
         </p:nvSpPr>
         <p:spPr>
           <a:xfrm>
-            <a:off x="8472458" y="6217622"/>
-            <a:ext cx="548700" cy="524700"/>
+            <a:off x="11296611" y="6217622"/>
+            <a:ext cx="731600" cy="524700"/>
           </a:xfrm>
           <a:prstGeom prst="rect">
             <a:avLst/>
           </a:prstGeom>
         </p:spPr>
         <p:txBody>
-          <a:bodyPr anchorCtr="0" anchor="ctr" bIns="91425" lIns="91425" spcFirstLastPara="1" rIns="91425" wrap="square" tIns="91425">
+          <a:bodyPr spcFirstLastPara="1" wrap="square" lIns="91425" tIns="91425" rIns="91425" bIns="91425" anchor="ctr" anchorCtr="0">
             <a:normAutofit/>
           </a:bodyPr>
           <a:lstStyle>
@@ -5406,20 +5646,12 @@
             </a:lvl9pPr>
           </a:lstStyle>
           <a:p>
-            <a:pPr indent="0" lvl="0" marL="0" rtl="0" algn="r">
-              <a:spcBef>
-                <a:spcPts val="0"/>
-              </a:spcBef>
-              <a:spcAft>
-                <a:spcPts val="0"/>
-              </a:spcAft>
-              <a:buNone/>
-            </a:pPr>
             <a:fld id="{00000000-1234-1234-1234-123412341234}" type="slidenum">
-              <a:rPr lang="en"/>
+              <a:rPr lang="en" smtClean="0"/>
+              <a:pPr/>
               <a:t>‹#›</a:t>
             </a:fld>
-            <a:endParaRPr/>
+            <a:endParaRPr lang="en"/>
           </a:p>
         </p:txBody>
       </p:sp>
@@ -5432,11 +5664,11 @@
 </file>
 
 <file path=ppt/slideLayouts/slideLayout9.xml><?xml version="1.0" encoding="utf-8"?>
-<p:sldLayout xmlns:a="http://schemas.openxmlformats.org/drawingml/2006/main" xmlns:r="http://schemas.openxmlformats.org/officeDocument/2006/relationships" xmlns:mc="http://schemas.openxmlformats.org/markup-compatibility/2006" xmlns:mv="urn:schemas-microsoft-com:mac:vml" xmlns:p="http://schemas.openxmlformats.org/presentationml/2006/main" xmlns:c="http://schemas.openxmlformats.org/drawingml/2006/chart" xmlns:dgm="http://schemas.openxmlformats.org/drawingml/2006/diagram" xmlns:o="urn:schemas-microsoft-com:office:office" xmlns:v="urn:schemas-microsoft-com:vml" xmlns:pvml="urn:schemas-microsoft-com:office:powerpoint" xmlns:com="http://schemas.openxmlformats.org/drawingml/2006/compatibility" xmlns:p14="http://schemas.microsoft.com/office/powerpoint/2010/main" xmlns:p15="http://schemas.microsoft.com/office/powerpoint/2012/main" xmlns:ahyp="http://schemas.microsoft.com/office/drawing/2018/hyperlinkcolor" matchingName="Caption">
+<p:sldLayout xmlns:a="http://schemas.openxmlformats.org/drawingml/2006/main" xmlns:r="http://schemas.openxmlformats.org/officeDocument/2006/relationships" xmlns:p="http://schemas.openxmlformats.org/presentationml/2006/main" matchingName="Caption">
   <p:cSld name="CAPTION_ONLY">
     <p:spTree>
       <p:nvGrpSpPr>
-        <p:cNvPr id="41" name="Shape 41"/>
+        <p:cNvPr id="1" name="Shape 41"/>
         <p:cNvGrpSpPr/>
         <p:nvPr/>
       </p:nvGrpSpPr>
@@ -5451,26 +5683,28 @@
       <p:sp>
         <p:nvSpPr>
           <p:cNvPr id="42" name="Google Shape;42;p10"/>
-          <p:cNvSpPr txBox="1"/>
+          <p:cNvSpPr txBox="1">
+            <a:spLocks noGrp="1"/>
+          </p:cNvSpPr>
           <p:nvPr>
-            <p:ph idx="1" type="body"/>
+            <p:ph type="body" idx="1"/>
           </p:nvPr>
         </p:nvSpPr>
         <p:spPr>
           <a:xfrm>
-            <a:off x="311700" y="5640767"/>
-            <a:ext cx="5998800" cy="806700"/>
+            <a:off x="415600" y="5640767"/>
+            <a:ext cx="7998400" cy="806700"/>
           </a:xfrm>
           <a:prstGeom prst="rect">
             <a:avLst/>
           </a:prstGeom>
         </p:spPr>
         <p:txBody>
-          <a:bodyPr anchorCtr="0" anchor="ctr" bIns="91425" lIns="91425" spcFirstLastPara="1" rIns="91425" wrap="square" tIns="91425">
+          <a:bodyPr spcFirstLastPara="1" wrap="square" lIns="91425" tIns="91425" rIns="91425" bIns="91425" anchor="ctr" anchorCtr="0">
             <a:normAutofit/>
           </a:bodyPr>
           <a:lstStyle>
-            <a:lvl1pPr indent="-228600" lvl="0" marL="457200">
+            <a:lvl1pPr marL="457200" lvl="0" indent="-228600">
               <a:lnSpc>
                 <a:spcPct val="100000"/>
               </a:lnSpc>
@@ -5485,28 +5719,32 @@
               <a:defRPr/>
             </a:lvl1pPr>
           </a:lstStyle>
-          <a:p/>
+          <a:p>
+            <a:endParaRPr/>
+          </a:p>
         </p:txBody>
       </p:sp>
       <p:sp>
         <p:nvSpPr>
           <p:cNvPr id="43" name="Google Shape;43;p10"/>
-          <p:cNvSpPr txBox="1"/>
+          <p:cNvSpPr txBox="1">
+            <a:spLocks noGrp="1"/>
+          </p:cNvSpPr>
           <p:nvPr>
-            <p:ph idx="12" type="sldNum"/>
+            <p:ph type="sldNum" idx="12"/>
           </p:nvPr>
         </p:nvSpPr>
         <p:spPr>
           <a:xfrm>
-            <a:off x="8472458" y="6217622"/>
-            <a:ext cx="548700" cy="524700"/>
+            <a:off x="11296611" y="6217622"/>
+            <a:ext cx="731600" cy="524700"/>
           </a:xfrm>
           <a:prstGeom prst="rect">
             <a:avLst/>
           </a:prstGeom>
         </p:spPr>
         <p:txBody>
-          <a:bodyPr anchorCtr="0" anchor="ctr" bIns="91425" lIns="91425" spcFirstLastPara="1" rIns="91425" wrap="square" tIns="91425">
+          <a:bodyPr spcFirstLastPara="1" wrap="square" lIns="91425" tIns="91425" rIns="91425" bIns="91425" anchor="ctr" anchorCtr="0">
             <a:normAutofit/>
           </a:bodyPr>
           <a:lstStyle>
@@ -5548,20 +5786,12 @@
             </a:lvl9pPr>
           </a:lstStyle>
           <a:p>
-            <a:pPr indent="0" lvl="0" marL="0" rtl="0" algn="r">
-              <a:spcBef>
-                <a:spcPts val="0"/>
-              </a:spcBef>
-              <a:spcAft>
-                <a:spcPts val="0"/>
-              </a:spcAft>
-              <a:buNone/>
-            </a:pPr>
             <a:fld id="{00000000-1234-1234-1234-123412341234}" type="slidenum">
-              <a:rPr lang="en"/>
+              <a:rPr lang="en" smtClean="0"/>
+              <a:pPr/>
               <a:t>‹#›</a:t>
             </a:fld>
-            <a:endParaRPr/>
+            <a:endParaRPr lang="en"/>
           </a:p>
         </p:txBody>
       </p:sp>
@@ -5574,18 +5804,19 @@
 </file>
 
 <file path=ppt/slideMasters/slideMaster1.xml><?xml version="1.0" encoding="utf-8"?>
-<p:sldMaster xmlns:a="http://schemas.openxmlformats.org/drawingml/2006/main" xmlns:r="http://schemas.openxmlformats.org/officeDocument/2006/relationships" xmlns:mc="http://schemas.openxmlformats.org/markup-compatibility/2006" xmlns:mv="urn:schemas-microsoft-com:mac:vml" xmlns:p="http://schemas.openxmlformats.org/presentationml/2006/main" xmlns:c="http://schemas.openxmlformats.org/drawingml/2006/chart" xmlns:dgm="http://schemas.openxmlformats.org/drawingml/2006/diagram" xmlns:o="urn:schemas-microsoft-com:office:office" xmlns:v="urn:schemas-microsoft-com:vml" xmlns:pvml="urn:schemas-microsoft-com:office:powerpoint" xmlns:com="http://schemas.openxmlformats.org/drawingml/2006/compatibility" xmlns:p14="http://schemas.microsoft.com/office/powerpoint/2010/main" xmlns:p15="http://schemas.microsoft.com/office/powerpoint/2012/main" xmlns:ahyp="http://schemas.microsoft.com/office/drawing/2018/hyperlinkcolor">
+<p:sldMaster xmlns:a="http://schemas.openxmlformats.org/drawingml/2006/main" xmlns:r="http://schemas.openxmlformats.org/officeDocument/2006/relationships" xmlns:p="http://schemas.openxmlformats.org/presentationml/2006/main">
   <p:cSld name="simple-light-2">
     <p:bg>
       <p:bgPr>
         <a:solidFill>
           <a:schemeClr val="lt1"/>
         </a:solidFill>
+        <a:effectLst/>
       </p:bgPr>
     </p:bg>
     <p:spTree>
       <p:nvGrpSpPr>
-        <p:cNvPr id="5" name="Shape 5"/>
+        <p:cNvPr id="1" name="Shape 5"/>
         <p:cNvGrpSpPr/>
         <p:nvPr/>
       </p:nvGrpSpPr>
@@ -5600,15 +5831,17 @@
       <p:sp>
         <p:nvSpPr>
           <p:cNvPr id="6" name="Google Shape;6;p1"/>
-          <p:cNvSpPr txBox="1"/>
+          <p:cNvSpPr txBox="1">
+            <a:spLocks noGrp="1"/>
+          </p:cNvSpPr>
           <p:nvPr>
             <p:ph type="title"/>
           </p:nvPr>
         </p:nvSpPr>
         <p:spPr>
           <a:xfrm>
-            <a:off x="311700" y="593367"/>
-            <a:ext cx="8520600" cy="763500"/>
+            <a:off x="415600" y="593367"/>
+            <a:ext cx="11360800" cy="763500"/>
           </a:xfrm>
           <a:prstGeom prst="rect">
             <a:avLst/>
@@ -5619,7 +5852,7 @@
           </a:ln>
         </p:spPr>
         <p:txBody>
-          <a:bodyPr anchorCtr="0" anchor="t" bIns="91425" lIns="91425" spcFirstLastPara="1" rIns="91425" wrap="square" tIns="91425">
+          <a:bodyPr spcFirstLastPara="1" wrap="square" lIns="91425" tIns="91425" rIns="91425" bIns="91425" anchor="t" anchorCtr="0">
             <a:normAutofit/>
           </a:bodyPr>
           <a:lstStyle>
@@ -5786,21 +6019,25 @@
               </a:defRPr>
             </a:lvl9pPr>
           </a:lstStyle>
-          <a:p/>
+          <a:p>
+            <a:endParaRPr/>
+          </a:p>
         </p:txBody>
       </p:sp>
       <p:sp>
         <p:nvSpPr>
           <p:cNvPr id="7" name="Google Shape;7;p1"/>
-          <p:cNvSpPr txBox="1"/>
+          <p:cNvSpPr txBox="1">
+            <a:spLocks noGrp="1"/>
+          </p:cNvSpPr>
           <p:nvPr>
-            <p:ph idx="1" type="body"/>
+            <p:ph type="body" idx="1"/>
           </p:nvPr>
         </p:nvSpPr>
         <p:spPr>
           <a:xfrm>
-            <a:off x="311700" y="1536633"/>
-            <a:ext cx="8520600" cy="4555200"/>
+            <a:off x="415600" y="1536633"/>
+            <a:ext cx="11360800" cy="4555200"/>
           </a:xfrm>
           <a:prstGeom prst="rect">
             <a:avLst/>
@@ -5811,11 +6048,11 @@
           </a:ln>
         </p:spPr>
         <p:txBody>
-          <a:bodyPr anchorCtr="0" anchor="t" bIns="91425" lIns="91425" spcFirstLastPara="1" rIns="91425" wrap="square" tIns="91425">
+          <a:bodyPr spcFirstLastPara="1" wrap="square" lIns="91425" tIns="91425" rIns="91425" bIns="91425" anchor="t" anchorCtr="0">
             <a:normAutofit/>
           </a:bodyPr>
           <a:lstStyle>
-            <a:lvl1pPr indent="-342900" lvl="0" marL="457200">
+            <a:lvl1pPr marL="457200" lvl="0" indent="-342900">
               <a:lnSpc>
                 <a:spcPct val="115000"/>
               </a:lnSpc>
@@ -5836,7 +6073,7 @@
                 </a:solidFill>
               </a:defRPr>
             </a:lvl1pPr>
-            <a:lvl2pPr indent="-317500" lvl="1" marL="914400">
+            <a:lvl2pPr marL="914400" lvl="1" indent="-317500">
               <a:lnSpc>
                 <a:spcPct val="115000"/>
               </a:lnSpc>
@@ -5857,7 +6094,7 @@
                 </a:solidFill>
               </a:defRPr>
             </a:lvl2pPr>
-            <a:lvl3pPr indent="-317500" lvl="2" marL="1371600">
+            <a:lvl3pPr marL="1371600" lvl="2" indent="-317500">
               <a:lnSpc>
                 <a:spcPct val="115000"/>
               </a:lnSpc>
@@ -5878,7 +6115,7 @@
                 </a:solidFill>
               </a:defRPr>
             </a:lvl3pPr>
-            <a:lvl4pPr indent="-317500" lvl="3" marL="1828800">
+            <a:lvl4pPr marL="1828800" lvl="3" indent="-317500">
               <a:lnSpc>
                 <a:spcPct val="115000"/>
               </a:lnSpc>
@@ -5899,7 +6136,7 @@
                 </a:solidFill>
               </a:defRPr>
             </a:lvl4pPr>
-            <a:lvl5pPr indent="-317500" lvl="4" marL="2286000">
+            <a:lvl5pPr marL="2286000" lvl="4" indent="-317500">
               <a:lnSpc>
                 <a:spcPct val="115000"/>
               </a:lnSpc>
@@ -5920,7 +6157,7 @@
                 </a:solidFill>
               </a:defRPr>
             </a:lvl5pPr>
-            <a:lvl6pPr indent="-317500" lvl="5" marL="2743200">
+            <a:lvl6pPr marL="2743200" lvl="5" indent="-317500">
               <a:lnSpc>
                 <a:spcPct val="115000"/>
               </a:lnSpc>
@@ -5941,7 +6178,7 @@
                 </a:solidFill>
               </a:defRPr>
             </a:lvl6pPr>
-            <a:lvl7pPr indent="-317500" lvl="6" marL="3200400">
+            <a:lvl7pPr marL="3200400" lvl="6" indent="-317500">
               <a:lnSpc>
                 <a:spcPct val="115000"/>
               </a:lnSpc>
@@ -5962,7 +6199,7 @@
                 </a:solidFill>
               </a:defRPr>
             </a:lvl7pPr>
-            <a:lvl8pPr indent="-317500" lvl="7" marL="3657600">
+            <a:lvl8pPr marL="3657600" lvl="7" indent="-317500">
               <a:lnSpc>
                 <a:spcPct val="115000"/>
               </a:lnSpc>
@@ -5983,7 +6220,7 @@
                 </a:solidFill>
               </a:defRPr>
             </a:lvl8pPr>
-            <a:lvl9pPr indent="-317500" lvl="8" marL="4114800">
+            <a:lvl9pPr marL="4114800" lvl="8" indent="-317500">
               <a:lnSpc>
                 <a:spcPct val="115000"/>
               </a:lnSpc>
@@ -6005,21 +6242,25 @@
               </a:defRPr>
             </a:lvl9pPr>
           </a:lstStyle>
-          <a:p/>
+          <a:p>
+            <a:endParaRPr/>
+          </a:p>
         </p:txBody>
       </p:sp>
       <p:sp>
         <p:nvSpPr>
           <p:cNvPr id="8" name="Google Shape;8;p1"/>
-          <p:cNvSpPr txBox="1"/>
+          <p:cNvSpPr txBox="1">
+            <a:spLocks noGrp="1"/>
+          </p:cNvSpPr>
           <p:nvPr>
-            <p:ph idx="12" type="sldNum"/>
+            <p:ph type="sldNum" idx="12"/>
           </p:nvPr>
         </p:nvSpPr>
         <p:spPr>
           <a:xfrm>
-            <a:off x="8472458" y="6217622"/>
-            <a:ext cx="548700" cy="524700"/>
+            <a:off x="11296611" y="6217622"/>
+            <a:ext cx="731600" cy="524700"/>
           </a:xfrm>
           <a:prstGeom prst="rect">
             <a:avLst/>
@@ -6030,7 +6271,7 @@
           </a:ln>
         </p:spPr>
         <p:txBody>
-          <a:bodyPr anchorCtr="0" anchor="ctr" bIns="91425" lIns="91425" spcFirstLastPara="1" rIns="91425" wrap="square" tIns="91425">
+          <a:bodyPr spcFirstLastPara="1" wrap="square" lIns="91425" tIns="91425" rIns="91425" bIns="91425" anchor="ctr" anchorCtr="0">
             <a:normAutofit/>
           </a:bodyPr>
           <a:lstStyle>
@@ -6108,26 +6349,127 @@
             </a:lvl9pPr>
           </a:lstStyle>
           <a:p>
-            <a:pPr indent="0" lvl="0" marL="0" rtl="0" algn="r">
-              <a:spcBef>
-                <a:spcPts val="0"/>
-              </a:spcBef>
-              <a:spcAft>
-                <a:spcPts val="0"/>
-              </a:spcAft>
-              <a:buNone/>
-            </a:pPr>
             <a:fld id="{00000000-1234-1234-1234-123412341234}" type="slidenum">
-              <a:rPr lang="en"/>
+              <a:rPr lang="en" smtClean="0"/>
+              <a:pPr/>
               <a:t>‹#›</a:t>
             </a:fld>
-            <a:endParaRPr/>
+            <a:endParaRPr lang="en"/>
+          </a:p>
+        </p:txBody>
+      </p:sp>
+      <p:cxnSp>
+        <p:nvCxnSpPr>
+          <p:cNvPr id="2" name="직선 연결선 1">
+            <a:extLst>
+              <a:ext uri="{FF2B5EF4-FFF2-40B4-BE49-F238E27FC236}">
+                <a16:creationId xmlns:a16="http://schemas.microsoft.com/office/drawing/2014/main" id="{23FACC26-D29D-D6A1-A9B9-8B6775DE158E}"/>
+              </a:ext>
+            </a:extLst>
+          </p:cNvPr>
+          <p:cNvCxnSpPr>
+            <a:cxnSpLocks/>
+          </p:cNvCxnSpPr>
+          <p:nvPr userDrawn="1"/>
+        </p:nvCxnSpPr>
+        <p:spPr>
+          <a:xfrm>
+            <a:off x="0" y="365125"/>
+            <a:ext cx="10582183" cy="0"/>
+          </a:xfrm>
+          <a:prstGeom prst="line">
+            <a:avLst/>
+          </a:prstGeom>
+          <a:ln w="38100"/>
+        </p:spPr>
+        <p:style>
+          <a:lnRef idx="1">
+            <a:schemeClr val="accent1"/>
+          </a:lnRef>
+          <a:fillRef idx="0">
+            <a:schemeClr val="accent1"/>
+          </a:fillRef>
+          <a:effectRef idx="0">
+            <a:schemeClr val="accent1"/>
+          </a:effectRef>
+          <a:fontRef idx="minor">
+            <a:schemeClr val="tx1"/>
+          </a:fontRef>
+        </p:style>
+      </p:cxnSp>
+      <p:pic>
+        <p:nvPicPr>
+          <p:cNvPr id="3" name="그림 2">
+            <a:extLst>
+              <a:ext uri="{FF2B5EF4-FFF2-40B4-BE49-F238E27FC236}">
+                <a16:creationId xmlns:a16="http://schemas.microsoft.com/office/drawing/2014/main" id="{630A74B4-7FDD-1781-AAD4-3866C2F74692}"/>
+              </a:ext>
+            </a:extLst>
+          </p:cNvPr>
+          <p:cNvPicPr>
+            <a:picLocks noChangeAspect="1"/>
+          </p:cNvPicPr>
+          <p:nvPr userDrawn="1"/>
+        </p:nvPicPr>
+        <p:blipFill>
+          <a:blip r:embed="rId13"/>
+          <a:stretch>
+            <a:fillRect/>
+          </a:stretch>
+        </p:blipFill>
+        <p:spPr>
+          <a:xfrm>
+            <a:off x="10758910" y="129799"/>
+            <a:ext cx="1189780" cy="470650"/>
+          </a:xfrm>
+          <a:prstGeom prst="rect">
+            <a:avLst/>
+          </a:prstGeom>
+        </p:spPr>
+      </p:pic>
+      <p:sp>
+        <p:nvSpPr>
+          <p:cNvPr id="4" name="TextBox 3">
+            <a:extLst>
+              <a:ext uri="{FF2B5EF4-FFF2-40B4-BE49-F238E27FC236}">
+                <a16:creationId xmlns:a16="http://schemas.microsoft.com/office/drawing/2014/main" id="{E2D7C209-80F3-8524-B2D8-836E87BE8AD1}"/>
+              </a:ext>
+            </a:extLst>
+          </p:cNvPr>
+          <p:cNvSpPr txBox="1"/>
+          <p:nvPr userDrawn="1"/>
+        </p:nvSpPr>
+        <p:spPr>
+          <a:xfrm>
+            <a:off x="5112397" y="6409678"/>
+            <a:ext cx="1967205" cy="307777"/>
+          </a:xfrm>
+          <a:prstGeom prst="rect">
+            <a:avLst/>
+          </a:prstGeom>
+          <a:noFill/>
+        </p:spPr>
+        <p:txBody>
+          <a:bodyPr wrap="none" rtlCol="0">
+            <a:spAutoFit/>
+          </a:bodyPr>
+          <a:lstStyle/>
+          <a:p>
+            <a:r>
+              <a:rPr lang="en-US" altLang="ko-KR" sz="1400" b="0" dirty="0"/>
+              <a:t>Copyright 2022 </a:t>
+            </a:r>
+            <a:r>
+              <a:rPr lang="en-US" altLang="ko-KR" sz="1400" b="0" dirty="0" err="1"/>
+              <a:t>jdedu</a:t>
+            </a:r>
+            <a:endParaRPr lang="ko-KR" altLang="en-US" sz="1400" b="0" dirty="0"/>
           </a:p>
         </p:txBody>
       </p:sp>
     </p:spTree>
   </p:cSld>
-  <p:clrMap accent1="accent1" accent2="accent2" accent3="accent3" accent4="accent4" accent5="accent5" accent6="accent6" bg1="lt1" bg2="dk2" tx1="dk1" tx2="lt2" folHlink="folHlink" hlink="hlink"/>
+  <p:clrMap bg1="lt1" tx1="dk1" bg2="dk2" tx2="lt2" accent1="accent1" accent2="accent2" accent3="accent3" accent4="accent4" accent5="accent5" accent6="accent6" hlink="hlink" folHlink="folHlink"/>
   <p:sldLayoutIdLst>
     <p:sldLayoutId id="2147483648" r:id="rId1"/>
     <p:sldLayoutId id="2147483649" r:id="rId2"/>
@@ -6141,10 +6483,10 @@
     <p:sldLayoutId id="2147483657" r:id="rId10"/>
     <p:sldLayoutId id="2147483658" r:id="rId11"/>
   </p:sldLayoutIdLst>
-  <p:hf dt="0" ftr="0" hdr="0" sldNum="0"/>
+  <p:hf sldNum="0" hdr="0" ftr="0" dt="0"/>
   <p:txStyles>
     <p:titleStyle>
-      <a:defPPr lvl="0" marR="0" rtl="0" algn="l">
+      <a:defPPr marR="0" lvl="0" algn="l" rtl="0">
         <a:lnSpc>
           <a:spcPct val="100000"/>
         </a:lnSpc>
@@ -6155,7 +6497,7 @@
           <a:spcPts val="0"/>
         </a:spcAft>
       </a:defPPr>
-      <a:lvl1pPr lvl="0" marR="0" rtl="0" algn="l">
+      <a:lvl1pPr marR="0" lvl="0" algn="l" rtl="0">
         <a:lnSpc>
           <a:spcPct val="100000"/>
         </a:lnSpc>
@@ -6169,7 +6511,7 @@
           <a:srgbClr val="000000"/>
         </a:buClr>
         <a:buFont typeface="Arial"/>
-        <a:defRPr b="0" i="0" sz="1400" u="none" cap="none" strike="noStrike">
+        <a:defRPr sz="1400" b="0" i="0" u="none" strike="noStrike" cap="none">
           <a:solidFill>
             <a:srgbClr val="000000"/>
           </a:solidFill>
@@ -6179,7 +6521,7 @@
           <a:sym typeface="Arial"/>
         </a:defRPr>
       </a:lvl1pPr>
-      <a:lvl2pPr lvl="1" marR="0" rtl="0" algn="l">
+      <a:lvl2pPr marR="0" lvl="1" algn="l" rtl="0">
         <a:lnSpc>
           <a:spcPct val="100000"/>
         </a:lnSpc>
@@ -6193,7 +6535,7 @@
           <a:srgbClr val="000000"/>
         </a:buClr>
         <a:buFont typeface="Arial"/>
-        <a:defRPr b="0" i="0" sz="1400" u="none" cap="none" strike="noStrike">
+        <a:defRPr sz="1400" b="0" i="0" u="none" strike="noStrike" cap="none">
           <a:solidFill>
             <a:srgbClr val="000000"/>
           </a:solidFill>
@@ -6203,7 +6545,7 @@
           <a:sym typeface="Arial"/>
         </a:defRPr>
       </a:lvl2pPr>
-      <a:lvl3pPr lvl="2" marR="0" rtl="0" algn="l">
+      <a:lvl3pPr marR="0" lvl="2" algn="l" rtl="0">
         <a:lnSpc>
           <a:spcPct val="100000"/>
         </a:lnSpc>
@@ -6217,7 +6559,7 @@
           <a:srgbClr val="000000"/>
         </a:buClr>
         <a:buFont typeface="Arial"/>
-        <a:defRPr b="0" i="0" sz="1400" u="none" cap="none" strike="noStrike">
+        <a:defRPr sz="1400" b="0" i="0" u="none" strike="noStrike" cap="none">
           <a:solidFill>
             <a:srgbClr val="000000"/>
           </a:solidFill>
@@ -6227,7 +6569,7 @@
           <a:sym typeface="Arial"/>
         </a:defRPr>
       </a:lvl3pPr>
-      <a:lvl4pPr lvl="3" marR="0" rtl="0" algn="l">
+      <a:lvl4pPr marR="0" lvl="3" algn="l" rtl="0">
         <a:lnSpc>
           <a:spcPct val="100000"/>
         </a:lnSpc>
@@ -6241,7 +6583,7 @@
           <a:srgbClr val="000000"/>
         </a:buClr>
         <a:buFont typeface="Arial"/>
-        <a:defRPr b="0" i="0" sz="1400" u="none" cap="none" strike="noStrike">
+        <a:defRPr sz="1400" b="0" i="0" u="none" strike="noStrike" cap="none">
           <a:solidFill>
             <a:srgbClr val="000000"/>
           </a:solidFill>
@@ -6251,7 +6593,7 @@
           <a:sym typeface="Arial"/>
         </a:defRPr>
       </a:lvl4pPr>
-      <a:lvl5pPr lvl="4" marR="0" rtl="0" algn="l">
+      <a:lvl5pPr marR="0" lvl="4" algn="l" rtl="0">
         <a:lnSpc>
           <a:spcPct val="100000"/>
         </a:lnSpc>
@@ -6265,7 +6607,7 @@
           <a:srgbClr val="000000"/>
         </a:buClr>
         <a:buFont typeface="Arial"/>
-        <a:defRPr b="0" i="0" sz="1400" u="none" cap="none" strike="noStrike">
+        <a:defRPr sz="1400" b="0" i="0" u="none" strike="noStrike" cap="none">
           <a:solidFill>
             <a:srgbClr val="000000"/>
           </a:solidFill>
@@ -6275,7 +6617,7 @@
           <a:sym typeface="Arial"/>
         </a:defRPr>
       </a:lvl5pPr>
-      <a:lvl6pPr lvl="5" marR="0" rtl="0" algn="l">
+      <a:lvl6pPr marR="0" lvl="5" algn="l" rtl="0">
         <a:lnSpc>
           <a:spcPct val="100000"/>
         </a:lnSpc>
@@ -6289,7 +6631,7 @@
           <a:srgbClr val="000000"/>
         </a:buClr>
         <a:buFont typeface="Arial"/>
-        <a:defRPr b="0" i="0" sz="1400" u="none" cap="none" strike="noStrike">
+        <a:defRPr sz="1400" b="0" i="0" u="none" strike="noStrike" cap="none">
           <a:solidFill>
             <a:srgbClr val="000000"/>
           </a:solidFill>
@@ -6299,7 +6641,7 @@
           <a:sym typeface="Arial"/>
         </a:defRPr>
       </a:lvl6pPr>
-      <a:lvl7pPr lvl="6" marR="0" rtl="0" algn="l">
+      <a:lvl7pPr marR="0" lvl="6" algn="l" rtl="0">
         <a:lnSpc>
           <a:spcPct val="100000"/>
         </a:lnSpc>
@@ -6313,7 +6655,7 @@
           <a:srgbClr val="000000"/>
         </a:buClr>
         <a:buFont typeface="Arial"/>
-        <a:defRPr b="0" i="0" sz="1400" u="none" cap="none" strike="noStrike">
+        <a:defRPr sz="1400" b="0" i="0" u="none" strike="noStrike" cap="none">
           <a:solidFill>
             <a:srgbClr val="000000"/>
           </a:solidFill>
@@ -6323,7 +6665,7 @@
           <a:sym typeface="Arial"/>
         </a:defRPr>
       </a:lvl7pPr>
-      <a:lvl8pPr lvl="7" marR="0" rtl="0" algn="l">
+      <a:lvl8pPr marR="0" lvl="7" algn="l" rtl="0">
         <a:lnSpc>
           <a:spcPct val="100000"/>
         </a:lnSpc>
@@ -6337,7 +6679,7 @@
           <a:srgbClr val="000000"/>
         </a:buClr>
         <a:buFont typeface="Arial"/>
-        <a:defRPr b="0" i="0" sz="1400" u="none" cap="none" strike="noStrike">
+        <a:defRPr sz="1400" b="0" i="0" u="none" strike="noStrike" cap="none">
           <a:solidFill>
             <a:srgbClr val="000000"/>
           </a:solidFill>
@@ -6347,7 +6689,7 @@
           <a:sym typeface="Arial"/>
         </a:defRPr>
       </a:lvl8pPr>
-      <a:lvl9pPr lvl="8" marR="0" rtl="0" algn="l">
+      <a:lvl9pPr marR="0" lvl="8" algn="l" rtl="0">
         <a:lnSpc>
           <a:spcPct val="100000"/>
         </a:lnSpc>
@@ -6361,7 +6703,7 @@
           <a:srgbClr val="000000"/>
         </a:buClr>
         <a:buFont typeface="Arial"/>
-        <a:defRPr b="0" i="0" sz="1400" u="none" cap="none" strike="noStrike">
+        <a:defRPr sz="1400" b="0" i="0" u="none" strike="noStrike" cap="none">
           <a:solidFill>
             <a:srgbClr val="000000"/>
           </a:solidFill>
@@ -6373,7 +6715,7 @@
       </a:lvl9pPr>
     </p:titleStyle>
     <p:bodyStyle>
-      <a:defPPr lvl="0" marR="0" rtl="0" algn="l">
+      <a:defPPr marR="0" lvl="0" algn="l" rtl="0">
         <a:lnSpc>
           <a:spcPct val="100000"/>
         </a:lnSpc>
@@ -6384,7 +6726,7 @@
           <a:spcPts val="0"/>
         </a:spcAft>
       </a:defPPr>
-      <a:lvl1pPr lvl="0" marR="0" rtl="0" algn="l">
+      <a:lvl1pPr marR="0" lvl="0" algn="l" rtl="0">
         <a:lnSpc>
           <a:spcPct val="100000"/>
         </a:lnSpc>
@@ -6398,7 +6740,7 @@
           <a:srgbClr val="000000"/>
         </a:buClr>
         <a:buFont typeface="Arial"/>
-        <a:defRPr b="0" i="0" sz="1400" u="none" cap="none" strike="noStrike">
+        <a:defRPr sz="1400" b="0" i="0" u="none" strike="noStrike" cap="none">
           <a:solidFill>
             <a:srgbClr val="000000"/>
           </a:solidFill>
@@ -6408,7 +6750,7 @@
           <a:sym typeface="Arial"/>
         </a:defRPr>
       </a:lvl1pPr>
-      <a:lvl2pPr lvl="1" marR="0" rtl="0" algn="l">
+      <a:lvl2pPr marR="0" lvl="1" algn="l" rtl="0">
         <a:lnSpc>
           <a:spcPct val="100000"/>
         </a:lnSpc>
@@ -6422,7 +6764,7 @@
           <a:srgbClr val="000000"/>
         </a:buClr>
         <a:buFont typeface="Arial"/>
-        <a:defRPr b="0" i="0" sz="1400" u="none" cap="none" strike="noStrike">
+        <a:defRPr sz="1400" b="0" i="0" u="none" strike="noStrike" cap="none">
           <a:solidFill>
             <a:srgbClr val="000000"/>
           </a:solidFill>
@@ -6432,7 +6774,7 @@
           <a:sym typeface="Arial"/>
         </a:defRPr>
       </a:lvl2pPr>
-      <a:lvl3pPr lvl="2" marR="0" rtl="0" algn="l">
+      <a:lvl3pPr marR="0" lvl="2" algn="l" rtl="0">
         <a:lnSpc>
           <a:spcPct val="100000"/>
         </a:lnSpc>
@@ -6446,7 +6788,7 @@
           <a:srgbClr val="000000"/>
         </a:buClr>
         <a:buFont typeface="Arial"/>
-        <a:defRPr b="0" i="0" sz="1400" u="none" cap="none" strike="noStrike">
+        <a:defRPr sz="1400" b="0" i="0" u="none" strike="noStrike" cap="none">
           <a:solidFill>
             <a:srgbClr val="000000"/>
           </a:solidFill>
@@ -6456,7 +6798,7 @@
           <a:sym typeface="Arial"/>
         </a:defRPr>
       </a:lvl3pPr>
-      <a:lvl4pPr lvl="3" marR="0" rtl="0" algn="l">
+      <a:lvl4pPr marR="0" lvl="3" algn="l" rtl="0">
         <a:lnSpc>
           <a:spcPct val="100000"/>
         </a:lnSpc>
@@ -6470,7 +6812,7 @@
           <a:srgbClr val="000000"/>
         </a:buClr>
         <a:buFont typeface="Arial"/>
-        <a:defRPr b="0" i="0" sz="1400" u="none" cap="none" strike="noStrike">
+        <a:defRPr sz="1400" b="0" i="0" u="none" strike="noStrike" cap="none">
           <a:solidFill>
             <a:srgbClr val="000000"/>
           </a:solidFill>
@@ -6480,7 +6822,7 @@
           <a:sym typeface="Arial"/>
         </a:defRPr>
       </a:lvl4pPr>
-      <a:lvl5pPr lvl="4" marR="0" rtl="0" algn="l">
+      <a:lvl5pPr marR="0" lvl="4" algn="l" rtl="0">
         <a:lnSpc>
           <a:spcPct val="100000"/>
         </a:lnSpc>
@@ -6494,7 +6836,7 @@
           <a:srgbClr val="000000"/>
         </a:buClr>
         <a:buFont typeface="Arial"/>
-        <a:defRPr b="0" i="0" sz="1400" u="none" cap="none" strike="noStrike">
+        <a:defRPr sz="1400" b="0" i="0" u="none" strike="noStrike" cap="none">
           <a:solidFill>
             <a:srgbClr val="000000"/>
           </a:solidFill>
@@ -6504,7 +6846,7 @@
           <a:sym typeface="Arial"/>
         </a:defRPr>
       </a:lvl5pPr>
-      <a:lvl6pPr lvl="5" marR="0" rtl="0" algn="l">
+      <a:lvl6pPr marR="0" lvl="5" algn="l" rtl="0">
         <a:lnSpc>
           <a:spcPct val="100000"/>
         </a:lnSpc>
@@ -6518,7 +6860,7 @@
           <a:srgbClr val="000000"/>
         </a:buClr>
         <a:buFont typeface="Arial"/>
-        <a:defRPr b="0" i="0" sz="1400" u="none" cap="none" strike="noStrike">
+        <a:defRPr sz="1400" b="0" i="0" u="none" strike="noStrike" cap="none">
           <a:solidFill>
             <a:srgbClr val="000000"/>
           </a:solidFill>
@@ -6528,7 +6870,7 @@
           <a:sym typeface="Arial"/>
         </a:defRPr>
       </a:lvl6pPr>
-      <a:lvl7pPr lvl="6" marR="0" rtl="0" algn="l">
+      <a:lvl7pPr marR="0" lvl="6" algn="l" rtl="0">
         <a:lnSpc>
           <a:spcPct val="100000"/>
         </a:lnSpc>
@@ -6542,7 +6884,7 @@
           <a:srgbClr val="000000"/>
         </a:buClr>
         <a:buFont typeface="Arial"/>
-        <a:defRPr b="0" i="0" sz="1400" u="none" cap="none" strike="noStrike">
+        <a:defRPr sz="1400" b="0" i="0" u="none" strike="noStrike" cap="none">
           <a:solidFill>
             <a:srgbClr val="000000"/>
           </a:solidFill>
@@ -6552,7 +6894,7 @@
           <a:sym typeface="Arial"/>
         </a:defRPr>
       </a:lvl7pPr>
-      <a:lvl8pPr lvl="7" marR="0" rtl="0" algn="l">
+      <a:lvl8pPr marR="0" lvl="7" algn="l" rtl="0">
         <a:lnSpc>
           <a:spcPct val="100000"/>
         </a:lnSpc>
@@ -6566,7 +6908,7 @@
           <a:srgbClr val="000000"/>
         </a:buClr>
         <a:buFont typeface="Arial"/>
-        <a:defRPr b="0" i="0" sz="1400" u="none" cap="none" strike="noStrike">
+        <a:defRPr sz="1400" b="0" i="0" u="none" strike="noStrike" cap="none">
           <a:solidFill>
             <a:srgbClr val="000000"/>
           </a:solidFill>
@@ -6576,7 +6918,7 @@
           <a:sym typeface="Arial"/>
         </a:defRPr>
       </a:lvl8pPr>
-      <a:lvl9pPr lvl="8" marR="0" rtl="0" algn="l">
+      <a:lvl9pPr marR="0" lvl="8" algn="l" rtl="0">
         <a:lnSpc>
           <a:spcPct val="100000"/>
         </a:lnSpc>
@@ -6590,7 +6932,7 @@
           <a:srgbClr val="000000"/>
         </a:buClr>
         <a:buFont typeface="Arial"/>
-        <a:defRPr b="0" i="0" sz="1400" u="none" cap="none" strike="noStrike">
+        <a:defRPr sz="1400" b="0" i="0" u="none" strike="noStrike" cap="none">
           <a:solidFill>
             <a:srgbClr val="000000"/>
           </a:solidFill>
@@ -6602,7 +6944,7 @@
       </a:lvl9pPr>
     </p:bodyStyle>
     <p:otherStyle>
-      <a:defPPr lvl="0" marR="0" rtl="0" algn="l">
+      <a:defPPr marR="0" lvl="0" algn="l" rtl="0">
         <a:lnSpc>
           <a:spcPct val="100000"/>
         </a:lnSpc>
@@ -6613,7 +6955,7 @@
           <a:spcPts val="0"/>
         </a:spcAft>
       </a:defPPr>
-      <a:lvl1pPr lvl="0" marR="0" rtl="0" algn="l">
+      <a:lvl1pPr marR="0" lvl="0" algn="l" rtl="0">
         <a:lnSpc>
           <a:spcPct val="100000"/>
         </a:lnSpc>
@@ -6627,7 +6969,7 @@
           <a:srgbClr val="000000"/>
         </a:buClr>
         <a:buFont typeface="Arial"/>
-        <a:defRPr b="0" i="0" sz="1400" u="none" cap="none" strike="noStrike">
+        <a:defRPr sz="1400" b="0" i="0" u="none" strike="noStrike" cap="none">
           <a:solidFill>
             <a:srgbClr val="000000"/>
           </a:solidFill>
@@ -6637,7 +6979,7 @@
           <a:sym typeface="Arial"/>
         </a:defRPr>
       </a:lvl1pPr>
-      <a:lvl2pPr lvl="1" marR="0" rtl="0" algn="l">
+      <a:lvl2pPr marR="0" lvl="1" algn="l" rtl="0">
         <a:lnSpc>
           <a:spcPct val="100000"/>
         </a:lnSpc>
@@ -6651,7 +6993,7 @@
           <a:srgbClr val="000000"/>
         </a:buClr>
         <a:buFont typeface="Arial"/>
-        <a:defRPr b="0" i="0" sz="1400" u="none" cap="none" strike="noStrike">
+        <a:defRPr sz="1400" b="0" i="0" u="none" strike="noStrike" cap="none">
           <a:solidFill>
             <a:srgbClr val="000000"/>
           </a:solidFill>
@@ -6661,7 +7003,7 @@
           <a:sym typeface="Arial"/>
         </a:defRPr>
       </a:lvl2pPr>
-      <a:lvl3pPr lvl="2" marR="0" rtl="0" algn="l">
+      <a:lvl3pPr marR="0" lvl="2" algn="l" rtl="0">
         <a:lnSpc>
           <a:spcPct val="100000"/>
         </a:lnSpc>
@@ -6675,7 +7017,7 @@
           <a:srgbClr val="000000"/>
         </a:buClr>
         <a:buFont typeface="Arial"/>
-        <a:defRPr b="0" i="0" sz="1400" u="none" cap="none" strike="noStrike">
+        <a:defRPr sz="1400" b="0" i="0" u="none" strike="noStrike" cap="none">
           <a:solidFill>
             <a:srgbClr val="000000"/>
           </a:solidFill>
@@ -6685,7 +7027,7 @@
           <a:sym typeface="Arial"/>
         </a:defRPr>
       </a:lvl3pPr>
-      <a:lvl4pPr lvl="3" marR="0" rtl="0" algn="l">
+      <a:lvl4pPr marR="0" lvl="3" algn="l" rtl="0">
         <a:lnSpc>
           <a:spcPct val="100000"/>
         </a:lnSpc>
@@ -6699,7 +7041,7 @@
           <a:srgbClr val="000000"/>
         </a:buClr>
         <a:buFont typeface="Arial"/>
-        <a:defRPr b="0" i="0" sz="1400" u="none" cap="none" strike="noStrike">
+        <a:defRPr sz="1400" b="0" i="0" u="none" strike="noStrike" cap="none">
           <a:solidFill>
             <a:srgbClr val="000000"/>
           </a:solidFill>
@@ -6709,7 +7051,7 @@
           <a:sym typeface="Arial"/>
         </a:defRPr>
       </a:lvl4pPr>
-      <a:lvl5pPr lvl="4" marR="0" rtl="0" algn="l">
+      <a:lvl5pPr marR="0" lvl="4" algn="l" rtl="0">
         <a:lnSpc>
           <a:spcPct val="100000"/>
         </a:lnSpc>
@@ -6723,7 +7065,7 @@
           <a:srgbClr val="000000"/>
         </a:buClr>
         <a:buFont typeface="Arial"/>
-        <a:defRPr b="0" i="0" sz="1400" u="none" cap="none" strike="noStrike">
+        <a:defRPr sz="1400" b="0" i="0" u="none" strike="noStrike" cap="none">
           <a:solidFill>
             <a:srgbClr val="000000"/>
           </a:solidFill>
@@ -6733,7 +7075,7 @@
           <a:sym typeface="Arial"/>
         </a:defRPr>
       </a:lvl5pPr>
-      <a:lvl6pPr lvl="5" marR="0" rtl="0" algn="l">
+      <a:lvl6pPr marR="0" lvl="5" algn="l" rtl="0">
         <a:lnSpc>
           <a:spcPct val="100000"/>
         </a:lnSpc>
@@ -6747,7 +7089,7 @@
           <a:srgbClr val="000000"/>
         </a:buClr>
         <a:buFont typeface="Arial"/>
-        <a:defRPr b="0" i="0" sz="1400" u="none" cap="none" strike="noStrike">
+        <a:defRPr sz="1400" b="0" i="0" u="none" strike="noStrike" cap="none">
           <a:solidFill>
             <a:srgbClr val="000000"/>
           </a:solidFill>
@@ -6757,7 +7099,7 @@
           <a:sym typeface="Arial"/>
         </a:defRPr>
       </a:lvl6pPr>
-      <a:lvl7pPr lvl="6" marR="0" rtl="0" algn="l">
+      <a:lvl7pPr marR="0" lvl="6" algn="l" rtl="0">
         <a:lnSpc>
           <a:spcPct val="100000"/>
         </a:lnSpc>
@@ -6771,7 +7113,7 @@
           <a:srgbClr val="000000"/>
         </a:buClr>
         <a:buFont typeface="Arial"/>
-        <a:defRPr b="0" i="0" sz="1400" u="none" cap="none" strike="noStrike">
+        <a:defRPr sz="1400" b="0" i="0" u="none" strike="noStrike" cap="none">
           <a:solidFill>
             <a:srgbClr val="000000"/>
           </a:solidFill>
@@ -6781,7 +7123,7 @@
           <a:sym typeface="Arial"/>
         </a:defRPr>
       </a:lvl7pPr>
-      <a:lvl8pPr lvl="7" marR="0" rtl="0" algn="l">
+      <a:lvl8pPr marR="0" lvl="7" algn="l" rtl="0">
         <a:lnSpc>
           <a:spcPct val="100000"/>
         </a:lnSpc>
@@ -6795,7 +7137,7 @@
           <a:srgbClr val="000000"/>
         </a:buClr>
         <a:buFont typeface="Arial"/>
-        <a:defRPr b="0" i="0" sz="1400" u="none" cap="none" strike="noStrike">
+        <a:defRPr sz="1400" b="0" i="0" u="none" strike="noStrike" cap="none">
           <a:solidFill>
             <a:srgbClr val="000000"/>
           </a:solidFill>
@@ -6805,7 +7147,7 @@
           <a:sym typeface="Arial"/>
         </a:defRPr>
       </a:lvl8pPr>
-      <a:lvl9pPr lvl="8" marR="0" rtl="0" algn="l">
+      <a:lvl9pPr marR="0" lvl="8" algn="l" rtl="0">
         <a:lnSpc>
           <a:spcPct val="100000"/>
         </a:lnSpc>
@@ -6819,7 +7161,7 @@
           <a:srgbClr val="000000"/>
         </a:buClr>
         <a:buFont typeface="Arial"/>
-        <a:defRPr b="0" i="0" sz="1400" u="none" cap="none" strike="noStrike">
+        <a:defRPr sz="1400" b="0" i="0" u="none" strike="noStrike" cap="none">
           <a:solidFill>
             <a:srgbClr val="000000"/>
           </a:solidFill>
@@ -6835,11 +7177,11 @@
 </file>
 
 <file path=ppt/slides/slide1.xml><?xml version="1.0" encoding="utf-8"?>
-<p:sld xmlns:a="http://schemas.openxmlformats.org/drawingml/2006/main" xmlns:r="http://schemas.openxmlformats.org/officeDocument/2006/relationships" xmlns:mc="http://schemas.openxmlformats.org/markup-compatibility/2006" xmlns:mv="urn:schemas-microsoft-com:mac:vml" xmlns:p="http://schemas.openxmlformats.org/presentationml/2006/main" xmlns:c="http://schemas.openxmlformats.org/drawingml/2006/chart" xmlns:dgm="http://schemas.openxmlformats.org/drawingml/2006/diagram" xmlns:o="urn:schemas-microsoft-com:office:office" xmlns:v="urn:schemas-microsoft-com:vml" xmlns:pvml="urn:schemas-microsoft-com:office:powerpoint" xmlns:com="http://schemas.openxmlformats.org/drawingml/2006/compatibility" xmlns:p14="http://schemas.microsoft.com/office/powerpoint/2010/main" xmlns:p15="http://schemas.microsoft.com/office/powerpoint/2012/main" xmlns:ahyp="http://schemas.microsoft.com/office/drawing/2018/hyperlinkcolor">
+<p:sld xmlns:a="http://schemas.openxmlformats.org/drawingml/2006/main" xmlns:r="http://schemas.openxmlformats.org/officeDocument/2006/relationships" xmlns:p="http://schemas.openxmlformats.org/presentationml/2006/main">
   <p:cSld>
     <p:spTree>
       <p:nvGrpSpPr>
-        <p:cNvPr id="53" name="Shape 53"/>
+        <p:cNvPr id="1" name="Shape 53"/>
         <p:cNvGrpSpPr/>
         <p:nvPr/>
       </p:nvGrpSpPr>
@@ -6854,14 +7196,16 @@
       <p:sp>
         <p:nvSpPr>
           <p:cNvPr id="54" name="Google Shape;54;p13"/>
-          <p:cNvSpPr txBox="1"/>
+          <p:cNvSpPr txBox="1">
+            <a:spLocks noGrp="1"/>
+          </p:cNvSpPr>
           <p:nvPr>
             <p:ph type="ctrTitle"/>
           </p:nvPr>
         </p:nvSpPr>
         <p:spPr>
           <a:xfrm>
-            <a:off x="311708" y="992767"/>
+            <a:off x="1835708" y="992767"/>
             <a:ext cx="8520600" cy="2736900"/>
           </a:xfrm>
           <a:prstGeom prst="rect">
@@ -6869,117 +7213,31 @@
           </a:prstGeom>
         </p:spPr>
         <p:txBody>
-          <a:bodyPr anchorCtr="0" anchor="b" bIns="91425" lIns="91425" spcFirstLastPara="1" rIns="91425" wrap="square" tIns="91425">
+          <a:bodyPr spcFirstLastPara="1" wrap="square" lIns="91425" tIns="91425" rIns="91425" bIns="91425" anchor="b" anchorCtr="0">
             <a:normAutofit/>
           </a:bodyPr>
           <a:lstStyle/>
           <a:p>
-            <a:pPr indent="0" lvl="0" marL="0" rtl="0" algn="ctr">
-              <a:spcBef>
-                <a:spcPts val="0"/>
-              </a:spcBef>
-              <a:spcAft>
-                <a:spcPts val="0"/>
-              </a:spcAft>
-              <a:buNone/>
-            </a:pPr>
             <a:r>
-              <a:rPr b="1" lang="en" sz="4800">
+              <a:rPr lang="en" sz="4800" b="1">
                 <a:solidFill>
                   <a:srgbClr val="274E13"/>
                 </a:solidFill>
               </a:rPr>
               <a:t>7. 파이썬 기초</a:t>
             </a:r>
-            <a:endParaRPr b="1" sz="4800">
+            <a:endParaRPr sz="4800" b="1">
               <a:solidFill>
                 <a:srgbClr val="274E13"/>
               </a:solidFill>
             </a:endParaRPr>
           </a:p>
           <a:p>
-            <a:pPr indent="0" lvl="0" marL="0" rtl="0" algn="ctr">
-              <a:spcBef>
-                <a:spcPts val="0"/>
-              </a:spcBef>
-              <a:spcAft>
-                <a:spcPts val="0"/>
-              </a:spcAft>
-              <a:buNone/>
-            </a:pPr>
             <a:r>
-              <a:rPr b="1" lang="en"/>
+              <a:rPr lang="en" b="1"/>
               <a:t>For문, while문 </a:t>
             </a:r>
             <a:endParaRPr b="1"/>
-          </a:p>
-        </p:txBody>
-      </p:sp>
-      <p:sp>
-        <p:nvSpPr>
-          <p:cNvPr id="55" name="Google Shape;55;p13"/>
-          <p:cNvSpPr txBox="1"/>
-          <p:nvPr>
-            <p:ph idx="1" type="subTitle"/>
-          </p:nvPr>
-        </p:nvSpPr>
-        <p:spPr>
-          <a:xfrm>
-            <a:off x="311700" y="4007433"/>
-            <a:ext cx="8520600" cy="1056900"/>
-          </a:xfrm>
-          <a:prstGeom prst="rect">
-            <a:avLst/>
-          </a:prstGeom>
-        </p:spPr>
-        <p:txBody>
-          <a:bodyPr anchorCtr="0" anchor="t" bIns="91425" lIns="91425" spcFirstLastPara="1" rIns="91425" wrap="square" tIns="91425">
-            <a:normAutofit/>
-          </a:bodyPr>
-          <a:lstStyle/>
-          <a:p>
-            <a:pPr indent="0" lvl="0" marL="0" rtl="0" algn="ctr">
-              <a:spcBef>
-                <a:spcPts val="0"/>
-              </a:spcBef>
-              <a:spcAft>
-                <a:spcPts val="0"/>
-              </a:spcAft>
-              <a:buClr>
-                <a:schemeClr val="dk1"/>
-              </a:buClr>
-              <a:buSzPts val="1100"/>
-              <a:buFont typeface="Arial"/>
-              <a:buNone/>
-            </a:pPr>
-            <a:r>
-              <a:rPr b="1" lang="en">
-                <a:solidFill>
-                  <a:srgbClr val="0000FF"/>
-                </a:solidFill>
-              </a:rPr>
-              <a:t>JD Edu</a:t>
-            </a:r>
-            <a:endParaRPr b="1">
-              <a:solidFill>
-                <a:srgbClr val="0000FF"/>
-              </a:solidFill>
-            </a:endParaRPr>
-          </a:p>
-          <a:p>
-            <a:pPr indent="0" lvl="0" marL="0" rtl="0" algn="ctr">
-              <a:spcBef>
-                <a:spcPts val="0"/>
-              </a:spcBef>
-              <a:spcAft>
-                <a:spcPts val="0"/>
-              </a:spcAft>
-              <a:buNone/>
-            </a:pPr>
-            <a:r>
-              <a:t/>
-            </a:r>
-            <a:endParaRPr/>
           </a:p>
         </p:txBody>
       </p:sp>
@@ -6992,11 +7250,11 @@
 </file>
 
 <file path=ppt/slides/slide10.xml><?xml version="1.0" encoding="utf-8"?>
-<p:sld xmlns:a="http://schemas.openxmlformats.org/drawingml/2006/main" xmlns:r="http://schemas.openxmlformats.org/officeDocument/2006/relationships" xmlns:mc="http://schemas.openxmlformats.org/markup-compatibility/2006" xmlns:mv="urn:schemas-microsoft-com:mac:vml" xmlns:p="http://schemas.openxmlformats.org/presentationml/2006/main" xmlns:c="http://schemas.openxmlformats.org/drawingml/2006/chart" xmlns:dgm="http://schemas.openxmlformats.org/drawingml/2006/diagram" xmlns:o="urn:schemas-microsoft-com:office:office" xmlns:v="urn:schemas-microsoft-com:vml" xmlns:pvml="urn:schemas-microsoft-com:office:powerpoint" xmlns:com="http://schemas.openxmlformats.org/drawingml/2006/compatibility" xmlns:p14="http://schemas.microsoft.com/office/powerpoint/2010/main" xmlns:p15="http://schemas.microsoft.com/office/powerpoint/2012/main" xmlns:ahyp="http://schemas.microsoft.com/office/drawing/2018/hyperlinkcolor">
+<p:sld xmlns:a="http://schemas.openxmlformats.org/drawingml/2006/main" xmlns:r="http://schemas.openxmlformats.org/officeDocument/2006/relationships" xmlns:p="http://schemas.openxmlformats.org/presentationml/2006/main">
   <p:cSld>
     <p:spTree>
       <p:nvGrpSpPr>
-        <p:cNvPr id="124" name="Shape 124"/>
+        <p:cNvPr id="1" name="Shape 124"/>
         <p:cNvGrpSpPr/>
         <p:nvPr/>
       </p:nvGrpSpPr>
@@ -7011,14 +7269,16 @@
       <p:sp>
         <p:nvSpPr>
           <p:cNvPr id="125" name="Google Shape;125;p22"/>
-          <p:cNvSpPr txBox="1"/>
+          <p:cNvSpPr txBox="1">
+            <a:spLocks noGrp="1"/>
+          </p:cNvSpPr>
           <p:nvPr>
             <p:ph type="title"/>
           </p:nvPr>
         </p:nvSpPr>
         <p:spPr>
           <a:xfrm>
-            <a:off x="311700" y="593367"/>
+            <a:off x="1835700" y="593367"/>
             <a:ext cx="8520600" cy="763500"/>
           </a:xfrm>
           <a:prstGeom prst="rect">
@@ -7026,22 +7286,13 @@
           </a:prstGeom>
         </p:spPr>
         <p:txBody>
-          <a:bodyPr anchorCtr="0" anchor="t" bIns="91425" lIns="91425" spcFirstLastPara="1" rIns="91425" wrap="square" tIns="91425">
+          <a:bodyPr spcFirstLastPara="1" wrap="square" lIns="91425" tIns="91425" rIns="91425" bIns="91425" anchor="t" anchorCtr="0">
             <a:normAutofit/>
           </a:bodyPr>
           <a:lstStyle/>
           <a:p>
-            <a:pPr indent="0" lvl="0" marL="0" rtl="0" algn="l">
-              <a:spcBef>
-                <a:spcPts val="0"/>
-              </a:spcBef>
-              <a:spcAft>
-                <a:spcPts val="0"/>
-              </a:spcAft>
-              <a:buNone/>
-            </a:pPr>
             <a:r>
-              <a:rPr b="1" lang="en"/>
+              <a:rPr lang="en" b="1"/>
               <a:t>While문 </a:t>
             </a:r>
             <a:endParaRPr b="1"/>
@@ -7051,14 +7302,16 @@
       <p:sp>
         <p:nvSpPr>
           <p:cNvPr id="126" name="Google Shape;126;p22"/>
-          <p:cNvSpPr txBox="1"/>
+          <p:cNvSpPr txBox="1">
+            <a:spLocks noGrp="1"/>
+          </p:cNvSpPr>
           <p:nvPr>
-            <p:ph idx="1" type="body"/>
+            <p:ph type="body" idx="1"/>
           </p:nvPr>
         </p:nvSpPr>
         <p:spPr>
           <a:xfrm>
-            <a:off x="311700" y="1536633"/>
+            <a:off x="1835700" y="1536633"/>
             <a:ext cx="8520600" cy="4555200"/>
           </a:xfrm>
           <a:prstGeom prst="rect">
@@ -7066,21 +7319,11 @@
           </a:prstGeom>
         </p:spPr>
         <p:txBody>
-          <a:bodyPr anchorCtr="0" anchor="t" bIns="91425" lIns="91425" spcFirstLastPara="1" rIns="91425" wrap="square" tIns="91425">
+          <a:bodyPr spcFirstLastPara="1" wrap="square" lIns="91425" tIns="91425" rIns="91425" bIns="91425" anchor="t" anchorCtr="0">
             <a:normAutofit/>
           </a:bodyPr>
           <a:lstStyle/>
           <a:p>
-            <a:pPr indent="-342900" lvl="0" marL="457200" rtl="0" algn="l">
-              <a:spcBef>
-                <a:spcPts val="0"/>
-              </a:spcBef>
-              <a:spcAft>
-                <a:spcPts val="0"/>
-              </a:spcAft>
-              <a:buSzPts val="1800"/>
-              <a:buChar char="●"/>
-            </a:pPr>
             <a:r>
               <a:rPr lang="en"/>
               <a:t>While문은 조건을 만족할 경우 계속 반복이 되는 제어문입니다.</a:t>
@@ -7088,16 +7331,6 @@
             <a:endParaRPr/>
           </a:p>
           <a:p>
-            <a:pPr indent="-342900" lvl="0" marL="457200" rtl="0" algn="l">
-              <a:spcBef>
-                <a:spcPts val="0"/>
-              </a:spcBef>
-              <a:spcAft>
-                <a:spcPts val="0"/>
-              </a:spcAft>
-              <a:buSzPts val="1800"/>
-              <a:buChar char="●"/>
-            </a:pPr>
             <a:r>
               <a:rPr lang="en"/>
               <a:t>While문의 구조는 다음과 같습니다. </a:t>
@@ -7105,17 +7338,14 @@
             <a:endParaRPr/>
           </a:p>
           <a:p>
-            <a:pPr indent="0" lvl="0" marL="457200" rtl="0" algn="l">
+            <a:pPr indent="0">
               <a:spcBef>
                 <a:spcPts val="1200"/>
               </a:spcBef>
-              <a:spcAft>
-                <a:spcPts val="0"/>
-              </a:spcAft>
               <a:buNone/>
             </a:pPr>
             <a:r>
-              <a:rPr b="1" lang="en" sz="1550">
+              <a:rPr lang="en" sz="1550" b="1">
                 <a:solidFill>
                   <a:srgbClr val="0000FF"/>
                 </a:solidFill>
@@ -7137,13 +7367,10 @@
             </a:endParaRPr>
           </a:p>
           <a:p>
-            <a:pPr indent="0" lvl="0" marL="457200" rtl="0" algn="l">
+            <a:pPr indent="0">
               <a:spcBef>
                 <a:spcPts val="1200"/>
               </a:spcBef>
-              <a:spcAft>
-                <a:spcPts val="0"/>
-              </a:spcAft>
               <a:buNone/>
             </a:pPr>
             <a:r>
@@ -7161,13 +7388,10 @@
             </a:endParaRPr>
           </a:p>
           <a:p>
-            <a:pPr indent="0" lvl="0" marL="457200" rtl="0" algn="l">
+            <a:pPr indent="0">
               <a:spcBef>
                 <a:spcPts val="1200"/>
               </a:spcBef>
-              <a:spcAft>
-                <a:spcPts val="0"/>
-              </a:spcAft>
               <a:buNone/>
             </a:pPr>
             <a:r>
@@ -7185,13 +7409,10 @@
             </a:endParaRPr>
           </a:p>
           <a:p>
-            <a:pPr indent="0" lvl="0" marL="457200" rtl="0" algn="l">
+            <a:pPr indent="0">
               <a:spcBef>
                 <a:spcPts val="1200"/>
               </a:spcBef>
-              <a:spcAft>
-                <a:spcPts val="0"/>
-              </a:spcAft>
               <a:buNone/>
             </a:pPr>
             <a:r>
@@ -7209,13 +7430,10 @@
             </a:endParaRPr>
           </a:p>
           <a:p>
-            <a:pPr indent="0" lvl="0" marL="457200" rtl="0" algn="l">
+            <a:pPr indent="0">
               <a:spcBef>
                 <a:spcPts val="1200"/>
               </a:spcBef>
-              <a:spcAft>
-                <a:spcPts val="0"/>
-              </a:spcAft>
               <a:buNone/>
             </a:pPr>
             <a:r>
@@ -7224,15 +7442,7 @@
                   <a:srgbClr val="0000FF"/>
                 </a:solidFill>
               </a:rPr>
-              <a:t>    </a:t>
-            </a:r>
-            <a:r>
-              <a:rPr lang="en" sz="1550">
-                <a:solidFill>
-                  <a:srgbClr val="0000FF"/>
-                </a:solidFill>
-              </a:rPr>
-              <a:t>...</a:t>
+              <a:t>    ...</a:t>
             </a:r>
             <a:endParaRPr sz="1550">
               <a:solidFill>
@@ -7241,23 +7451,14 @@
             </a:endParaRPr>
           </a:p>
           <a:p>
-            <a:pPr indent="-342900" lvl="0" marL="457200" rtl="0" algn="l">
+            <a:pPr>
               <a:spcBef>
                 <a:spcPts val="1200"/>
               </a:spcBef>
-              <a:spcAft>
-                <a:spcPts val="0"/>
-              </a:spcAft>
-              <a:buSzPts val="1800"/>
-              <a:buChar char="●"/>
             </a:pPr>
             <a:r>
               <a:rPr lang="en"/>
-              <a:t>While문은 스크래치의 무한반복이나 ~ 까지 반복하기와 비슷합니다. </a:t>
-            </a:r>
-            <a:r>
-              <a:rPr lang="en"/>
-              <a:t> </a:t>
+              <a:t>While문은 스크래치의 무한반복이나 ~ 까지 반복하기와 비슷합니다.  </a:t>
             </a:r>
             <a:endParaRPr/>
           </a:p>
@@ -7279,7 +7480,7 @@
         </p:blipFill>
         <p:spPr>
           <a:xfrm>
-            <a:off x="1966438" y="4921075"/>
+            <a:off x="3490439" y="4921075"/>
             <a:ext cx="5057775" cy="1752600"/>
           </a:xfrm>
           <a:prstGeom prst="rect">
@@ -7299,21 +7500,21 @@
         </p:nvCxnSpPr>
         <p:spPr>
           <a:xfrm rot="10800000">
-            <a:off x="2441525" y="2582275"/>
+            <a:off x="3965525" y="2582275"/>
             <a:ext cx="581100" cy="237900"/>
           </a:xfrm>
           <a:prstGeom prst="straightConnector1">
             <a:avLst/>
           </a:prstGeom>
           <a:noFill/>
-          <a:ln cap="flat" cmpd="sng" w="9525">
+          <a:ln w="9525" cap="flat" cmpd="sng">
             <a:solidFill>
               <a:srgbClr val="595959"/>
             </a:solidFill>
             <a:prstDash val="solid"/>
             <a:round/>
-            <a:headEnd len="med" w="med" type="none"/>
-            <a:tailEnd len="med" w="med" type="triangle"/>
+            <a:headEnd type="none" w="med" len="med"/>
+            <a:tailEnd type="triangle" w="med" len="med"/>
           </a:ln>
         </p:spPr>
       </p:cxnSp>
@@ -7325,7 +7526,7 @@
         </p:nvSpPr>
         <p:spPr>
           <a:xfrm>
-            <a:off x="3022625" y="2582275"/>
+            <a:off x="4546625" y="2582275"/>
             <a:ext cx="1695600" cy="400200"/>
           </a:xfrm>
           <a:prstGeom prst="rect">
@@ -7337,20 +7538,11 @@
           </a:ln>
         </p:spPr>
         <p:txBody>
-          <a:bodyPr anchorCtr="0" anchor="t" bIns="91425" lIns="91425" spcFirstLastPara="1" rIns="91425" wrap="square" tIns="91425">
+          <a:bodyPr spcFirstLastPara="1" wrap="square" lIns="91425" tIns="91425" rIns="91425" bIns="91425" anchor="t" anchorCtr="0">
             <a:spAutoFit/>
           </a:bodyPr>
           <a:lstStyle/>
           <a:p>
-            <a:pPr indent="0" lvl="0" marL="0" rtl="0" algn="l">
-              <a:spcBef>
-                <a:spcPts val="0"/>
-              </a:spcBef>
-              <a:spcAft>
-                <a:spcPts val="0"/>
-              </a:spcAft>
-              <a:buNone/>
-            </a:pPr>
             <a:r>
               <a:rPr lang="en"/>
               <a:t>콜론으로 마무리</a:t>
@@ -7367,21 +7559,21 @@
         </p:nvCxnSpPr>
         <p:spPr>
           <a:xfrm rot="10800000">
-            <a:off x="2589725" y="3501288"/>
+            <a:off x="4113725" y="3501288"/>
             <a:ext cx="785400" cy="308700"/>
           </a:xfrm>
           <a:prstGeom prst="straightConnector1">
             <a:avLst/>
           </a:prstGeom>
           <a:noFill/>
-          <a:ln cap="flat" cmpd="sng" w="9525">
+          <a:ln w="9525" cap="flat" cmpd="sng">
             <a:solidFill>
               <a:srgbClr val="595959"/>
             </a:solidFill>
             <a:prstDash val="solid"/>
             <a:round/>
-            <a:headEnd len="med" w="med" type="none"/>
-            <a:tailEnd len="med" w="med" type="triangle"/>
+            <a:headEnd type="none" w="med" len="med"/>
+            <a:tailEnd type="triangle" w="med" len="med"/>
           </a:ln>
         </p:spPr>
       </p:cxnSp>
@@ -7393,7 +7585,7 @@
         </p:nvSpPr>
         <p:spPr>
           <a:xfrm>
-            <a:off x="3338600" y="3516488"/>
+            <a:off x="4862600" y="3516488"/>
             <a:ext cx="3438600" cy="615600"/>
           </a:xfrm>
           <a:prstGeom prst="rect">
@@ -7405,20 +7597,11 @@
           </a:ln>
         </p:spPr>
         <p:txBody>
-          <a:bodyPr anchorCtr="0" anchor="t" bIns="91425" lIns="91425" spcFirstLastPara="1" rIns="91425" wrap="square" tIns="91425">
+          <a:bodyPr spcFirstLastPara="1" wrap="square" lIns="91425" tIns="91425" rIns="91425" bIns="91425" anchor="t" anchorCtr="0">
             <a:spAutoFit/>
           </a:bodyPr>
           <a:lstStyle/>
           <a:p>
-            <a:pPr indent="0" lvl="0" marL="0" rtl="0" algn="l">
-              <a:spcBef>
-                <a:spcPts val="0"/>
-              </a:spcBef>
-              <a:spcAft>
-                <a:spcPts val="0"/>
-              </a:spcAft>
-              <a:buNone/>
-            </a:pPr>
             <a:r>
               <a:rPr lang="en"/>
               <a:t>파이썬 코드, 파이썬 코드는</a:t>
@@ -7426,15 +7609,6 @@
             <a:endParaRPr/>
           </a:p>
           <a:p>
-            <a:pPr indent="0" lvl="0" marL="0" rtl="0" algn="l">
-              <a:spcBef>
-                <a:spcPts val="0"/>
-              </a:spcBef>
-              <a:spcAft>
-                <a:spcPts val="0"/>
-              </a:spcAft>
-              <a:buNone/>
-            </a:pPr>
             <a:r>
               <a:rPr lang="en"/>
               <a:t>여러개가 있어도 됩니다.  </a:t>
@@ -7450,22 +7624,22 @@
           <p:nvPr/>
         </p:nvCxnSpPr>
         <p:spPr>
-          <a:xfrm flipH="1" rot="10800000">
-            <a:off x="495300" y="3075725"/>
+          <a:xfrm rot="10800000" flipH="1">
+            <a:off x="2019300" y="3075725"/>
             <a:ext cx="171600" cy="238200"/>
           </a:xfrm>
           <a:prstGeom prst="straightConnector1">
             <a:avLst/>
           </a:prstGeom>
           <a:noFill/>
-          <a:ln cap="flat" cmpd="sng" w="9525">
+          <a:ln w="9525" cap="flat" cmpd="sng">
             <a:solidFill>
               <a:srgbClr val="595959"/>
             </a:solidFill>
             <a:prstDash val="solid"/>
             <a:round/>
-            <a:headEnd len="med" w="med" type="none"/>
-            <a:tailEnd len="med" w="med" type="triangle"/>
+            <a:headEnd type="none" w="med" len="med"/>
+            <a:tailEnd type="triangle" w="med" len="med"/>
           </a:ln>
         </p:spPr>
       </p:cxnSp>
@@ -7477,7 +7651,7 @@
         </p:nvSpPr>
         <p:spPr>
           <a:xfrm>
-            <a:off x="0" y="3294875"/>
+            <a:off x="1524000" y="3294875"/>
             <a:ext cx="1057200" cy="400200"/>
           </a:xfrm>
           <a:prstGeom prst="rect">
@@ -7489,20 +7663,11 @@
           </a:ln>
         </p:spPr>
         <p:txBody>
-          <a:bodyPr anchorCtr="0" anchor="t" bIns="91425" lIns="91425" spcFirstLastPara="1" rIns="91425" wrap="square" tIns="91425">
+          <a:bodyPr spcFirstLastPara="1" wrap="square" lIns="91425" tIns="91425" rIns="91425" bIns="91425" anchor="t" anchorCtr="0">
             <a:spAutoFit/>
           </a:bodyPr>
           <a:lstStyle/>
           <a:p>
-            <a:pPr indent="0" lvl="0" marL="0" rtl="0" algn="l">
-              <a:spcBef>
-                <a:spcPts val="0"/>
-              </a:spcBef>
-              <a:spcAft>
-                <a:spcPts val="0"/>
-              </a:spcAft>
-              <a:buNone/>
-            </a:pPr>
             <a:r>
               <a:rPr lang="en"/>
               <a:t>들여쓰기</a:t>
@@ -7519,21 +7684,21 @@
         </p:nvCxnSpPr>
         <p:spPr>
           <a:xfrm>
-            <a:off x="600000" y="2937950"/>
+            <a:off x="2124000" y="2937950"/>
             <a:ext cx="457200" cy="0"/>
           </a:xfrm>
           <a:prstGeom prst="straightConnector1">
             <a:avLst/>
           </a:prstGeom>
           <a:noFill/>
-          <a:ln cap="flat" cmpd="sng" w="19050">
+          <a:ln w="19050" cap="flat" cmpd="sng">
             <a:solidFill>
               <a:srgbClr val="0000FF"/>
             </a:solidFill>
             <a:prstDash val="solid"/>
             <a:round/>
-            <a:headEnd len="med" w="med" type="triangle"/>
-            <a:tailEnd len="med" w="med" type="triangle"/>
+            <a:headEnd type="triangle" w="med" len="med"/>
+            <a:tailEnd type="triangle" w="med" len="med"/>
           </a:ln>
         </p:spPr>
       </p:cxnSp>
@@ -7546,11 +7711,11 @@
 </file>
 
 <file path=ppt/slides/slide11.xml><?xml version="1.0" encoding="utf-8"?>
-<p:sld xmlns:a="http://schemas.openxmlformats.org/drawingml/2006/main" xmlns:r="http://schemas.openxmlformats.org/officeDocument/2006/relationships" xmlns:mc="http://schemas.openxmlformats.org/markup-compatibility/2006" xmlns:mv="urn:schemas-microsoft-com:mac:vml" xmlns:p="http://schemas.openxmlformats.org/presentationml/2006/main" xmlns:c="http://schemas.openxmlformats.org/drawingml/2006/chart" xmlns:dgm="http://schemas.openxmlformats.org/drawingml/2006/diagram" xmlns:o="urn:schemas-microsoft-com:office:office" xmlns:v="urn:schemas-microsoft-com:vml" xmlns:pvml="urn:schemas-microsoft-com:office:powerpoint" xmlns:com="http://schemas.openxmlformats.org/drawingml/2006/compatibility" xmlns:p14="http://schemas.microsoft.com/office/powerpoint/2010/main" xmlns:p15="http://schemas.microsoft.com/office/powerpoint/2012/main" xmlns:ahyp="http://schemas.microsoft.com/office/drawing/2018/hyperlinkcolor">
+<p:sld xmlns:a="http://schemas.openxmlformats.org/drawingml/2006/main" xmlns:r="http://schemas.openxmlformats.org/officeDocument/2006/relationships" xmlns:p="http://schemas.openxmlformats.org/presentationml/2006/main">
   <p:cSld>
     <p:spTree>
       <p:nvGrpSpPr>
-        <p:cNvPr id="138" name="Shape 138"/>
+        <p:cNvPr id="1" name="Shape 138"/>
         <p:cNvGrpSpPr/>
         <p:nvPr/>
       </p:nvGrpSpPr>
@@ -7565,14 +7730,16 @@
       <p:sp>
         <p:nvSpPr>
           <p:cNvPr id="139" name="Google Shape;139;p23"/>
-          <p:cNvSpPr txBox="1"/>
+          <p:cNvSpPr txBox="1">
+            <a:spLocks noGrp="1"/>
+          </p:cNvSpPr>
           <p:nvPr>
             <p:ph type="title"/>
           </p:nvPr>
         </p:nvSpPr>
         <p:spPr>
           <a:xfrm>
-            <a:off x="311700" y="593367"/>
+            <a:off x="1835700" y="593367"/>
             <a:ext cx="8520600" cy="763500"/>
           </a:xfrm>
           <a:prstGeom prst="rect">
@@ -7580,22 +7747,13 @@
           </a:prstGeom>
         </p:spPr>
         <p:txBody>
-          <a:bodyPr anchorCtr="0" anchor="t" bIns="91425" lIns="91425" spcFirstLastPara="1" rIns="91425" wrap="square" tIns="91425">
+          <a:bodyPr spcFirstLastPara="1" wrap="square" lIns="91425" tIns="91425" rIns="91425" bIns="91425" anchor="t" anchorCtr="0">
             <a:normAutofit/>
           </a:bodyPr>
           <a:lstStyle/>
           <a:p>
-            <a:pPr indent="0" lvl="0" marL="0" rtl="0" algn="l">
-              <a:spcBef>
-                <a:spcPts val="0"/>
-              </a:spcBef>
-              <a:spcAft>
-                <a:spcPts val="0"/>
-              </a:spcAft>
-              <a:buNone/>
-            </a:pPr>
             <a:r>
-              <a:rPr b="1" lang="en"/>
+              <a:rPr lang="en" b="1"/>
               <a:t>While문의 동작 </a:t>
             </a:r>
             <a:endParaRPr b="1"/>
@@ -7605,14 +7763,16 @@
       <p:sp>
         <p:nvSpPr>
           <p:cNvPr id="140" name="Google Shape;140;p23"/>
-          <p:cNvSpPr txBox="1"/>
+          <p:cNvSpPr txBox="1">
+            <a:spLocks noGrp="1"/>
+          </p:cNvSpPr>
           <p:nvPr>
-            <p:ph idx="1" type="body"/>
+            <p:ph type="body" idx="1"/>
           </p:nvPr>
         </p:nvSpPr>
         <p:spPr>
           <a:xfrm>
-            <a:off x="311700" y="1536633"/>
+            <a:off x="1835700" y="1536633"/>
             <a:ext cx="8520600" cy="4555200"/>
           </a:xfrm>
           <a:prstGeom prst="rect">
@@ -7620,21 +7780,11 @@
           </a:prstGeom>
         </p:spPr>
         <p:txBody>
-          <a:bodyPr anchorCtr="0" anchor="t" bIns="91425" lIns="91425" spcFirstLastPara="1" rIns="91425" wrap="square" tIns="91425">
+          <a:bodyPr spcFirstLastPara="1" wrap="square" lIns="91425" tIns="91425" rIns="91425" bIns="91425" anchor="t" anchorCtr="0">
             <a:normAutofit/>
           </a:bodyPr>
           <a:lstStyle/>
           <a:p>
-            <a:pPr indent="-342900" lvl="0" marL="457200" rtl="0" algn="l">
-              <a:spcBef>
-                <a:spcPts val="0"/>
-              </a:spcBef>
-              <a:spcAft>
-                <a:spcPts val="0"/>
-              </a:spcAft>
-              <a:buSzPts val="1800"/>
-              <a:buChar char="●"/>
-            </a:pPr>
             <a:r>
               <a:rPr lang="en"/>
               <a:t>While문은 동작이 참(True)인 동안 아래의 코드를 반복해서 수행합니다.</a:t>
@@ -7642,75 +7792,46 @@
             <a:endParaRPr/>
           </a:p>
           <a:p>
-            <a:pPr indent="0" lvl="0" marL="457200" rtl="0" algn="l">
+            <a:pPr indent="0">
               <a:spcBef>
                 <a:spcPts val="1200"/>
               </a:spcBef>
-              <a:spcAft>
-                <a:spcPts val="0"/>
-              </a:spcAft>
               <a:buNone/>
             </a:pPr>
-            <a:r>
-              <a:t/>
-            </a:r>
             <a:endParaRPr/>
           </a:p>
           <a:p>
-            <a:pPr indent="0" lvl="0" marL="457200" rtl="0" algn="l">
+            <a:pPr indent="0">
               <a:spcBef>
                 <a:spcPts val="1200"/>
               </a:spcBef>
-              <a:spcAft>
-                <a:spcPts val="0"/>
-              </a:spcAft>
               <a:buNone/>
             </a:pPr>
-            <a:r>
-              <a:t/>
-            </a:r>
             <a:endParaRPr/>
           </a:p>
           <a:p>
-            <a:pPr indent="0" lvl="0" marL="457200" rtl="0" algn="l">
+            <a:pPr indent="0">
               <a:spcBef>
                 <a:spcPts val="1200"/>
               </a:spcBef>
-              <a:spcAft>
-                <a:spcPts val="0"/>
-              </a:spcAft>
               <a:buNone/>
             </a:pPr>
-            <a:r>
-              <a:t/>
-            </a:r>
             <a:endParaRPr/>
           </a:p>
           <a:p>
-            <a:pPr indent="0" lvl="0" marL="457200" rtl="0" algn="l">
+            <a:pPr indent="0">
               <a:spcBef>
                 <a:spcPts val="1200"/>
               </a:spcBef>
-              <a:spcAft>
-                <a:spcPts val="0"/>
-              </a:spcAft>
               <a:buNone/>
             </a:pPr>
-            <a:r>
-              <a:t/>
-            </a:r>
             <a:endParaRPr/>
           </a:p>
           <a:p>
-            <a:pPr indent="-342900" lvl="0" marL="457200" rtl="0" algn="l">
+            <a:pPr>
               <a:spcBef>
                 <a:spcPts val="1200"/>
               </a:spcBef>
-              <a:spcAft>
-                <a:spcPts val="0"/>
-              </a:spcAft>
-              <a:buSzPts val="1800"/>
-              <a:buChar char="●"/>
             </a:pPr>
             <a:r>
               <a:rPr lang="en"/>
@@ -7719,16 +7840,6 @@
             <a:endParaRPr/>
           </a:p>
           <a:p>
-            <a:pPr indent="-342900" lvl="0" marL="457200" rtl="0" algn="l">
-              <a:spcBef>
-                <a:spcPts val="0"/>
-              </a:spcBef>
-              <a:spcAft>
-                <a:spcPts val="0"/>
-              </a:spcAft>
-              <a:buSzPts val="1800"/>
-              <a:buChar char="●"/>
-            </a:pPr>
             <a:r>
               <a:rPr lang="en"/>
               <a:t>한번 반복을 할때마다 count 값이 10보다 작은지 조건을 점검 해서 조건이 False이면 반복이 종료 됩니다.  </a:t>
@@ -7753,7 +7864,7 @@
         </p:blipFill>
         <p:spPr>
           <a:xfrm>
-            <a:off x="681688" y="2190950"/>
+            <a:off x="2205689" y="2190950"/>
             <a:ext cx="6962775" cy="1504950"/>
           </a:xfrm>
           <a:prstGeom prst="rect">
@@ -7781,7 +7892,7 @@
         </p:blipFill>
         <p:spPr>
           <a:xfrm>
-            <a:off x="681700" y="4969225"/>
+            <a:off x="2205700" y="4969225"/>
             <a:ext cx="2133600" cy="1790700"/>
           </a:xfrm>
           <a:prstGeom prst="rect">
@@ -7802,11 +7913,11 @@
 </file>
 
 <file path=ppt/slides/slide12.xml><?xml version="1.0" encoding="utf-8"?>
-<p:sld xmlns:a="http://schemas.openxmlformats.org/drawingml/2006/main" xmlns:r="http://schemas.openxmlformats.org/officeDocument/2006/relationships" xmlns:mc="http://schemas.openxmlformats.org/markup-compatibility/2006" xmlns:mv="urn:schemas-microsoft-com:mac:vml" xmlns:p="http://schemas.openxmlformats.org/presentationml/2006/main" xmlns:c="http://schemas.openxmlformats.org/drawingml/2006/chart" xmlns:dgm="http://schemas.openxmlformats.org/drawingml/2006/diagram" xmlns:o="urn:schemas-microsoft-com:office:office" xmlns:v="urn:schemas-microsoft-com:vml" xmlns:pvml="urn:schemas-microsoft-com:office:powerpoint" xmlns:com="http://schemas.openxmlformats.org/drawingml/2006/compatibility" xmlns:p14="http://schemas.microsoft.com/office/powerpoint/2010/main" xmlns:p15="http://schemas.microsoft.com/office/powerpoint/2012/main" xmlns:ahyp="http://schemas.microsoft.com/office/drawing/2018/hyperlinkcolor">
+<p:sld xmlns:a="http://schemas.openxmlformats.org/drawingml/2006/main" xmlns:r="http://schemas.openxmlformats.org/officeDocument/2006/relationships" xmlns:p="http://schemas.openxmlformats.org/presentationml/2006/main">
   <p:cSld>
     <p:spTree>
       <p:nvGrpSpPr>
-        <p:cNvPr id="146" name="Shape 146"/>
+        <p:cNvPr id="1" name="Shape 146"/>
         <p:cNvGrpSpPr/>
         <p:nvPr/>
       </p:nvGrpSpPr>
@@ -7821,14 +7932,16 @@
       <p:sp>
         <p:nvSpPr>
           <p:cNvPr id="147" name="Google Shape;147;p24"/>
-          <p:cNvSpPr txBox="1"/>
+          <p:cNvSpPr txBox="1">
+            <a:spLocks noGrp="1"/>
+          </p:cNvSpPr>
           <p:nvPr>
             <p:ph type="title"/>
           </p:nvPr>
         </p:nvSpPr>
         <p:spPr>
           <a:xfrm>
-            <a:off x="311700" y="593367"/>
+            <a:off x="1835700" y="593367"/>
             <a:ext cx="8520600" cy="763500"/>
           </a:xfrm>
           <a:prstGeom prst="rect">
@@ -7836,22 +7949,13 @@
           </a:prstGeom>
         </p:spPr>
         <p:txBody>
-          <a:bodyPr anchorCtr="0" anchor="t" bIns="91425" lIns="91425" spcFirstLastPara="1" rIns="91425" wrap="square" tIns="91425">
+          <a:bodyPr spcFirstLastPara="1" wrap="square" lIns="91425" tIns="91425" rIns="91425" bIns="91425" anchor="t" anchorCtr="0">
             <a:normAutofit/>
           </a:bodyPr>
           <a:lstStyle/>
           <a:p>
-            <a:pPr indent="0" lvl="0" marL="0" rtl="0" algn="l">
-              <a:spcBef>
-                <a:spcPts val="0"/>
-              </a:spcBef>
-              <a:spcAft>
-                <a:spcPts val="0"/>
-              </a:spcAft>
-              <a:buNone/>
-            </a:pPr>
             <a:r>
-              <a:rPr b="1" lang="en"/>
+              <a:rPr lang="en" b="1"/>
               <a:t>While문과 break</a:t>
             </a:r>
             <a:endParaRPr b="1"/>
@@ -7861,14 +7965,16 @@
       <p:sp>
         <p:nvSpPr>
           <p:cNvPr id="148" name="Google Shape;148;p24"/>
-          <p:cNvSpPr txBox="1"/>
+          <p:cNvSpPr txBox="1">
+            <a:spLocks noGrp="1"/>
+          </p:cNvSpPr>
           <p:nvPr>
-            <p:ph idx="1" type="body"/>
+            <p:ph type="body" idx="1"/>
           </p:nvPr>
         </p:nvSpPr>
         <p:spPr>
           <a:xfrm>
-            <a:off x="311700" y="1536633"/>
+            <a:off x="1835700" y="1536633"/>
             <a:ext cx="8520600" cy="4555200"/>
           </a:xfrm>
           <a:prstGeom prst="rect">
@@ -7876,21 +7982,11 @@
           </a:prstGeom>
         </p:spPr>
         <p:txBody>
-          <a:bodyPr anchorCtr="0" anchor="t" bIns="91425" lIns="91425" spcFirstLastPara="1" rIns="91425" wrap="square" tIns="91425">
+          <a:bodyPr spcFirstLastPara="1" wrap="square" lIns="91425" tIns="91425" rIns="91425" bIns="91425" anchor="t" anchorCtr="0">
             <a:normAutofit/>
           </a:bodyPr>
           <a:lstStyle/>
           <a:p>
-            <a:pPr indent="-342900" lvl="0" marL="457200" rtl="0" algn="l">
-              <a:spcBef>
-                <a:spcPts val="0"/>
-              </a:spcBef>
-              <a:spcAft>
-                <a:spcPts val="0"/>
-              </a:spcAft>
-              <a:buSzPts val="1800"/>
-              <a:buChar char="●"/>
-            </a:pPr>
             <a:r>
               <a:rPr lang="en"/>
               <a:t>While 문이 반복동작을 하다가 break 명령을 만나면 그 동작을 바로 중지하고 while문을 빠져나갑니다.</a:t>
@@ -7898,16 +7994,6 @@
             <a:endParaRPr/>
           </a:p>
           <a:p>
-            <a:pPr indent="-342900" lvl="0" marL="457200" rtl="0" algn="l">
-              <a:spcBef>
-                <a:spcPts val="0"/>
-              </a:spcBef>
-              <a:spcAft>
-                <a:spcPts val="0"/>
-              </a:spcAft>
-              <a:buSzPts val="1800"/>
-              <a:buChar char="●"/>
-            </a:pPr>
             <a:r>
               <a:rPr lang="en"/>
               <a:t>아래 코드는 사용자 입력을 무한반복으로 받아서 해당 사항을 프린트 합니다. 그리고 4가 입력되면 while문을 종료 합니다.  </a:t>
@@ -7932,7 +8018,7 @@
         </p:blipFill>
         <p:spPr>
           <a:xfrm>
-            <a:off x="471450" y="3008638"/>
+            <a:off x="1995450" y="3008639"/>
             <a:ext cx="6991350" cy="3686175"/>
           </a:xfrm>
           <a:prstGeom prst="rect">
@@ -7953,11 +8039,11 @@
 </file>
 
 <file path=ppt/slides/slide13.xml><?xml version="1.0" encoding="utf-8"?>
-<p:sld xmlns:a="http://schemas.openxmlformats.org/drawingml/2006/main" xmlns:r="http://schemas.openxmlformats.org/officeDocument/2006/relationships" xmlns:mc="http://schemas.openxmlformats.org/markup-compatibility/2006" xmlns:mv="urn:schemas-microsoft-com:mac:vml" xmlns:p="http://schemas.openxmlformats.org/presentationml/2006/main" xmlns:c="http://schemas.openxmlformats.org/drawingml/2006/chart" xmlns:dgm="http://schemas.openxmlformats.org/drawingml/2006/diagram" xmlns:o="urn:schemas-microsoft-com:office:office" xmlns:v="urn:schemas-microsoft-com:vml" xmlns:pvml="urn:schemas-microsoft-com:office:powerpoint" xmlns:com="http://schemas.openxmlformats.org/drawingml/2006/compatibility" xmlns:p14="http://schemas.microsoft.com/office/powerpoint/2010/main" xmlns:p15="http://schemas.microsoft.com/office/powerpoint/2012/main" xmlns:ahyp="http://schemas.microsoft.com/office/drawing/2018/hyperlinkcolor">
+<p:sld xmlns:a="http://schemas.openxmlformats.org/drawingml/2006/main" xmlns:r="http://schemas.openxmlformats.org/officeDocument/2006/relationships" xmlns:p="http://schemas.openxmlformats.org/presentationml/2006/main">
   <p:cSld>
     <p:spTree>
       <p:nvGrpSpPr>
-        <p:cNvPr id="153" name="Shape 153"/>
+        <p:cNvPr id="1" name="Shape 153"/>
         <p:cNvGrpSpPr/>
         <p:nvPr/>
       </p:nvGrpSpPr>
@@ -7972,14 +8058,16 @@
       <p:sp>
         <p:nvSpPr>
           <p:cNvPr id="154" name="Google Shape;154;p25"/>
-          <p:cNvSpPr txBox="1"/>
+          <p:cNvSpPr txBox="1">
+            <a:spLocks noGrp="1"/>
+          </p:cNvSpPr>
           <p:nvPr>
             <p:ph type="title"/>
           </p:nvPr>
         </p:nvSpPr>
         <p:spPr>
           <a:xfrm>
-            <a:off x="311700" y="593367"/>
+            <a:off x="1835700" y="593367"/>
             <a:ext cx="8520600" cy="763500"/>
           </a:xfrm>
           <a:prstGeom prst="rect">
@@ -7987,22 +8075,13 @@
           </a:prstGeom>
         </p:spPr>
         <p:txBody>
-          <a:bodyPr anchorCtr="0" anchor="t" bIns="91425" lIns="91425" spcFirstLastPara="1" rIns="91425" wrap="square" tIns="91425">
+          <a:bodyPr spcFirstLastPara="1" wrap="square" lIns="91425" tIns="91425" rIns="91425" bIns="91425" anchor="t" anchorCtr="0">
             <a:normAutofit/>
           </a:bodyPr>
           <a:lstStyle/>
           <a:p>
-            <a:pPr indent="0" lvl="0" marL="0" rtl="0" algn="l">
-              <a:spcBef>
-                <a:spcPts val="0"/>
-              </a:spcBef>
-              <a:spcAft>
-                <a:spcPts val="0"/>
-              </a:spcAft>
-              <a:buNone/>
-            </a:pPr>
             <a:r>
-              <a:rPr b="1" lang="en"/>
+              <a:rPr lang="en" b="1"/>
               <a:t>While문과 continue</a:t>
             </a:r>
             <a:endParaRPr b="1"/>
@@ -8012,14 +8091,16 @@
       <p:sp>
         <p:nvSpPr>
           <p:cNvPr id="155" name="Google Shape;155;p25"/>
-          <p:cNvSpPr txBox="1"/>
+          <p:cNvSpPr txBox="1">
+            <a:spLocks noGrp="1"/>
+          </p:cNvSpPr>
           <p:nvPr>
-            <p:ph idx="1" type="body"/>
+            <p:ph type="body" idx="1"/>
           </p:nvPr>
         </p:nvSpPr>
         <p:spPr>
           <a:xfrm>
-            <a:off x="311700" y="1536633"/>
+            <a:off x="1835700" y="1536633"/>
             <a:ext cx="8520600" cy="4555200"/>
           </a:xfrm>
           <a:prstGeom prst="rect">
@@ -8027,23 +8108,17 @@
           </a:prstGeom>
         </p:spPr>
         <p:txBody>
-          <a:bodyPr anchorCtr="0" anchor="t" bIns="91425" lIns="91425" spcFirstLastPara="1" rIns="91425" wrap="square" tIns="91425">
+          <a:bodyPr spcFirstLastPara="1" wrap="square" lIns="91425" tIns="91425" rIns="91425" bIns="91425" anchor="t" anchorCtr="0">
             <a:normAutofit/>
           </a:bodyPr>
           <a:lstStyle/>
           <a:p>
-            <a:pPr indent="0" lvl="0" marL="0" rtl="0" algn="l">
-              <a:spcBef>
-                <a:spcPts val="0"/>
-              </a:spcBef>
+            <a:pPr marL="0" indent="0">
               <a:spcAft>
                 <a:spcPts val="1200"/>
               </a:spcAft>
               <a:buNone/>
             </a:pPr>
-            <a:r>
-              <a:t/>
-            </a:r>
             <a:endParaRPr/>
           </a:p>
         </p:txBody>
@@ -8057,11 +8132,11 @@
 </file>
 
 <file path=ppt/slides/slide14.xml><?xml version="1.0" encoding="utf-8"?>
-<p:sld xmlns:a="http://schemas.openxmlformats.org/drawingml/2006/main" xmlns:r="http://schemas.openxmlformats.org/officeDocument/2006/relationships" xmlns:mc="http://schemas.openxmlformats.org/markup-compatibility/2006" xmlns:mv="urn:schemas-microsoft-com:mac:vml" xmlns:p="http://schemas.openxmlformats.org/presentationml/2006/main" xmlns:c="http://schemas.openxmlformats.org/drawingml/2006/chart" xmlns:dgm="http://schemas.openxmlformats.org/drawingml/2006/diagram" xmlns:o="urn:schemas-microsoft-com:office:office" xmlns:v="urn:schemas-microsoft-com:vml" xmlns:pvml="urn:schemas-microsoft-com:office:powerpoint" xmlns:com="http://schemas.openxmlformats.org/drawingml/2006/compatibility" xmlns:p14="http://schemas.microsoft.com/office/powerpoint/2010/main" xmlns:p15="http://schemas.microsoft.com/office/powerpoint/2012/main" xmlns:ahyp="http://schemas.microsoft.com/office/drawing/2018/hyperlinkcolor">
+<p:sld xmlns:a="http://schemas.openxmlformats.org/drawingml/2006/main" xmlns:r="http://schemas.openxmlformats.org/officeDocument/2006/relationships" xmlns:p="http://schemas.openxmlformats.org/presentationml/2006/main">
   <p:cSld>
     <p:spTree>
       <p:nvGrpSpPr>
-        <p:cNvPr id="159" name="Shape 159"/>
+        <p:cNvPr id="1" name="Shape 159"/>
         <p:cNvGrpSpPr/>
         <p:nvPr/>
       </p:nvGrpSpPr>
@@ -8076,14 +8151,16 @@
       <p:sp>
         <p:nvSpPr>
           <p:cNvPr id="160" name="Google Shape;160;p26"/>
-          <p:cNvSpPr txBox="1"/>
+          <p:cNvSpPr txBox="1">
+            <a:spLocks noGrp="1"/>
+          </p:cNvSpPr>
           <p:nvPr>
             <p:ph type="title"/>
           </p:nvPr>
         </p:nvSpPr>
         <p:spPr>
           <a:xfrm>
-            <a:off x="311700" y="593367"/>
+            <a:off x="1835700" y="593367"/>
             <a:ext cx="8520600" cy="763500"/>
           </a:xfrm>
           <a:prstGeom prst="rect">
@@ -8091,22 +8168,13 @@
           </a:prstGeom>
         </p:spPr>
         <p:txBody>
-          <a:bodyPr anchorCtr="0" anchor="t" bIns="91425" lIns="91425" spcFirstLastPara="1" rIns="91425" wrap="square" tIns="91425">
+          <a:bodyPr spcFirstLastPara="1" wrap="square" lIns="91425" tIns="91425" rIns="91425" bIns="91425" anchor="t" anchorCtr="0">
             <a:normAutofit/>
           </a:bodyPr>
           <a:lstStyle/>
           <a:p>
-            <a:pPr indent="0" lvl="0" marL="0" rtl="0" algn="l">
-              <a:spcBef>
-                <a:spcPts val="0"/>
-              </a:spcBef>
-              <a:spcAft>
-                <a:spcPts val="0"/>
-              </a:spcAft>
-              <a:buNone/>
-            </a:pPr>
             <a:r>
-              <a:rPr b="1" lang="en"/>
+              <a:rPr lang="en" b="1"/>
               <a:t>무한반복 while</a:t>
             </a:r>
             <a:endParaRPr b="1"/>
@@ -8116,14 +8184,16 @@
       <p:sp>
         <p:nvSpPr>
           <p:cNvPr id="161" name="Google Shape;161;p26"/>
-          <p:cNvSpPr txBox="1"/>
+          <p:cNvSpPr txBox="1">
+            <a:spLocks noGrp="1"/>
+          </p:cNvSpPr>
           <p:nvPr>
-            <p:ph idx="1" type="body"/>
+            <p:ph type="body" idx="1"/>
           </p:nvPr>
         </p:nvSpPr>
         <p:spPr>
           <a:xfrm>
-            <a:off x="311700" y="1536633"/>
+            <a:off x="1835700" y="1536633"/>
             <a:ext cx="8520600" cy="4555200"/>
           </a:xfrm>
           <a:prstGeom prst="rect">
@@ -8131,21 +8201,11 @@
           </a:prstGeom>
         </p:spPr>
         <p:txBody>
-          <a:bodyPr anchorCtr="0" anchor="t" bIns="91425" lIns="91425" spcFirstLastPara="1" rIns="91425" wrap="square" tIns="91425">
+          <a:bodyPr spcFirstLastPara="1" wrap="square" lIns="91425" tIns="91425" rIns="91425" bIns="91425" anchor="t" anchorCtr="0">
             <a:normAutofit/>
           </a:bodyPr>
           <a:lstStyle/>
           <a:p>
-            <a:pPr indent="-342900" lvl="0" marL="457200" rtl="0" algn="l">
-              <a:spcBef>
-                <a:spcPts val="0"/>
-              </a:spcBef>
-              <a:spcAft>
-                <a:spcPts val="0"/>
-              </a:spcAft>
-              <a:buSzPts val="1800"/>
-              <a:buChar char="●"/>
-            </a:pPr>
             <a:r>
               <a:rPr lang="en"/>
               <a:t>While문으로 무한반복을 구현할 수 있습니다.</a:t>
@@ -8153,75 +8213,46 @@
             <a:endParaRPr/>
           </a:p>
           <a:p>
-            <a:pPr indent="0" lvl="0" marL="457200" rtl="0" algn="l">
+            <a:pPr indent="0">
               <a:spcBef>
                 <a:spcPts val="1200"/>
               </a:spcBef>
-              <a:spcAft>
-                <a:spcPts val="0"/>
-              </a:spcAft>
               <a:buNone/>
             </a:pPr>
-            <a:r>
-              <a:t/>
-            </a:r>
             <a:endParaRPr/>
           </a:p>
           <a:p>
-            <a:pPr indent="0" lvl="0" marL="457200" rtl="0" algn="l">
+            <a:pPr indent="0">
               <a:spcBef>
                 <a:spcPts val="1200"/>
               </a:spcBef>
-              <a:spcAft>
-                <a:spcPts val="0"/>
-              </a:spcAft>
               <a:buNone/>
             </a:pPr>
-            <a:r>
-              <a:t/>
-            </a:r>
             <a:endParaRPr/>
           </a:p>
           <a:p>
-            <a:pPr indent="0" lvl="0" marL="457200" rtl="0" algn="l">
+            <a:pPr indent="0">
               <a:spcBef>
                 <a:spcPts val="1200"/>
               </a:spcBef>
-              <a:spcAft>
-                <a:spcPts val="0"/>
-              </a:spcAft>
               <a:buNone/>
             </a:pPr>
-            <a:r>
-              <a:t/>
-            </a:r>
             <a:endParaRPr/>
           </a:p>
           <a:p>
-            <a:pPr indent="0" lvl="0" marL="457200" rtl="0" algn="l">
+            <a:pPr indent="0">
               <a:spcBef>
                 <a:spcPts val="1200"/>
               </a:spcBef>
-              <a:spcAft>
-                <a:spcPts val="0"/>
-              </a:spcAft>
               <a:buNone/>
             </a:pPr>
-            <a:r>
-              <a:t/>
-            </a:r>
             <a:endParaRPr/>
           </a:p>
           <a:p>
-            <a:pPr indent="-342900" lvl="0" marL="457200" rtl="0" algn="l">
+            <a:pPr>
               <a:spcBef>
                 <a:spcPts val="1200"/>
               </a:spcBef>
-              <a:spcAft>
-                <a:spcPts val="0"/>
-              </a:spcAft>
-              <a:buSzPts val="1800"/>
-              <a:buChar char="●"/>
             </a:pPr>
             <a:r>
               <a:rPr lang="en"/>
@@ -8230,16 +8261,6 @@
             <a:endParaRPr/>
           </a:p>
           <a:p>
-            <a:pPr indent="-342900" lvl="0" marL="457200" rtl="0" algn="l">
-              <a:spcBef>
-                <a:spcPts val="0"/>
-              </a:spcBef>
-              <a:spcAft>
-                <a:spcPts val="0"/>
-              </a:spcAft>
-              <a:buSzPts val="1800"/>
-              <a:buChar char="●"/>
-            </a:pPr>
             <a:r>
               <a:rPr lang="en"/>
               <a:t>무한반복은 게임을 구현할 때 많이 사용이 됩니다. </a:t>
@@ -8247,16 +8268,6 @@
             <a:endParaRPr/>
           </a:p>
           <a:p>
-            <a:pPr indent="-342900" lvl="0" marL="457200" rtl="0" algn="l">
-              <a:spcBef>
-                <a:spcPts val="0"/>
-              </a:spcBef>
-              <a:spcAft>
-                <a:spcPts val="0"/>
-              </a:spcAft>
-              <a:buSzPts val="1800"/>
-              <a:buChar char="●"/>
-            </a:pPr>
             <a:r>
               <a:rPr lang="en"/>
               <a:t>무한 동작하고 있는 파이썬 코드를 정지시키려면 컨트롤키 + “C”를 입력합니다.  </a:t>
@@ -8264,7 +8275,7 @@
             <a:endParaRPr/>
           </a:p>
           <a:p>
-            <a:pPr indent="0" lvl="0" marL="457200" rtl="0" algn="l">
+            <a:pPr indent="0">
               <a:spcBef>
                 <a:spcPts val="1200"/>
               </a:spcBef>
@@ -8273,9 +8284,6 @@
               </a:spcAft>
               <a:buNone/>
             </a:pPr>
-            <a:r>
-              <a:t/>
-            </a:r>
             <a:endParaRPr/>
           </a:p>
         </p:txBody>
@@ -8296,7 +8304,7 @@
         </p:blipFill>
         <p:spPr>
           <a:xfrm>
-            <a:off x="548150" y="2109275"/>
+            <a:off x="2072150" y="2109275"/>
             <a:ext cx="6991350" cy="1276350"/>
           </a:xfrm>
           <a:prstGeom prst="rect">
@@ -8317,11 +8325,11 @@
 </file>
 
 <file path=ppt/slides/slide15.xml><?xml version="1.0" encoding="utf-8"?>
-<p:sld xmlns:a="http://schemas.openxmlformats.org/drawingml/2006/main" xmlns:r="http://schemas.openxmlformats.org/officeDocument/2006/relationships" xmlns:mc="http://schemas.openxmlformats.org/markup-compatibility/2006" xmlns:mv="urn:schemas-microsoft-com:mac:vml" xmlns:p="http://schemas.openxmlformats.org/presentationml/2006/main" xmlns:c="http://schemas.openxmlformats.org/drawingml/2006/chart" xmlns:dgm="http://schemas.openxmlformats.org/drawingml/2006/diagram" xmlns:o="urn:schemas-microsoft-com:office:office" xmlns:v="urn:schemas-microsoft-com:vml" xmlns:pvml="urn:schemas-microsoft-com:office:powerpoint" xmlns:com="http://schemas.openxmlformats.org/drawingml/2006/compatibility" xmlns:p14="http://schemas.microsoft.com/office/powerpoint/2010/main" xmlns:p15="http://schemas.microsoft.com/office/powerpoint/2012/main" xmlns:ahyp="http://schemas.microsoft.com/office/drawing/2018/hyperlinkcolor">
+<p:sld xmlns:a="http://schemas.openxmlformats.org/drawingml/2006/main" xmlns:r="http://schemas.openxmlformats.org/officeDocument/2006/relationships" xmlns:p="http://schemas.openxmlformats.org/presentationml/2006/main">
   <p:cSld>
     <p:spTree>
       <p:nvGrpSpPr>
-        <p:cNvPr id="166" name="Shape 166"/>
+        <p:cNvPr id="1" name="Shape 166"/>
         <p:cNvGrpSpPr/>
         <p:nvPr/>
       </p:nvGrpSpPr>
@@ -8336,14 +8344,16 @@
       <p:sp>
         <p:nvSpPr>
           <p:cNvPr id="167" name="Google Shape;167;p27"/>
-          <p:cNvSpPr txBox="1"/>
+          <p:cNvSpPr txBox="1">
+            <a:spLocks noGrp="1"/>
+          </p:cNvSpPr>
           <p:nvPr>
             <p:ph type="title"/>
           </p:nvPr>
         </p:nvSpPr>
         <p:spPr>
           <a:xfrm>
-            <a:off x="311700" y="593367"/>
+            <a:off x="1835700" y="593367"/>
             <a:ext cx="8520600" cy="763500"/>
           </a:xfrm>
           <a:prstGeom prst="rect">
@@ -8351,22 +8361,13 @@
           </a:prstGeom>
         </p:spPr>
         <p:txBody>
-          <a:bodyPr anchorCtr="0" anchor="t" bIns="91425" lIns="91425" spcFirstLastPara="1" rIns="91425" wrap="square" tIns="91425">
+          <a:bodyPr spcFirstLastPara="1" wrap="square" lIns="91425" tIns="91425" rIns="91425" bIns="91425" anchor="t" anchorCtr="0">
             <a:normAutofit/>
           </a:bodyPr>
           <a:lstStyle/>
           <a:p>
-            <a:pPr indent="0" lvl="0" marL="0" rtl="0" algn="l">
-              <a:spcBef>
-                <a:spcPts val="0"/>
-              </a:spcBef>
-              <a:spcAft>
-                <a:spcPts val="0"/>
-              </a:spcAft>
-              <a:buNone/>
-            </a:pPr>
             <a:r>
-              <a:rPr b="1" lang="en"/>
+              <a:rPr lang="en" b="1"/>
               <a:t>While문 퀴즈 </a:t>
             </a:r>
             <a:endParaRPr b="1"/>
@@ -8376,14 +8377,16 @@
       <p:sp>
         <p:nvSpPr>
           <p:cNvPr id="168" name="Google Shape;168;p27"/>
-          <p:cNvSpPr txBox="1"/>
+          <p:cNvSpPr txBox="1">
+            <a:spLocks noGrp="1"/>
+          </p:cNvSpPr>
           <p:nvPr>
-            <p:ph idx="1" type="body"/>
+            <p:ph type="body" idx="1"/>
           </p:nvPr>
         </p:nvSpPr>
         <p:spPr>
           <a:xfrm>
-            <a:off x="311700" y="1536633"/>
+            <a:off x="1835700" y="1536633"/>
             <a:ext cx="8520600" cy="4555200"/>
           </a:xfrm>
           <a:prstGeom prst="rect">
@@ -8391,21 +8394,11 @@
           </a:prstGeom>
         </p:spPr>
         <p:txBody>
-          <a:bodyPr anchorCtr="0" anchor="t" bIns="91425" lIns="91425" spcFirstLastPara="1" rIns="91425" wrap="square" tIns="91425">
+          <a:bodyPr spcFirstLastPara="1" wrap="square" lIns="91425" tIns="91425" rIns="91425" bIns="91425" anchor="t" anchorCtr="0">
             <a:normAutofit/>
           </a:bodyPr>
           <a:lstStyle/>
           <a:p>
-            <a:pPr indent="-342900" lvl="0" marL="457200" rtl="0" algn="l">
-              <a:spcBef>
-                <a:spcPts val="0"/>
-              </a:spcBef>
-              <a:spcAft>
-                <a:spcPts val="0"/>
-              </a:spcAft>
-              <a:buSzPts val="1800"/>
-              <a:buChar char="●"/>
-            </a:pPr>
             <a:r>
               <a:rPr lang="en"/>
               <a:t>숫자(1 ~ 10)를 입력받아서, 입력받은 숫자만큼 입력숫자를 반복 프린트 하세요. </a:t>
@@ -8413,16 +8406,6 @@
             <a:endParaRPr/>
           </a:p>
           <a:p>
-            <a:pPr indent="-342900" lvl="0" marL="457200" rtl="0" algn="l">
-              <a:spcBef>
-                <a:spcPts val="0"/>
-              </a:spcBef>
-              <a:spcAft>
-                <a:spcPts val="0"/>
-              </a:spcAft>
-              <a:buSzPts val="1800"/>
-              <a:buChar char="●"/>
-            </a:pPr>
             <a:r>
               <a:rPr lang="en"/>
               <a:t>숫자(1 ~ 10)를 입력받아서, 제곱을 구해서 프린트 하세요. ‘11’를 입력하기 전까지는 동작이 멈추지 않고 계속 동작하도록 코딩해 보세요. </a:t>
@@ -8440,11 +8423,11 @@
 </file>
 
 <file path=ppt/slides/slide2.xml><?xml version="1.0" encoding="utf-8"?>
-<p:sld xmlns:a="http://schemas.openxmlformats.org/drawingml/2006/main" xmlns:r="http://schemas.openxmlformats.org/officeDocument/2006/relationships" xmlns:mc="http://schemas.openxmlformats.org/markup-compatibility/2006" xmlns:mv="urn:schemas-microsoft-com:mac:vml" xmlns:p="http://schemas.openxmlformats.org/presentationml/2006/main" xmlns:c="http://schemas.openxmlformats.org/drawingml/2006/chart" xmlns:dgm="http://schemas.openxmlformats.org/drawingml/2006/diagram" xmlns:o="urn:schemas-microsoft-com:office:office" xmlns:v="urn:schemas-microsoft-com:vml" xmlns:pvml="urn:schemas-microsoft-com:office:powerpoint" xmlns:com="http://schemas.openxmlformats.org/drawingml/2006/compatibility" xmlns:p14="http://schemas.microsoft.com/office/powerpoint/2010/main" xmlns:p15="http://schemas.microsoft.com/office/powerpoint/2012/main" xmlns:ahyp="http://schemas.microsoft.com/office/drawing/2018/hyperlinkcolor">
+<p:sld xmlns:a="http://schemas.openxmlformats.org/drawingml/2006/main" xmlns:r="http://schemas.openxmlformats.org/officeDocument/2006/relationships" xmlns:p="http://schemas.openxmlformats.org/presentationml/2006/main">
   <p:cSld>
     <p:spTree>
       <p:nvGrpSpPr>
-        <p:cNvPr id="59" name="Shape 59"/>
+        <p:cNvPr id="1" name="Shape 59"/>
         <p:cNvGrpSpPr/>
         <p:nvPr/>
       </p:nvGrpSpPr>
@@ -8459,14 +8442,16 @@
       <p:sp>
         <p:nvSpPr>
           <p:cNvPr id="60" name="Google Shape;60;p14"/>
-          <p:cNvSpPr txBox="1"/>
+          <p:cNvSpPr txBox="1">
+            <a:spLocks noGrp="1"/>
+          </p:cNvSpPr>
           <p:nvPr>
             <p:ph type="title"/>
           </p:nvPr>
         </p:nvSpPr>
         <p:spPr>
           <a:xfrm>
-            <a:off x="311700" y="593367"/>
+            <a:off x="1835700" y="593367"/>
             <a:ext cx="8520600" cy="763500"/>
           </a:xfrm>
           <a:prstGeom prst="rect">
@@ -8474,22 +8459,13 @@
           </a:prstGeom>
         </p:spPr>
         <p:txBody>
-          <a:bodyPr anchorCtr="0" anchor="t" bIns="91425" lIns="91425" spcFirstLastPara="1" rIns="91425" wrap="square" tIns="91425">
+          <a:bodyPr spcFirstLastPara="1" wrap="square" lIns="91425" tIns="91425" rIns="91425" bIns="91425" anchor="t" anchorCtr="0">
             <a:normAutofit/>
           </a:bodyPr>
           <a:lstStyle/>
           <a:p>
-            <a:pPr indent="0" lvl="0" marL="0" rtl="0" algn="l">
-              <a:spcBef>
-                <a:spcPts val="0"/>
-              </a:spcBef>
-              <a:spcAft>
-                <a:spcPts val="0"/>
-              </a:spcAft>
-              <a:buNone/>
-            </a:pPr>
             <a:r>
-              <a:rPr b="1" lang="en"/>
+              <a:rPr lang="en" b="1"/>
               <a:t>파이썬 코드의 반복구조  </a:t>
             </a:r>
             <a:endParaRPr b="1"/>
@@ -8499,14 +8475,16 @@
       <p:sp>
         <p:nvSpPr>
           <p:cNvPr id="61" name="Google Shape;61;p14"/>
-          <p:cNvSpPr txBox="1"/>
+          <p:cNvSpPr txBox="1">
+            <a:spLocks noGrp="1"/>
+          </p:cNvSpPr>
           <p:nvPr>
-            <p:ph idx="1" type="body"/>
+            <p:ph type="body" idx="1"/>
           </p:nvPr>
         </p:nvSpPr>
         <p:spPr>
           <a:xfrm>
-            <a:off x="311700" y="3623826"/>
+            <a:off x="1835700" y="3623826"/>
             <a:ext cx="8520600" cy="1641000"/>
           </a:xfrm>
           <a:prstGeom prst="rect">
@@ -8514,21 +8492,11 @@
           </a:prstGeom>
         </p:spPr>
         <p:txBody>
-          <a:bodyPr anchorCtr="0" anchor="t" bIns="91425" lIns="91425" spcFirstLastPara="1" rIns="91425" wrap="square" tIns="91425">
+          <a:bodyPr spcFirstLastPara="1" wrap="square" lIns="91425" tIns="91425" rIns="91425" bIns="91425" anchor="t" anchorCtr="0">
             <a:normAutofit/>
           </a:bodyPr>
           <a:lstStyle/>
           <a:p>
-            <a:pPr indent="-342900" lvl="0" marL="457200" rtl="0" algn="l">
-              <a:spcBef>
-                <a:spcPts val="0"/>
-              </a:spcBef>
-              <a:spcAft>
-                <a:spcPts val="0"/>
-              </a:spcAft>
-              <a:buSzPts val="1800"/>
-              <a:buChar char="●"/>
-            </a:pPr>
             <a:r>
               <a:rPr lang="en"/>
               <a:t>파이썬에서 for문은 반복구조 입니다. </a:t>
@@ -8536,16 +8504,6 @@
             <a:endParaRPr/>
           </a:p>
           <a:p>
-            <a:pPr indent="-342900" lvl="0" marL="457200" rtl="0" algn="l">
-              <a:spcBef>
-                <a:spcPts val="0"/>
-              </a:spcBef>
-              <a:spcAft>
-                <a:spcPts val="0"/>
-              </a:spcAft>
-              <a:buSzPts val="1800"/>
-              <a:buChar char="●"/>
-            </a:pPr>
             <a:r>
               <a:rPr lang="en"/>
               <a:t>즉 파이썬 for문은 일정한 코드를 반복하도록 해 줍니다.</a:t>
@@ -8553,16 +8511,6 @@
             <a:endParaRPr/>
           </a:p>
           <a:p>
-            <a:pPr indent="-342900" lvl="0" marL="457200" rtl="0" algn="l">
-              <a:spcBef>
-                <a:spcPts val="0"/>
-              </a:spcBef>
-              <a:spcAft>
-                <a:spcPts val="0"/>
-              </a:spcAft>
-              <a:buSzPts val="1800"/>
-              <a:buChar char="●"/>
-            </a:pPr>
             <a:r>
               <a:rPr lang="en"/>
               <a:t>스크래치의 다음 블럭과 비슷한 일을 합니다.  </a:t>
@@ -8587,7 +8535,7 @@
         </p:blipFill>
         <p:spPr>
           <a:xfrm>
-            <a:off x="1796625" y="1432592"/>
+            <a:off x="3320625" y="1432593"/>
             <a:ext cx="5317534" cy="1962163"/>
           </a:xfrm>
           <a:prstGeom prst="rect">
@@ -8615,7 +8563,7 @@
         </p:blipFill>
         <p:spPr>
           <a:xfrm>
-            <a:off x="3440825" y="5161651"/>
+            <a:off x="4964826" y="5161651"/>
             <a:ext cx="2119583" cy="1288374"/>
           </a:xfrm>
           <a:prstGeom prst="rect">
@@ -8636,11 +8584,11 @@
 </file>
 
 <file path=ppt/slides/slide3.xml><?xml version="1.0" encoding="utf-8"?>
-<p:sld xmlns:a="http://schemas.openxmlformats.org/drawingml/2006/main" xmlns:r="http://schemas.openxmlformats.org/officeDocument/2006/relationships" xmlns:mc="http://schemas.openxmlformats.org/markup-compatibility/2006" xmlns:mv="urn:schemas-microsoft-com:mac:vml" xmlns:p="http://schemas.openxmlformats.org/presentationml/2006/main" xmlns:c="http://schemas.openxmlformats.org/drawingml/2006/chart" xmlns:dgm="http://schemas.openxmlformats.org/drawingml/2006/diagram" xmlns:o="urn:schemas-microsoft-com:office:office" xmlns:v="urn:schemas-microsoft-com:vml" xmlns:pvml="urn:schemas-microsoft-com:office:powerpoint" xmlns:com="http://schemas.openxmlformats.org/drawingml/2006/compatibility" xmlns:p14="http://schemas.microsoft.com/office/powerpoint/2010/main" xmlns:p15="http://schemas.microsoft.com/office/powerpoint/2012/main" xmlns:ahyp="http://schemas.microsoft.com/office/drawing/2018/hyperlinkcolor">
+<p:sld xmlns:a="http://schemas.openxmlformats.org/drawingml/2006/main" xmlns:r="http://schemas.openxmlformats.org/officeDocument/2006/relationships" xmlns:p="http://schemas.openxmlformats.org/presentationml/2006/main">
   <p:cSld>
     <p:spTree>
       <p:nvGrpSpPr>
-        <p:cNvPr id="67" name="Shape 67"/>
+        <p:cNvPr id="1" name="Shape 67"/>
         <p:cNvGrpSpPr/>
         <p:nvPr/>
       </p:nvGrpSpPr>
@@ -8668,7 +8616,7 @@
         </p:blipFill>
         <p:spPr>
           <a:xfrm>
-            <a:off x="2299250" y="4314161"/>
+            <a:off x="3823250" y="4314162"/>
             <a:ext cx="3905250" cy="1343025"/>
           </a:xfrm>
           <a:prstGeom prst="rect">
@@ -8683,14 +8631,16 @@
       <p:sp>
         <p:nvSpPr>
           <p:cNvPr id="69" name="Google Shape;69;p15"/>
-          <p:cNvSpPr txBox="1"/>
+          <p:cNvSpPr txBox="1">
+            <a:spLocks noGrp="1"/>
+          </p:cNvSpPr>
           <p:nvPr>
             <p:ph type="title"/>
           </p:nvPr>
         </p:nvSpPr>
         <p:spPr>
           <a:xfrm>
-            <a:off x="311700" y="593367"/>
+            <a:off x="1835700" y="593367"/>
             <a:ext cx="8520600" cy="763500"/>
           </a:xfrm>
           <a:prstGeom prst="rect">
@@ -8698,22 +8648,13 @@
           </a:prstGeom>
         </p:spPr>
         <p:txBody>
-          <a:bodyPr anchorCtr="0" anchor="t" bIns="91425" lIns="91425" spcFirstLastPara="1" rIns="91425" wrap="square" tIns="91425">
+          <a:bodyPr spcFirstLastPara="1" wrap="square" lIns="91425" tIns="91425" rIns="91425" bIns="91425" anchor="t" anchorCtr="0">
             <a:normAutofit/>
           </a:bodyPr>
           <a:lstStyle/>
           <a:p>
-            <a:pPr indent="0" lvl="0" marL="0" rtl="0" algn="l">
-              <a:spcBef>
-                <a:spcPts val="0"/>
-              </a:spcBef>
-              <a:spcAft>
-                <a:spcPts val="0"/>
-              </a:spcAft>
-              <a:buNone/>
-            </a:pPr>
             <a:r>
-              <a:rPr b="1" lang="en"/>
+              <a:rPr lang="en" b="1"/>
               <a:t>For문의 구조 </a:t>
             </a:r>
             <a:endParaRPr b="1"/>
@@ -8723,14 +8664,16 @@
       <p:sp>
         <p:nvSpPr>
           <p:cNvPr id="70" name="Google Shape;70;p15"/>
-          <p:cNvSpPr txBox="1"/>
+          <p:cNvSpPr txBox="1">
+            <a:spLocks noGrp="1"/>
+          </p:cNvSpPr>
           <p:nvPr>
-            <p:ph idx="1" type="body"/>
+            <p:ph type="body" idx="1"/>
           </p:nvPr>
         </p:nvSpPr>
         <p:spPr>
           <a:xfrm>
-            <a:off x="311700" y="1536624"/>
+            <a:off x="1835700" y="1536624"/>
             <a:ext cx="8520600" cy="3353400"/>
           </a:xfrm>
           <a:prstGeom prst="rect">
@@ -8738,21 +8681,11 @@
           </a:prstGeom>
         </p:spPr>
         <p:txBody>
-          <a:bodyPr anchorCtr="0" anchor="t" bIns="91425" lIns="91425" spcFirstLastPara="1" rIns="91425" wrap="square" tIns="91425">
+          <a:bodyPr spcFirstLastPara="1" wrap="square" lIns="91425" tIns="91425" rIns="91425" bIns="91425" anchor="t" anchorCtr="0">
             <a:normAutofit/>
           </a:bodyPr>
           <a:lstStyle/>
           <a:p>
-            <a:pPr indent="-342900" lvl="0" marL="457200" rtl="0" algn="l">
-              <a:spcBef>
-                <a:spcPts val="0"/>
-              </a:spcBef>
-              <a:spcAft>
-                <a:spcPts val="0"/>
-              </a:spcAft>
-              <a:buSzPts val="1800"/>
-              <a:buChar char="●"/>
-            </a:pPr>
             <a:r>
               <a:rPr lang="en"/>
               <a:t>For문은 다음과 같이 만들 수 있습니다. </a:t>
@@ -8760,103 +8693,91 @@
             <a:endParaRPr/>
           </a:p>
           <a:p>
-            <a:pPr indent="0" lvl="0" marL="457200" rtl="0" algn="l">
+            <a:pPr indent="0">
               <a:spcBef>
                 <a:spcPts val="1200"/>
               </a:spcBef>
-              <a:spcAft>
-                <a:spcPts val="0"/>
-              </a:spcAft>
               <a:buNone/>
             </a:pPr>
             <a:r>
-              <a:rPr b="1" lang="en" sz="1350">
+              <a:rPr lang="en" sz="1350" b="1">
                 <a:solidFill>
                   <a:srgbClr val="0000FF"/>
                 </a:solidFill>
               </a:rPr>
               <a:t>for 변수 in 리스트(또는 튜플, 문자열):</a:t>
             </a:r>
-            <a:endParaRPr b="1" sz="1350">
+            <a:endParaRPr sz="1350" b="1">
               <a:solidFill>
                 <a:srgbClr val="0000FF"/>
               </a:solidFill>
             </a:endParaRPr>
           </a:p>
           <a:p>
-            <a:pPr indent="0" lvl="0" marL="457200" rtl="0" algn="l">
+            <a:pPr indent="0">
               <a:spcBef>
                 <a:spcPts val="1200"/>
               </a:spcBef>
-              <a:spcAft>
-                <a:spcPts val="0"/>
-              </a:spcAft>
               <a:buNone/>
             </a:pPr>
             <a:r>
-              <a:rPr b="1" lang="en" sz="1350">
+              <a:rPr lang="en" sz="1350" b="1">
                 <a:solidFill>
                   <a:srgbClr val="0000FF"/>
                 </a:solidFill>
               </a:rPr>
               <a:t>      수행할 문장1</a:t>
             </a:r>
-            <a:endParaRPr b="1" sz="1350">
+            <a:endParaRPr sz="1350" b="1">
               <a:solidFill>
                 <a:srgbClr val="0000FF"/>
               </a:solidFill>
             </a:endParaRPr>
           </a:p>
           <a:p>
-            <a:pPr indent="0" lvl="0" marL="457200" rtl="0" algn="l">
+            <a:pPr indent="0">
               <a:spcBef>
                 <a:spcPts val="1200"/>
               </a:spcBef>
-              <a:spcAft>
-                <a:spcPts val="0"/>
-              </a:spcAft>
               <a:buNone/>
             </a:pPr>
             <a:r>
-              <a:rPr b="1" lang="en" sz="1350">
+              <a:rPr lang="en" sz="1350" b="1">
                 <a:solidFill>
                   <a:srgbClr val="0000FF"/>
                 </a:solidFill>
               </a:rPr>
               <a:t>      수행할 문장2</a:t>
             </a:r>
-            <a:endParaRPr b="1" sz="1350">
+            <a:endParaRPr sz="1350" b="1">
               <a:solidFill>
                 <a:srgbClr val="0000FF"/>
               </a:solidFill>
             </a:endParaRPr>
           </a:p>
           <a:p>
-            <a:pPr indent="0" lvl="0" marL="457200" rtl="0" algn="l">
+            <a:pPr indent="0">
               <a:spcBef>
                 <a:spcPts val="1200"/>
               </a:spcBef>
-              <a:spcAft>
-                <a:spcPts val="0"/>
-              </a:spcAft>
               <a:buNone/>
             </a:pPr>
             <a:r>
-              <a:rPr b="1" lang="en" sz="1350">
+              <a:rPr lang="en" sz="1350" b="1">
                 <a:solidFill>
                   <a:srgbClr val="0000FF"/>
                 </a:solidFill>
               </a:rPr>
               <a:t>      …</a:t>
             </a:r>
-            <a:endParaRPr b="1" sz="1350">
+            <a:endParaRPr sz="1350" b="1">
               <a:solidFill>
                 <a:srgbClr val="0000FF"/>
               </a:solidFill>
             </a:endParaRPr>
           </a:p>
           <a:p>
-            <a:pPr indent="0" lvl="0" marL="0" rtl="0" algn="l">
+            <a:pPr marL="0" indent="0">
               <a:spcBef>
                 <a:spcPts val="1200"/>
               </a:spcBef>
@@ -8865,9 +8786,6 @@
               </a:spcAft>
               <a:buNone/>
             </a:pPr>
-            <a:r>
-              <a:t/>
-            </a:r>
             <a:endParaRPr>
               <a:solidFill>
                 <a:schemeClr val="dk1"/>
@@ -8884,21 +8802,21 @@
         </p:nvCxnSpPr>
         <p:spPr>
           <a:xfrm flipH="1">
-            <a:off x="5835625" y="4387425"/>
+            <a:off x="7359625" y="4387425"/>
             <a:ext cx="681600" cy="119400"/>
           </a:xfrm>
           <a:prstGeom prst="straightConnector1">
             <a:avLst/>
           </a:prstGeom>
           <a:noFill/>
-          <a:ln cap="flat" cmpd="sng" w="9525">
+          <a:ln w="9525" cap="flat" cmpd="sng">
             <a:solidFill>
               <a:schemeClr val="dk2"/>
             </a:solidFill>
             <a:prstDash val="solid"/>
             <a:round/>
-            <a:headEnd len="med" w="med" type="none"/>
-            <a:tailEnd len="med" w="med" type="triangle"/>
+            <a:headEnd type="none" w="med" len="med"/>
+            <a:tailEnd type="triangle" w="med" len="med"/>
           </a:ln>
         </p:spPr>
       </p:cxnSp>
@@ -8910,7 +8828,7 @@
         </p:nvSpPr>
         <p:spPr>
           <a:xfrm>
-            <a:off x="6517225" y="4175375"/>
+            <a:off x="8041225" y="4175375"/>
             <a:ext cx="1695600" cy="400200"/>
           </a:xfrm>
           <a:prstGeom prst="rect">
@@ -8922,20 +8840,11 @@
           </a:ln>
         </p:spPr>
         <p:txBody>
-          <a:bodyPr anchorCtr="0" anchor="t" bIns="91425" lIns="91425" spcFirstLastPara="1" rIns="91425" wrap="square" tIns="91425">
+          <a:bodyPr spcFirstLastPara="1" wrap="square" lIns="91425" tIns="91425" rIns="91425" bIns="91425" anchor="t" anchorCtr="0">
             <a:spAutoFit/>
           </a:bodyPr>
           <a:lstStyle/>
           <a:p>
-            <a:pPr indent="0" lvl="0" marL="0" rtl="0" algn="l">
-              <a:spcBef>
-                <a:spcPts val="0"/>
-              </a:spcBef>
-              <a:spcAft>
-                <a:spcPts val="0"/>
-              </a:spcAft>
-              <a:buNone/>
-            </a:pPr>
             <a:r>
               <a:rPr lang="en"/>
               <a:t>콜론으로 마무리</a:t>
@@ -8954,21 +8863,21 @@
         </p:nvCxnSpPr>
         <p:spPr>
           <a:xfrm>
-            <a:off x="2299250" y="4980286"/>
+            <a:off x="3823250" y="4980286"/>
             <a:ext cx="386700" cy="10800"/>
           </a:xfrm>
           <a:prstGeom prst="straightConnector1">
             <a:avLst/>
           </a:prstGeom>
           <a:noFill/>
-          <a:ln cap="flat" cmpd="sng" w="19050">
+          <a:ln w="19050" cap="flat" cmpd="sng">
             <a:solidFill>
               <a:srgbClr val="0000FF"/>
             </a:solidFill>
             <a:prstDash val="solid"/>
             <a:round/>
-            <a:headEnd len="med" w="med" type="triangle"/>
-            <a:tailEnd len="med" w="med" type="triangle"/>
+            <a:headEnd type="triangle" w="med" len="med"/>
+            <a:tailEnd type="triangle" w="med" len="med"/>
           </a:ln>
         </p:spPr>
       </p:cxnSp>
@@ -8979,22 +8888,22 @@
           <p:nvPr/>
         </p:nvCxnSpPr>
         <p:spPr>
-          <a:xfrm flipH="1" rot="10800000">
-            <a:off x="2247900" y="5086275"/>
+          <a:xfrm rot="10800000" flipH="1">
+            <a:off x="3771900" y="5086275"/>
             <a:ext cx="171600" cy="238200"/>
           </a:xfrm>
           <a:prstGeom prst="straightConnector1">
             <a:avLst/>
           </a:prstGeom>
           <a:noFill/>
-          <a:ln cap="flat" cmpd="sng" w="9525">
+          <a:ln w="9525" cap="flat" cmpd="sng">
             <a:solidFill>
               <a:srgbClr val="595959"/>
             </a:solidFill>
             <a:prstDash val="solid"/>
             <a:round/>
-            <a:headEnd len="med" w="med" type="none"/>
-            <a:tailEnd len="med" w="med" type="triangle"/>
+            <a:headEnd type="none" w="med" len="med"/>
+            <a:tailEnd type="triangle" w="med" len="med"/>
           </a:ln>
         </p:spPr>
       </p:cxnSp>
@@ -9006,7 +8915,7 @@
         </p:nvSpPr>
         <p:spPr>
           <a:xfrm>
-            <a:off x="1752600" y="5305425"/>
+            <a:off x="3276600" y="5305425"/>
             <a:ext cx="1057200" cy="400200"/>
           </a:xfrm>
           <a:prstGeom prst="rect">
@@ -9018,20 +8927,11 @@
           </a:ln>
         </p:spPr>
         <p:txBody>
-          <a:bodyPr anchorCtr="0" anchor="t" bIns="91425" lIns="91425" spcFirstLastPara="1" rIns="91425" wrap="square" tIns="91425">
+          <a:bodyPr spcFirstLastPara="1" wrap="square" lIns="91425" tIns="91425" rIns="91425" bIns="91425" anchor="t" anchorCtr="0">
             <a:spAutoFit/>
           </a:bodyPr>
           <a:lstStyle/>
           <a:p>
-            <a:pPr indent="0" lvl="0" marL="0" rtl="0" algn="l">
-              <a:spcBef>
-                <a:spcPts val="0"/>
-              </a:spcBef>
-              <a:spcAft>
-                <a:spcPts val="0"/>
-              </a:spcAft>
-              <a:buNone/>
-            </a:pPr>
             <a:r>
               <a:rPr lang="en"/>
               <a:t>들여쓰기</a:t>
@@ -9048,21 +8948,21 @@
         </p:nvCxnSpPr>
         <p:spPr>
           <a:xfrm rot="10800000">
-            <a:off x="3933750" y="5276850"/>
+            <a:off x="5457750" y="5276850"/>
             <a:ext cx="352500" cy="762000"/>
           </a:xfrm>
           <a:prstGeom prst="straightConnector1">
             <a:avLst/>
           </a:prstGeom>
           <a:noFill/>
-          <a:ln cap="flat" cmpd="sng" w="9525">
+          <a:ln w="9525" cap="flat" cmpd="sng">
             <a:solidFill>
               <a:srgbClr val="595959"/>
             </a:solidFill>
             <a:prstDash val="solid"/>
             <a:round/>
-            <a:headEnd len="med" w="med" type="none"/>
-            <a:tailEnd len="med" w="med" type="triangle"/>
+            <a:headEnd type="none" w="med" len="med"/>
+            <a:tailEnd type="triangle" w="med" len="med"/>
           </a:ln>
         </p:spPr>
       </p:cxnSp>
@@ -9074,7 +8974,7 @@
         </p:nvSpPr>
         <p:spPr>
           <a:xfrm>
-            <a:off x="3962400" y="6067425"/>
+            <a:off x="5486400" y="6067425"/>
             <a:ext cx="3438600" cy="615600"/>
           </a:xfrm>
           <a:prstGeom prst="rect">
@@ -9086,20 +8986,11 @@
           </a:ln>
         </p:spPr>
         <p:txBody>
-          <a:bodyPr anchorCtr="0" anchor="t" bIns="91425" lIns="91425" spcFirstLastPara="1" rIns="91425" wrap="square" tIns="91425">
+          <a:bodyPr spcFirstLastPara="1" wrap="square" lIns="91425" tIns="91425" rIns="91425" bIns="91425" anchor="t" anchorCtr="0">
             <a:spAutoFit/>
           </a:bodyPr>
           <a:lstStyle/>
           <a:p>
-            <a:pPr indent="0" lvl="0" marL="0" rtl="0" algn="l">
-              <a:spcBef>
-                <a:spcPts val="0"/>
-              </a:spcBef>
-              <a:spcAft>
-                <a:spcPts val="0"/>
-              </a:spcAft>
-              <a:buNone/>
-            </a:pPr>
             <a:r>
               <a:rPr lang="en"/>
               <a:t>파이썬 코드, 파이썬 코드는</a:t>
@@ -9107,15 +8998,6 @@
             <a:endParaRPr/>
           </a:p>
           <a:p>
-            <a:pPr indent="0" lvl="0" marL="0" rtl="0" algn="l">
-              <a:spcBef>
-                <a:spcPts val="0"/>
-              </a:spcBef>
-              <a:spcAft>
-                <a:spcPts val="0"/>
-              </a:spcAft>
-              <a:buNone/>
-            </a:pPr>
             <a:r>
               <a:rPr lang="en"/>
               <a:t>여러개가 있어도 됩니다.  </a:t>
@@ -9133,11 +9015,11 @@
 </file>
 
 <file path=ppt/slides/slide4.xml><?xml version="1.0" encoding="utf-8"?>
-<p:sld xmlns:a="http://schemas.openxmlformats.org/drawingml/2006/main" xmlns:r="http://schemas.openxmlformats.org/officeDocument/2006/relationships" xmlns:mc="http://schemas.openxmlformats.org/markup-compatibility/2006" xmlns:mv="urn:schemas-microsoft-com:mac:vml" xmlns:p="http://schemas.openxmlformats.org/presentationml/2006/main" xmlns:c="http://schemas.openxmlformats.org/drawingml/2006/chart" xmlns:dgm="http://schemas.openxmlformats.org/drawingml/2006/diagram" xmlns:o="urn:schemas-microsoft-com:office:office" xmlns:v="urn:schemas-microsoft-com:vml" xmlns:pvml="urn:schemas-microsoft-com:office:powerpoint" xmlns:com="http://schemas.openxmlformats.org/drawingml/2006/compatibility" xmlns:p14="http://schemas.microsoft.com/office/powerpoint/2010/main" xmlns:p15="http://schemas.microsoft.com/office/powerpoint/2012/main" xmlns:ahyp="http://schemas.microsoft.com/office/drawing/2018/hyperlinkcolor">
+<p:sld xmlns:a="http://schemas.openxmlformats.org/drawingml/2006/main" xmlns:r="http://schemas.openxmlformats.org/officeDocument/2006/relationships" xmlns:p="http://schemas.openxmlformats.org/presentationml/2006/main">
   <p:cSld>
     <p:spTree>
       <p:nvGrpSpPr>
-        <p:cNvPr id="82" name="Shape 82"/>
+        <p:cNvPr id="1" name="Shape 82"/>
         <p:cNvGrpSpPr/>
         <p:nvPr/>
       </p:nvGrpSpPr>
@@ -9152,14 +9034,16 @@
       <p:sp>
         <p:nvSpPr>
           <p:cNvPr id="83" name="Google Shape;83;p16"/>
-          <p:cNvSpPr txBox="1"/>
+          <p:cNvSpPr txBox="1">
+            <a:spLocks noGrp="1"/>
+          </p:cNvSpPr>
           <p:nvPr>
             <p:ph type="title"/>
           </p:nvPr>
         </p:nvSpPr>
         <p:spPr>
           <a:xfrm>
-            <a:off x="311700" y="593367"/>
+            <a:off x="1835700" y="593367"/>
             <a:ext cx="8520600" cy="763500"/>
           </a:xfrm>
           <a:prstGeom prst="rect">
@@ -9167,20 +9051,11 @@
           </a:prstGeom>
         </p:spPr>
         <p:txBody>
-          <a:bodyPr anchorCtr="0" anchor="t" bIns="91425" lIns="91425" spcFirstLastPara="1" rIns="91425" wrap="square" tIns="91425">
+          <a:bodyPr spcFirstLastPara="1" wrap="square" lIns="91425" tIns="91425" rIns="91425" bIns="91425" anchor="t" anchorCtr="0">
             <a:normAutofit/>
           </a:bodyPr>
           <a:lstStyle/>
           <a:p>
-            <a:pPr indent="0" lvl="0" marL="0" rtl="0" algn="l">
-              <a:spcBef>
-                <a:spcPts val="0"/>
-              </a:spcBef>
-              <a:spcAft>
-                <a:spcPts val="0"/>
-              </a:spcAft>
-              <a:buNone/>
-            </a:pPr>
             <a:r>
               <a:rPr lang="en"/>
               <a:t>range() 함수 </a:t>
@@ -9192,14 +9067,16 @@
       <p:sp>
         <p:nvSpPr>
           <p:cNvPr id="84" name="Google Shape;84;p16"/>
-          <p:cNvSpPr txBox="1"/>
+          <p:cNvSpPr txBox="1">
+            <a:spLocks noGrp="1"/>
+          </p:cNvSpPr>
           <p:nvPr>
-            <p:ph idx="1" type="body"/>
+            <p:ph type="body" idx="1"/>
           </p:nvPr>
         </p:nvSpPr>
         <p:spPr>
           <a:xfrm>
-            <a:off x="311700" y="1536633"/>
+            <a:off x="1835700" y="1536633"/>
             <a:ext cx="8520600" cy="4555200"/>
           </a:xfrm>
           <a:prstGeom prst="rect">
@@ -9207,23 +9084,17 @@
           </a:prstGeom>
         </p:spPr>
         <p:txBody>
-          <a:bodyPr anchorCtr="0" anchor="t" bIns="91425" lIns="91425" spcFirstLastPara="1" rIns="91425" wrap="square" tIns="91425">
+          <a:bodyPr spcFirstLastPara="1" wrap="square" lIns="91425" tIns="91425" rIns="91425" bIns="91425" anchor="t" anchorCtr="0">
             <a:normAutofit/>
           </a:bodyPr>
           <a:lstStyle/>
           <a:p>
-            <a:pPr indent="0" lvl="0" marL="0" rtl="0" algn="l">
-              <a:spcBef>
-                <a:spcPts val="0"/>
-              </a:spcBef>
+            <a:pPr marL="0" indent="0">
               <a:spcAft>
                 <a:spcPts val="1200"/>
               </a:spcAft>
               <a:buNone/>
             </a:pPr>
-            <a:r>
-              <a:t/>
-            </a:r>
             <a:endParaRPr/>
           </a:p>
         </p:txBody>
@@ -9237,11 +9108,11 @@
 </file>
 
 <file path=ppt/slides/slide5.xml><?xml version="1.0" encoding="utf-8"?>
-<p:sld xmlns:a="http://schemas.openxmlformats.org/drawingml/2006/main" xmlns:r="http://schemas.openxmlformats.org/officeDocument/2006/relationships" xmlns:mc="http://schemas.openxmlformats.org/markup-compatibility/2006" xmlns:mv="urn:schemas-microsoft-com:mac:vml" xmlns:p="http://schemas.openxmlformats.org/presentationml/2006/main" xmlns:c="http://schemas.openxmlformats.org/drawingml/2006/chart" xmlns:dgm="http://schemas.openxmlformats.org/drawingml/2006/diagram" xmlns:o="urn:schemas-microsoft-com:office:office" xmlns:v="urn:schemas-microsoft-com:vml" xmlns:pvml="urn:schemas-microsoft-com:office:powerpoint" xmlns:com="http://schemas.openxmlformats.org/drawingml/2006/compatibility" xmlns:p14="http://schemas.microsoft.com/office/powerpoint/2010/main" xmlns:p15="http://schemas.microsoft.com/office/powerpoint/2012/main" xmlns:ahyp="http://schemas.microsoft.com/office/drawing/2018/hyperlinkcolor">
+<p:sld xmlns:a="http://schemas.openxmlformats.org/drawingml/2006/main" xmlns:r="http://schemas.openxmlformats.org/officeDocument/2006/relationships" xmlns:p="http://schemas.openxmlformats.org/presentationml/2006/main">
   <p:cSld>
     <p:spTree>
       <p:nvGrpSpPr>
-        <p:cNvPr id="88" name="Shape 88"/>
+        <p:cNvPr id="1" name="Shape 88"/>
         <p:cNvGrpSpPr/>
         <p:nvPr/>
       </p:nvGrpSpPr>
@@ -9256,14 +9127,16 @@
       <p:sp>
         <p:nvSpPr>
           <p:cNvPr id="89" name="Google Shape;89;p17"/>
-          <p:cNvSpPr txBox="1"/>
+          <p:cNvSpPr txBox="1">
+            <a:spLocks noGrp="1"/>
+          </p:cNvSpPr>
           <p:nvPr>
             <p:ph type="title"/>
           </p:nvPr>
         </p:nvSpPr>
         <p:spPr>
           <a:xfrm>
-            <a:off x="311700" y="593367"/>
+            <a:off x="1835700" y="593367"/>
             <a:ext cx="8520600" cy="763500"/>
           </a:xfrm>
           <a:prstGeom prst="rect">
@@ -9271,22 +9144,13 @@
           </a:prstGeom>
         </p:spPr>
         <p:txBody>
-          <a:bodyPr anchorCtr="0" anchor="t" bIns="91425" lIns="91425" spcFirstLastPara="1" rIns="91425" wrap="square" tIns="91425">
+          <a:bodyPr spcFirstLastPara="1" wrap="square" lIns="91425" tIns="91425" rIns="91425" bIns="91425" anchor="t" anchorCtr="0">
             <a:normAutofit/>
           </a:bodyPr>
           <a:lstStyle/>
           <a:p>
-            <a:pPr indent="0" lvl="0" marL="0" rtl="0" algn="l">
-              <a:spcBef>
-                <a:spcPts val="0"/>
-              </a:spcBef>
-              <a:spcAft>
-                <a:spcPts val="0"/>
-              </a:spcAft>
-              <a:buNone/>
-            </a:pPr>
             <a:r>
-              <a:rPr b="1" lang="en"/>
+              <a:rPr lang="en" b="1"/>
               <a:t>리스트변수와 for문 </a:t>
             </a:r>
             <a:endParaRPr b="1"/>
@@ -9296,14 +9160,16 @@
       <p:sp>
         <p:nvSpPr>
           <p:cNvPr id="90" name="Google Shape;90;p17"/>
-          <p:cNvSpPr txBox="1"/>
+          <p:cNvSpPr txBox="1">
+            <a:spLocks noGrp="1"/>
+          </p:cNvSpPr>
           <p:nvPr>
-            <p:ph idx="1" type="body"/>
+            <p:ph type="body" idx="1"/>
           </p:nvPr>
         </p:nvSpPr>
         <p:spPr>
           <a:xfrm>
-            <a:off x="311700" y="3296950"/>
+            <a:off x="1835700" y="3296950"/>
             <a:ext cx="8520600" cy="2795100"/>
           </a:xfrm>
           <a:prstGeom prst="rect">
@@ -9311,23 +9177,15 @@
           </a:prstGeom>
         </p:spPr>
         <p:txBody>
-          <a:bodyPr anchorCtr="0" anchor="t" bIns="91425" lIns="91425" spcFirstLastPara="1" rIns="91425" wrap="square" tIns="91425">
+          <a:bodyPr spcFirstLastPara="1" wrap="square" lIns="91425" tIns="91425" rIns="91425" bIns="91425" anchor="t" anchorCtr="0">
             <a:normAutofit/>
           </a:bodyPr>
           <a:lstStyle/>
           <a:p>
-            <a:pPr indent="-342900" lvl="0" marL="457200" rtl="0" algn="l">
-              <a:spcBef>
-                <a:spcPts val="0"/>
-              </a:spcBef>
-              <a:spcAft>
-                <a:spcPts val="0"/>
-              </a:spcAft>
+            <a:pPr>
               <a:buClr>
                 <a:schemeClr val="dk1"/>
               </a:buClr>
-              <a:buSzPts val="1800"/>
-              <a:buChar char="●"/>
             </a:pPr>
             <a:r>
               <a:rPr lang="en"/>
@@ -9336,16 +9194,6 @@
             <a:endParaRPr/>
           </a:p>
           <a:p>
-            <a:pPr indent="-342900" lvl="0" marL="457200" rtl="0" algn="l">
-              <a:spcBef>
-                <a:spcPts val="0"/>
-              </a:spcBef>
-              <a:spcAft>
-                <a:spcPts val="0"/>
-              </a:spcAft>
-              <a:buSzPts val="1800"/>
-              <a:buChar char="●"/>
-            </a:pPr>
             <a:r>
               <a:rPr lang="en"/>
               <a:t>위 코드에서 for문은 리스트변수 list_str의 항목 숫자만큼 반복을 합니다. 즉 여기서는 모두 4번 반복을 합니다.  </a:t>
@@ -9353,16 +9201,6 @@
             <a:endParaRPr/>
           </a:p>
           <a:p>
-            <a:pPr indent="-342900" lvl="0" marL="457200" rtl="0" algn="l">
-              <a:spcBef>
-                <a:spcPts val="0"/>
-              </a:spcBef>
-              <a:spcAft>
-                <a:spcPts val="0"/>
-              </a:spcAft>
-              <a:buSzPts val="1800"/>
-              <a:buChar char="●"/>
-            </a:pPr>
             <a:r>
               <a:rPr lang="en"/>
               <a:t>4번 반복할 때 마다, for문의 a변수에는 순서대로 list_str의 항목이 대입이 됩니다. </a:t>
@@ -9387,7 +9225,7 @@
         </p:blipFill>
         <p:spPr>
           <a:xfrm>
-            <a:off x="713250" y="1310429"/>
+            <a:off x="2237250" y="1310429"/>
             <a:ext cx="6915150" cy="990600"/>
           </a:xfrm>
           <a:prstGeom prst="rect">
@@ -9415,7 +9253,7 @@
         </p:blipFill>
         <p:spPr>
           <a:xfrm>
-            <a:off x="713250" y="2360654"/>
+            <a:off x="2237250" y="2360654"/>
             <a:ext cx="838200" cy="704850"/>
           </a:xfrm>
           <a:prstGeom prst="rect">
@@ -9434,7 +9272,7 @@
           <p:nvPr/>
         </p:nvGraphicFramePr>
         <p:xfrm>
-          <a:off x="841750" y="5152250"/>
+          <a:off x="2365750" y="5152250"/>
           <a:ext cx="3000000" cy="3000000"/>
         </p:xfrm>
         <a:graphic>
@@ -9445,10 +9283,34 @@
                 <a:tableStyleId>{CC85621F-43A2-4628-BD6D-B712AB2F4B25}</a:tableStyleId>
               </a:tblPr>
               <a:tblGrid>
-                <a:gridCol w="1809750"/>
-                <a:gridCol w="1809750"/>
-                <a:gridCol w="1809750"/>
-                <a:gridCol w="1809750"/>
+                <a:gridCol w="1809750">
+                  <a:extLst>
+                    <a:ext uri="{9D8B030D-6E8A-4147-A177-3AD203B41FA5}">
+                      <a16:colId xmlns:a16="http://schemas.microsoft.com/office/drawing/2014/main" val="20000"/>
+                    </a:ext>
+                  </a:extLst>
+                </a:gridCol>
+                <a:gridCol w="1809750">
+                  <a:extLst>
+                    <a:ext uri="{9D8B030D-6E8A-4147-A177-3AD203B41FA5}">
+                      <a16:colId xmlns:a16="http://schemas.microsoft.com/office/drawing/2014/main" val="20001"/>
+                    </a:ext>
+                  </a:extLst>
+                </a:gridCol>
+                <a:gridCol w="1809750">
+                  <a:extLst>
+                    <a:ext uri="{9D8B030D-6E8A-4147-A177-3AD203B41FA5}">
+                      <a16:colId xmlns:a16="http://schemas.microsoft.com/office/drawing/2014/main" val="20002"/>
+                    </a:ext>
+                  </a:extLst>
+                </a:gridCol>
+                <a:gridCol w="1809750">
+                  <a:extLst>
+                    <a:ext uri="{9D8B030D-6E8A-4147-A177-3AD203B41FA5}">
+                      <a16:colId xmlns:a16="http://schemas.microsoft.com/office/drawing/2014/main" val="20003"/>
+                    </a:ext>
+                  </a:extLst>
+                </a:gridCol>
               </a:tblGrid>
               <a:tr h="381000">
                 <a:tc>
@@ -9456,7 +9318,7 @@
                     <a:bodyPr/>
                     <a:lstStyle/>
                     <a:p>
-                      <a:pPr indent="0" lvl="0" marL="0" rtl="0" algn="ctr">
+                      <a:pPr marL="0" lvl="0" indent="0" algn="ctr" rtl="0">
                         <a:spcBef>
                           <a:spcPts val="0"/>
                         </a:spcBef>
@@ -9472,7 +9334,7 @@
                       <a:endParaRPr/>
                     </a:p>
                   </a:txBody>
-                  <a:tcPr marT="91425" marB="91425" marR="91425" marL="91425">
+                  <a:tcPr marL="91425" marR="91425" marT="91425" marB="91425">
                     <a:solidFill>
                       <a:srgbClr val="FFFF00"/>
                     </a:solidFill>
@@ -9483,7 +9345,7 @@
                     <a:bodyPr/>
                     <a:lstStyle/>
                     <a:p>
-                      <a:pPr indent="0" lvl="0" marL="0" rtl="0" algn="ctr">
+                      <a:pPr marL="0" lvl="0" indent="0" algn="ctr" rtl="0">
                         <a:spcBef>
                           <a:spcPts val="0"/>
                         </a:spcBef>
@@ -9499,7 +9361,7 @@
                       <a:endParaRPr/>
                     </a:p>
                   </a:txBody>
-                  <a:tcPr marT="91425" marB="91425" marR="91425" marL="91425">
+                  <a:tcPr marL="91425" marR="91425" marT="91425" marB="91425">
                     <a:solidFill>
                       <a:srgbClr val="FFFF00"/>
                     </a:solidFill>
@@ -9510,7 +9372,7 @@
                     <a:bodyPr/>
                     <a:lstStyle/>
                     <a:p>
-                      <a:pPr indent="0" lvl="0" marL="0" rtl="0" algn="ctr">
+                      <a:pPr marL="0" lvl="0" indent="0" algn="ctr" rtl="0">
                         <a:spcBef>
                           <a:spcPts val="0"/>
                         </a:spcBef>
@@ -9526,7 +9388,7 @@
                       <a:endParaRPr/>
                     </a:p>
                   </a:txBody>
-                  <a:tcPr marT="91425" marB="91425" marR="91425" marL="91425">
+                  <a:tcPr marL="91425" marR="91425" marT="91425" marB="91425">
                     <a:solidFill>
                       <a:srgbClr val="FFFF00"/>
                     </a:solidFill>
@@ -9537,7 +9399,7 @@
                     <a:bodyPr/>
                     <a:lstStyle/>
                     <a:p>
-                      <a:pPr indent="0" lvl="0" marL="0" rtl="0" algn="ctr">
+                      <a:pPr marL="0" lvl="0" indent="0" algn="ctr" rtl="0">
                         <a:spcBef>
                           <a:spcPts val="0"/>
                         </a:spcBef>
@@ -9553,12 +9415,17 @@
                       <a:endParaRPr/>
                     </a:p>
                   </a:txBody>
-                  <a:tcPr marT="91425" marB="91425" marR="91425" marL="91425">
+                  <a:tcPr marL="91425" marR="91425" marT="91425" marB="91425">
                     <a:solidFill>
                       <a:srgbClr val="FFFF00"/>
                     </a:solidFill>
                   </a:tcPr>
                 </a:tc>
+                <a:extLst>
+                  <a:ext uri="{0D108BD9-81ED-4DB2-BD59-A6C34878D82A}">
+                    <a16:rowId xmlns:a16="http://schemas.microsoft.com/office/drawing/2014/main" val="10000"/>
+                  </a:ext>
+                </a:extLst>
               </a:tr>
               <a:tr h="381000">
                 <a:tc>
@@ -9566,7 +9433,7 @@
                     <a:bodyPr/>
                     <a:lstStyle/>
                     <a:p>
-                      <a:pPr indent="0" lvl="0" marL="0" rtl="0" algn="ctr">
+                      <a:pPr marL="0" lvl="0" indent="0" algn="ctr" rtl="0">
                         <a:spcBef>
                           <a:spcPts val="0"/>
                         </a:spcBef>
@@ -9582,14 +9449,14 @@
                       <a:endParaRPr/>
                     </a:p>
                   </a:txBody>
-                  <a:tcPr marT="91425" marB="91425" marR="91425" marL="91425"/>
+                  <a:tcPr marL="91425" marR="91425" marT="91425" marB="91425"/>
                 </a:tc>
                 <a:tc>
                   <a:txBody>
                     <a:bodyPr/>
                     <a:lstStyle/>
                     <a:p>
-                      <a:pPr indent="0" lvl="0" marL="0" rtl="0" algn="ctr">
+                      <a:pPr marL="0" lvl="0" indent="0" algn="ctr" rtl="0">
                         <a:spcBef>
                           <a:spcPts val="0"/>
                         </a:spcBef>
@@ -9614,14 +9481,14 @@
                       <a:endParaRPr/>
                     </a:p>
                   </a:txBody>
-                  <a:tcPr marT="91425" marB="91425" marR="91425" marL="91425"/>
+                  <a:tcPr marL="91425" marR="91425" marT="91425" marB="91425"/>
                 </a:tc>
                 <a:tc>
                   <a:txBody>
                     <a:bodyPr/>
                     <a:lstStyle/>
                     <a:p>
-                      <a:pPr indent="0" lvl="0" marL="0" rtl="0" algn="ctr">
+                      <a:pPr marL="0" lvl="0" indent="0" algn="ctr" rtl="0">
                         <a:spcBef>
                           <a:spcPts val="0"/>
                         </a:spcBef>
@@ -9646,14 +9513,14 @@
                       <a:endParaRPr/>
                     </a:p>
                   </a:txBody>
-                  <a:tcPr marT="91425" marB="91425" marR="91425" marL="91425"/>
+                  <a:tcPr marL="91425" marR="91425" marT="91425" marB="91425"/>
                 </a:tc>
                 <a:tc>
                   <a:txBody>
                     <a:bodyPr/>
                     <a:lstStyle/>
                     <a:p>
-                      <a:pPr indent="0" lvl="0" marL="0" rtl="0" algn="ctr">
+                      <a:pPr marL="0" lvl="0" indent="0" algn="ctr" rtl="0">
                         <a:spcBef>
                           <a:spcPts val="0"/>
                         </a:spcBef>
@@ -9678,8 +9545,13 @@
                       <a:endParaRPr/>
                     </a:p>
                   </a:txBody>
-                  <a:tcPr marT="91425" marB="91425" marR="91425" marL="91425"/>
+                  <a:tcPr marL="91425" marR="91425" marT="91425" marB="91425"/>
                 </a:tc>
+                <a:extLst>
+                  <a:ext uri="{0D108BD9-81ED-4DB2-BD59-A6C34878D82A}">
+                    <a16:rowId xmlns:a16="http://schemas.microsoft.com/office/drawing/2014/main" val="10001"/>
+                  </a:ext>
+                </a:extLst>
               </a:tr>
             </a:tbl>
           </a:graphicData>
@@ -9694,11 +9566,11 @@
 </file>
 
 <file path=ppt/slides/slide6.xml><?xml version="1.0" encoding="utf-8"?>
-<p:sld xmlns:a="http://schemas.openxmlformats.org/drawingml/2006/main" xmlns:r="http://schemas.openxmlformats.org/officeDocument/2006/relationships" xmlns:mc="http://schemas.openxmlformats.org/markup-compatibility/2006" xmlns:mv="urn:schemas-microsoft-com:mac:vml" xmlns:p="http://schemas.openxmlformats.org/presentationml/2006/main" xmlns:c="http://schemas.openxmlformats.org/drawingml/2006/chart" xmlns:dgm="http://schemas.openxmlformats.org/drawingml/2006/diagram" xmlns:o="urn:schemas-microsoft-com:office:office" xmlns:v="urn:schemas-microsoft-com:vml" xmlns:pvml="urn:schemas-microsoft-com:office:powerpoint" xmlns:com="http://schemas.openxmlformats.org/drawingml/2006/compatibility" xmlns:p14="http://schemas.microsoft.com/office/powerpoint/2010/main" xmlns:p15="http://schemas.microsoft.com/office/powerpoint/2012/main" xmlns:ahyp="http://schemas.microsoft.com/office/drawing/2018/hyperlinkcolor">
+<p:sld xmlns:a="http://schemas.openxmlformats.org/drawingml/2006/main" xmlns:r="http://schemas.openxmlformats.org/officeDocument/2006/relationships" xmlns:p="http://schemas.openxmlformats.org/presentationml/2006/main">
   <p:cSld>
     <p:spTree>
       <p:nvGrpSpPr>
-        <p:cNvPr id="97" name="Shape 97"/>
+        <p:cNvPr id="1" name="Shape 97"/>
         <p:cNvGrpSpPr/>
         <p:nvPr/>
       </p:nvGrpSpPr>
@@ -9713,14 +9585,16 @@
       <p:sp>
         <p:nvSpPr>
           <p:cNvPr id="98" name="Google Shape;98;p18"/>
-          <p:cNvSpPr txBox="1"/>
+          <p:cNvSpPr txBox="1">
+            <a:spLocks noGrp="1"/>
+          </p:cNvSpPr>
           <p:nvPr>
             <p:ph type="title"/>
           </p:nvPr>
         </p:nvSpPr>
         <p:spPr>
           <a:xfrm>
-            <a:off x="311700" y="593367"/>
+            <a:off x="1835700" y="593367"/>
             <a:ext cx="8520600" cy="763500"/>
           </a:xfrm>
           <a:prstGeom prst="rect">
@@ -9728,22 +9602,13 @@
           </a:prstGeom>
         </p:spPr>
         <p:txBody>
-          <a:bodyPr anchorCtr="0" anchor="t" bIns="91425" lIns="91425" spcFirstLastPara="1" rIns="91425" wrap="square" tIns="91425">
+          <a:bodyPr spcFirstLastPara="1" wrap="square" lIns="91425" tIns="91425" rIns="91425" bIns="91425" anchor="t" anchorCtr="0">
             <a:normAutofit/>
           </a:bodyPr>
           <a:lstStyle/>
           <a:p>
-            <a:pPr indent="0" lvl="0" marL="0" rtl="0" algn="l">
-              <a:spcBef>
-                <a:spcPts val="0"/>
-              </a:spcBef>
-              <a:spcAft>
-                <a:spcPts val="0"/>
-              </a:spcAft>
-              <a:buNone/>
-            </a:pPr>
             <a:r>
-              <a:rPr b="1" lang="en"/>
+              <a:rPr lang="en" b="1"/>
               <a:t>리스트변수와 for 문 - 예제 </a:t>
             </a:r>
             <a:endParaRPr b="1"/>
@@ -9753,14 +9618,16 @@
       <p:sp>
         <p:nvSpPr>
           <p:cNvPr id="99" name="Google Shape;99;p18"/>
-          <p:cNvSpPr txBox="1"/>
+          <p:cNvSpPr txBox="1">
+            <a:spLocks noGrp="1"/>
+          </p:cNvSpPr>
           <p:nvPr>
-            <p:ph idx="1" type="body"/>
+            <p:ph type="body" idx="1"/>
           </p:nvPr>
         </p:nvSpPr>
         <p:spPr>
           <a:xfrm>
-            <a:off x="311700" y="1536633"/>
+            <a:off x="1835700" y="1536633"/>
             <a:ext cx="8520600" cy="4555200"/>
           </a:xfrm>
           <a:prstGeom prst="rect">
@@ -9768,21 +9635,11 @@
           </a:prstGeom>
         </p:spPr>
         <p:txBody>
-          <a:bodyPr anchorCtr="0" anchor="t" bIns="91425" lIns="91425" spcFirstLastPara="1" rIns="91425" wrap="square" tIns="91425">
+          <a:bodyPr spcFirstLastPara="1" wrap="square" lIns="91425" tIns="91425" rIns="91425" bIns="91425" anchor="t" anchorCtr="0">
             <a:normAutofit/>
           </a:bodyPr>
           <a:lstStyle/>
           <a:p>
-            <a:pPr indent="-342900" lvl="0" marL="457200" rtl="0" algn="l">
-              <a:spcBef>
-                <a:spcPts val="0"/>
-              </a:spcBef>
-              <a:spcAft>
-                <a:spcPts val="0"/>
-              </a:spcAft>
-              <a:buSzPts val="1800"/>
-              <a:buChar char="●"/>
-            </a:pPr>
             <a:r>
               <a:rPr lang="en"/>
               <a:t>놀이동산에서 키가 100cm 이상인 어린이만 놀이기구를 탈 수 있습니다. </a:t>
@@ -9790,16 +9647,6 @@
             <a:endParaRPr/>
           </a:p>
           <a:p>
-            <a:pPr indent="-342900" lvl="0" marL="457200" rtl="0" algn="l">
-              <a:spcBef>
-                <a:spcPts val="0"/>
-              </a:spcBef>
-              <a:spcAft>
-                <a:spcPts val="0"/>
-              </a:spcAft>
-              <a:buSzPts val="1800"/>
-              <a:buChar char="●"/>
-            </a:pPr>
             <a:r>
               <a:rPr lang="en"/>
               <a:t>어린이 5명의 키카 리스트변수로 주어졌을 때, 100cm 키를 판별하는 파이썬 코드를 만들어 봅시다. </a:t>
@@ -9807,7 +9654,7 @@
             <a:endParaRPr/>
           </a:p>
           <a:p>
-            <a:pPr indent="0" lvl="0" marL="457200" rtl="0" algn="l">
+            <a:pPr indent="0">
               <a:spcBef>
                 <a:spcPts val="1200"/>
               </a:spcBef>
@@ -9816,9 +9663,6 @@
               </a:spcAft>
               <a:buNone/>
             </a:pPr>
-            <a:r>
-              <a:t/>
-            </a:r>
             <a:endParaRPr/>
           </a:p>
         </p:txBody>
@@ -9839,7 +9683,7 @@
         </p:blipFill>
         <p:spPr>
           <a:xfrm>
-            <a:off x="587963" y="2709850"/>
+            <a:off x="2111964" y="2709851"/>
             <a:ext cx="6962775" cy="1438275"/>
           </a:xfrm>
           <a:prstGeom prst="rect">
@@ -9860,11 +9704,11 @@
 </file>
 
 <file path=ppt/slides/slide7.xml><?xml version="1.0" encoding="utf-8"?>
-<p:sld xmlns:a="http://schemas.openxmlformats.org/drawingml/2006/main" xmlns:r="http://schemas.openxmlformats.org/officeDocument/2006/relationships" xmlns:mc="http://schemas.openxmlformats.org/markup-compatibility/2006" xmlns:mv="urn:schemas-microsoft-com:mac:vml" xmlns:p="http://schemas.openxmlformats.org/presentationml/2006/main" xmlns:c="http://schemas.openxmlformats.org/drawingml/2006/chart" xmlns:dgm="http://schemas.openxmlformats.org/drawingml/2006/diagram" xmlns:o="urn:schemas-microsoft-com:office:office" xmlns:v="urn:schemas-microsoft-com:vml" xmlns:pvml="urn:schemas-microsoft-com:office:powerpoint" xmlns:com="http://schemas.openxmlformats.org/drawingml/2006/compatibility" xmlns:p14="http://schemas.microsoft.com/office/powerpoint/2010/main" xmlns:p15="http://schemas.microsoft.com/office/powerpoint/2012/main" xmlns:ahyp="http://schemas.microsoft.com/office/drawing/2018/hyperlinkcolor">
+<p:sld xmlns:a="http://schemas.openxmlformats.org/drawingml/2006/main" xmlns:r="http://schemas.openxmlformats.org/officeDocument/2006/relationships" xmlns:p="http://schemas.openxmlformats.org/presentationml/2006/main">
   <p:cSld>
     <p:spTree>
       <p:nvGrpSpPr>
-        <p:cNvPr id="104" name="Shape 104"/>
+        <p:cNvPr id="1" name="Shape 104"/>
         <p:cNvGrpSpPr/>
         <p:nvPr/>
       </p:nvGrpSpPr>
@@ -9879,14 +9723,16 @@
       <p:sp>
         <p:nvSpPr>
           <p:cNvPr id="105" name="Google Shape;105;p19"/>
-          <p:cNvSpPr txBox="1"/>
+          <p:cNvSpPr txBox="1">
+            <a:spLocks noGrp="1"/>
+          </p:cNvSpPr>
           <p:nvPr>
             <p:ph type="title"/>
           </p:nvPr>
         </p:nvSpPr>
         <p:spPr>
           <a:xfrm>
-            <a:off x="311700" y="593367"/>
+            <a:off x="1835700" y="593367"/>
             <a:ext cx="8520600" cy="763500"/>
           </a:xfrm>
           <a:prstGeom prst="rect">
@@ -9894,22 +9740,13 @@
           </a:prstGeom>
         </p:spPr>
         <p:txBody>
-          <a:bodyPr anchorCtr="0" anchor="t" bIns="91425" lIns="91425" spcFirstLastPara="1" rIns="91425" wrap="square" tIns="91425">
+          <a:bodyPr spcFirstLastPara="1" wrap="square" lIns="91425" tIns="91425" rIns="91425" bIns="91425" anchor="t" anchorCtr="0">
             <a:normAutofit/>
           </a:bodyPr>
           <a:lstStyle/>
           <a:p>
-            <a:pPr indent="0" lvl="0" marL="0" rtl="0" algn="l">
-              <a:spcBef>
-                <a:spcPts val="0"/>
-              </a:spcBef>
-              <a:spcAft>
-                <a:spcPts val="0"/>
-              </a:spcAft>
-              <a:buNone/>
-            </a:pPr>
             <a:r>
-              <a:rPr b="1" lang="en"/>
+              <a:rPr lang="en" b="1"/>
               <a:t>For문과 continue()</a:t>
             </a:r>
             <a:endParaRPr b="1"/>
@@ -9919,14 +9756,16 @@
       <p:sp>
         <p:nvSpPr>
           <p:cNvPr id="106" name="Google Shape;106;p19"/>
-          <p:cNvSpPr txBox="1"/>
+          <p:cNvSpPr txBox="1">
+            <a:spLocks noGrp="1"/>
+          </p:cNvSpPr>
           <p:nvPr>
-            <p:ph idx="1" type="body"/>
+            <p:ph type="body" idx="1"/>
           </p:nvPr>
         </p:nvSpPr>
         <p:spPr>
           <a:xfrm>
-            <a:off x="311700" y="1536631"/>
+            <a:off x="1835700" y="1536631"/>
             <a:ext cx="8520600" cy="1521900"/>
           </a:xfrm>
           <a:prstGeom prst="rect">
@@ -9934,21 +9773,11 @@
           </a:prstGeom>
         </p:spPr>
         <p:txBody>
-          <a:bodyPr anchorCtr="0" anchor="t" bIns="91425" lIns="91425" spcFirstLastPara="1" rIns="91425" wrap="square" tIns="91425">
+          <a:bodyPr spcFirstLastPara="1" wrap="square" lIns="91425" tIns="91425" rIns="91425" bIns="91425" anchor="t" anchorCtr="0">
             <a:normAutofit/>
           </a:bodyPr>
           <a:lstStyle/>
           <a:p>
-            <a:pPr indent="-342900" lvl="0" marL="457200" rtl="0" algn="l">
-              <a:spcBef>
-                <a:spcPts val="0"/>
-              </a:spcBef>
-              <a:spcAft>
-                <a:spcPts val="0"/>
-              </a:spcAft>
-              <a:buSzPts val="1800"/>
-              <a:buChar char="●"/>
-            </a:pPr>
             <a:r>
               <a:rPr lang="en"/>
               <a:t>For문에서는 continue 명령을 사용할 수 있습니다. </a:t>
@@ -9956,16 +9785,6 @@
             <a:endParaRPr/>
           </a:p>
           <a:p>
-            <a:pPr indent="-342900" lvl="0" marL="457200" rtl="0" algn="l">
-              <a:spcBef>
-                <a:spcPts val="0"/>
-              </a:spcBef>
-              <a:spcAft>
-                <a:spcPts val="0"/>
-              </a:spcAft>
-              <a:buSzPts val="1800"/>
-              <a:buChar char="●"/>
-            </a:pPr>
             <a:r>
               <a:rPr lang="en"/>
               <a:t>For문에서 반복이 실행되다가 continue 명령을 만나면, 바로 실행이 중단되고 for문 처음으로 돌아갑니다. </a:t>
@@ -9973,16 +9792,6 @@
             <a:endParaRPr/>
           </a:p>
           <a:p>
-            <a:pPr indent="-342900" lvl="0" marL="457200" rtl="0" algn="l">
-              <a:spcBef>
-                <a:spcPts val="0"/>
-              </a:spcBef>
-              <a:spcAft>
-                <a:spcPts val="0"/>
-              </a:spcAft>
-              <a:buSzPts val="1800"/>
-              <a:buChar char="●"/>
-            </a:pPr>
             <a:r>
               <a:rPr lang="en"/>
               <a:t>그리고 다음 반복이 실행 됩니다. </a:t>
@@ -10007,7 +9816,7 @@
         </p:blipFill>
         <p:spPr>
           <a:xfrm>
-            <a:off x="1319525" y="3058531"/>
+            <a:off x="2843525" y="3058531"/>
             <a:ext cx="6896100" cy="1847850"/>
           </a:xfrm>
           <a:prstGeom prst="rect">
@@ -10035,7 +9844,7 @@
         </p:blipFill>
         <p:spPr>
           <a:xfrm>
-            <a:off x="1319525" y="5041731"/>
+            <a:off x="2843525" y="5041731"/>
             <a:ext cx="5048250" cy="1466850"/>
           </a:xfrm>
           <a:prstGeom prst="rect">
@@ -10056,11 +9865,11 @@
 </file>
 
 <file path=ppt/slides/slide8.xml><?xml version="1.0" encoding="utf-8"?>
-<p:sld xmlns:a="http://schemas.openxmlformats.org/drawingml/2006/main" xmlns:r="http://schemas.openxmlformats.org/officeDocument/2006/relationships" xmlns:mc="http://schemas.openxmlformats.org/markup-compatibility/2006" xmlns:mv="urn:schemas-microsoft-com:mac:vml" xmlns:p="http://schemas.openxmlformats.org/presentationml/2006/main" xmlns:c="http://schemas.openxmlformats.org/drawingml/2006/chart" xmlns:dgm="http://schemas.openxmlformats.org/drawingml/2006/diagram" xmlns:o="urn:schemas-microsoft-com:office:office" xmlns:v="urn:schemas-microsoft-com:vml" xmlns:pvml="urn:schemas-microsoft-com:office:powerpoint" xmlns:com="http://schemas.openxmlformats.org/drawingml/2006/compatibility" xmlns:p14="http://schemas.microsoft.com/office/powerpoint/2010/main" xmlns:p15="http://schemas.microsoft.com/office/powerpoint/2012/main" xmlns:ahyp="http://schemas.microsoft.com/office/drawing/2018/hyperlinkcolor">
+<p:sld xmlns:a="http://schemas.openxmlformats.org/drawingml/2006/main" xmlns:r="http://schemas.openxmlformats.org/officeDocument/2006/relationships" xmlns:p="http://schemas.openxmlformats.org/presentationml/2006/main">
   <p:cSld>
     <p:spTree>
       <p:nvGrpSpPr>
-        <p:cNvPr id="112" name="Shape 112"/>
+        <p:cNvPr id="1" name="Shape 112"/>
         <p:cNvGrpSpPr/>
         <p:nvPr/>
       </p:nvGrpSpPr>
@@ -10075,14 +9884,16 @@
       <p:sp>
         <p:nvSpPr>
           <p:cNvPr id="113" name="Google Shape;113;p20"/>
-          <p:cNvSpPr txBox="1"/>
+          <p:cNvSpPr txBox="1">
+            <a:spLocks noGrp="1"/>
+          </p:cNvSpPr>
           <p:nvPr>
             <p:ph type="title"/>
           </p:nvPr>
         </p:nvSpPr>
         <p:spPr>
           <a:xfrm>
-            <a:off x="311700" y="593367"/>
+            <a:off x="1835700" y="593367"/>
             <a:ext cx="8520600" cy="763500"/>
           </a:xfrm>
           <a:prstGeom prst="rect">
@@ -10090,22 +9901,13 @@
           </a:prstGeom>
         </p:spPr>
         <p:txBody>
-          <a:bodyPr anchorCtr="0" anchor="t" bIns="91425" lIns="91425" spcFirstLastPara="1" rIns="91425" wrap="square" tIns="91425">
+          <a:bodyPr spcFirstLastPara="1" wrap="square" lIns="91425" tIns="91425" rIns="91425" bIns="91425" anchor="t" anchorCtr="0">
             <a:normAutofit/>
           </a:bodyPr>
           <a:lstStyle/>
           <a:p>
-            <a:pPr indent="0" lvl="0" marL="0" rtl="0" algn="l">
-              <a:spcBef>
-                <a:spcPts val="0"/>
-              </a:spcBef>
-              <a:spcAft>
-                <a:spcPts val="0"/>
-              </a:spcAft>
-              <a:buNone/>
-            </a:pPr>
             <a:r>
-              <a:rPr b="1" lang="en"/>
+              <a:rPr lang="en" b="1"/>
               <a:t>For문과 range() </a:t>
             </a:r>
             <a:endParaRPr b="1"/>
@@ -10115,14 +9917,16 @@
       <p:sp>
         <p:nvSpPr>
           <p:cNvPr id="114" name="Google Shape;114;p20"/>
-          <p:cNvSpPr txBox="1"/>
+          <p:cNvSpPr txBox="1">
+            <a:spLocks noGrp="1"/>
+          </p:cNvSpPr>
           <p:nvPr>
-            <p:ph idx="1" type="body"/>
+            <p:ph type="body" idx="1"/>
           </p:nvPr>
         </p:nvSpPr>
         <p:spPr>
           <a:xfrm>
-            <a:off x="311700" y="1536633"/>
+            <a:off x="1835700" y="1536633"/>
             <a:ext cx="8520600" cy="4555200"/>
           </a:xfrm>
           <a:prstGeom prst="rect">
@@ -10130,23 +9934,17 @@
           </a:prstGeom>
         </p:spPr>
         <p:txBody>
-          <a:bodyPr anchorCtr="0" anchor="t" bIns="91425" lIns="91425" spcFirstLastPara="1" rIns="91425" wrap="square" tIns="91425">
+          <a:bodyPr spcFirstLastPara="1" wrap="square" lIns="91425" tIns="91425" rIns="91425" bIns="91425" anchor="t" anchorCtr="0">
             <a:normAutofit/>
           </a:bodyPr>
           <a:lstStyle/>
           <a:p>
-            <a:pPr indent="0" lvl="0" marL="0" rtl="0" algn="l">
-              <a:spcBef>
-                <a:spcPts val="0"/>
-              </a:spcBef>
+            <a:pPr marL="0" indent="0">
               <a:spcAft>
                 <a:spcPts val="1200"/>
               </a:spcAft>
               <a:buNone/>
             </a:pPr>
-            <a:r>
-              <a:t/>
-            </a:r>
             <a:endParaRPr/>
           </a:p>
         </p:txBody>
@@ -10160,11 +9958,11 @@
 </file>
 
 <file path=ppt/slides/slide9.xml><?xml version="1.0" encoding="utf-8"?>
-<p:sld xmlns:a="http://schemas.openxmlformats.org/drawingml/2006/main" xmlns:r="http://schemas.openxmlformats.org/officeDocument/2006/relationships" xmlns:mc="http://schemas.openxmlformats.org/markup-compatibility/2006" xmlns:mv="urn:schemas-microsoft-com:mac:vml" xmlns:p="http://schemas.openxmlformats.org/presentationml/2006/main" xmlns:c="http://schemas.openxmlformats.org/drawingml/2006/chart" xmlns:dgm="http://schemas.openxmlformats.org/drawingml/2006/diagram" xmlns:o="urn:schemas-microsoft-com:office:office" xmlns:v="urn:schemas-microsoft-com:vml" xmlns:pvml="urn:schemas-microsoft-com:office:powerpoint" xmlns:com="http://schemas.openxmlformats.org/drawingml/2006/compatibility" xmlns:p14="http://schemas.microsoft.com/office/powerpoint/2010/main" xmlns:p15="http://schemas.microsoft.com/office/powerpoint/2012/main" xmlns:ahyp="http://schemas.microsoft.com/office/drawing/2018/hyperlinkcolor">
+<p:sld xmlns:a="http://schemas.openxmlformats.org/drawingml/2006/main" xmlns:r="http://schemas.openxmlformats.org/officeDocument/2006/relationships" xmlns:p="http://schemas.openxmlformats.org/presentationml/2006/main">
   <p:cSld>
     <p:spTree>
       <p:nvGrpSpPr>
-        <p:cNvPr id="118" name="Shape 118"/>
+        <p:cNvPr id="1" name="Shape 118"/>
         <p:cNvGrpSpPr/>
         <p:nvPr/>
       </p:nvGrpSpPr>
@@ -10179,14 +9977,16 @@
       <p:sp>
         <p:nvSpPr>
           <p:cNvPr id="119" name="Google Shape;119;p21"/>
-          <p:cNvSpPr txBox="1"/>
+          <p:cNvSpPr txBox="1">
+            <a:spLocks noGrp="1"/>
+          </p:cNvSpPr>
           <p:nvPr>
             <p:ph type="title"/>
           </p:nvPr>
         </p:nvSpPr>
         <p:spPr>
           <a:xfrm>
-            <a:off x="311700" y="593367"/>
+            <a:off x="1835700" y="593367"/>
             <a:ext cx="8520600" cy="763500"/>
           </a:xfrm>
           <a:prstGeom prst="rect">
@@ -10194,22 +9994,13 @@
           </a:prstGeom>
         </p:spPr>
         <p:txBody>
-          <a:bodyPr anchorCtr="0" anchor="t" bIns="91425" lIns="91425" spcFirstLastPara="1" rIns="91425" wrap="square" tIns="91425">
+          <a:bodyPr spcFirstLastPara="1" wrap="square" lIns="91425" tIns="91425" rIns="91425" bIns="91425" anchor="t" anchorCtr="0">
             <a:normAutofit/>
           </a:bodyPr>
           <a:lstStyle/>
           <a:p>
-            <a:pPr indent="0" lvl="0" marL="0" rtl="0" algn="l">
-              <a:spcBef>
-                <a:spcPts val="0"/>
-              </a:spcBef>
-              <a:spcAft>
-                <a:spcPts val="0"/>
-              </a:spcAft>
-              <a:buNone/>
-            </a:pPr>
             <a:r>
-              <a:rPr b="1" lang="en"/>
+              <a:rPr lang="en" b="1"/>
               <a:t>For문 퀴즈 </a:t>
             </a:r>
             <a:endParaRPr b="1"/>
@@ -10219,14 +10010,16 @@
       <p:sp>
         <p:nvSpPr>
           <p:cNvPr id="120" name="Google Shape;120;p21"/>
-          <p:cNvSpPr txBox="1"/>
+          <p:cNvSpPr txBox="1">
+            <a:spLocks noGrp="1"/>
+          </p:cNvSpPr>
           <p:nvPr>
-            <p:ph idx="1" type="body"/>
+            <p:ph type="body" idx="1"/>
           </p:nvPr>
         </p:nvSpPr>
         <p:spPr>
           <a:xfrm>
-            <a:off x="311700" y="1536633"/>
+            <a:off x="1835700" y="1536633"/>
             <a:ext cx="8520600" cy="4555200"/>
           </a:xfrm>
           <a:prstGeom prst="rect">
@@ -10234,21 +10027,11 @@
           </a:prstGeom>
         </p:spPr>
         <p:txBody>
-          <a:bodyPr anchorCtr="0" anchor="t" bIns="91425" lIns="91425" spcFirstLastPara="1" rIns="91425" wrap="square" tIns="91425">
+          <a:bodyPr spcFirstLastPara="1" wrap="square" lIns="91425" tIns="91425" rIns="91425" bIns="91425" anchor="t" anchorCtr="0">
             <a:normAutofit/>
           </a:bodyPr>
           <a:lstStyle/>
           <a:p>
-            <a:pPr indent="-342900" lvl="0" marL="457200" rtl="0" algn="l">
-              <a:spcBef>
-                <a:spcPts val="0"/>
-              </a:spcBef>
-              <a:spcAft>
-                <a:spcPts val="0"/>
-              </a:spcAft>
-              <a:buSzPts val="1800"/>
-              <a:buChar char="●"/>
-            </a:pPr>
             <a:r>
               <a:rPr lang="en"/>
               <a:t>For문을 이용해서 구구단을 프린트 해보세요.</a:t>
@@ -10256,16 +10039,6 @@
             <a:endParaRPr/>
           </a:p>
           <a:p>
-            <a:pPr indent="-342900" lvl="0" marL="457200" rtl="0" algn="l">
-              <a:spcBef>
-                <a:spcPts val="0"/>
-              </a:spcBef>
-              <a:spcAft>
-                <a:spcPts val="0"/>
-              </a:spcAft>
-              <a:buSzPts val="1800"/>
-              <a:buChar char="●"/>
-            </a:pPr>
             <a:r>
               <a:rPr lang="en"/>
               <a:t>힌트: for문을 중복해서 사용해야 합니다. </a:t>
@@ -10273,13 +10046,10 @@
             <a:endParaRPr/>
           </a:p>
           <a:p>
-            <a:pPr indent="0" lvl="0" marL="0" rtl="0" algn="l">
+            <a:pPr marL="0" indent="0">
               <a:spcBef>
                 <a:spcPts val="1200"/>
               </a:spcBef>
-              <a:spcAft>
-                <a:spcPts val="0"/>
-              </a:spcAft>
               <a:buNone/>
             </a:pPr>
             <a:r>
@@ -10289,13 +10059,10 @@
             <a:endParaRPr/>
           </a:p>
           <a:p>
-            <a:pPr indent="0" lvl="0" marL="0" rtl="0" algn="l">
+            <a:pPr marL="0" indent="0">
               <a:spcBef>
                 <a:spcPts val="1200"/>
               </a:spcBef>
-              <a:spcAft>
-                <a:spcPts val="0"/>
-              </a:spcAft>
               <a:buNone/>
             </a:pPr>
             <a:r>
@@ -10305,22 +10072,16 @@
             <a:endParaRPr/>
           </a:p>
           <a:p>
-            <a:pPr indent="0" lvl="0" marL="0" rtl="0" algn="l">
+            <a:pPr marL="0" indent="0">
               <a:spcBef>
                 <a:spcPts val="1200"/>
               </a:spcBef>
-              <a:spcAft>
-                <a:spcPts val="0"/>
-              </a:spcAft>
               <a:buNone/>
             </a:pPr>
-            <a:r>
-              <a:t/>
-            </a:r>
             <a:endParaRPr/>
           </a:p>
           <a:p>
-            <a:pPr indent="0" lvl="0" marL="0" rtl="0" algn="l">
+            <a:pPr marL="0" indent="0">
               <a:spcBef>
                 <a:spcPts val="1200"/>
               </a:spcBef>
@@ -10346,7 +10107,7 @@
 </file>
 
 <file path=ppt/theme/theme1.xml><?xml version="1.0" encoding="utf-8"?>
-<a:theme xmlns:a="http://schemas.openxmlformats.org/drawingml/2006/main" xmlns:r="http://schemas.openxmlformats.org/officeDocument/2006/relationships" name="Simple Light">
+<a:theme xmlns:a="http://schemas.openxmlformats.org/drawingml/2006/main" name="Simple Light">
   <a:themeElements>
     <a:clrScheme name="Simple Light">
       <a:dk1>
@@ -10621,11 +10382,13 @@
       </a:bgFillStyleLst>
     </a:fmtScheme>
   </a:themeElements>
+  <a:objectDefaults/>
+  <a:extraClrSchemeLst/>
 </a:theme>
 </file>
 
 <file path=ppt/theme/theme2.xml><?xml version="1.0" encoding="utf-8"?>
-<a:theme xmlns:a="http://schemas.openxmlformats.org/drawingml/2006/main" xmlns:r="http://schemas.openxmlformats.org/officeDocument/2006/relationships">
+<a:theme xmlns:a="http://schemas.openxmlformats.org/drawingml/2006/main">
   <a:themeElements>
     <a:clrScheme name="Default">
       <a:dk1>
@@ -10900,5 +10663,7 @@
       </a:bgFillStyleLst>
     </a:fmtScheme>
   </a:themeElements>
+  <a:objectDefaults/>
+  <a:extraClrSchemeLst/>
 </a:theme>
 </file>